--- a/电力系统脆弱性研究/电力系统脆弱性研究.pptx
+++ b/电力系统脆弱性研究/电力系统脆弱性研究.pptx
@@ -4,6 +4,9 @@
   <p:sldMasterIdLst>
     <p:sldMasterId id="2147483648" r:id="rId1"/>
   </p:sldMasterIdLst>
+  <p:notesMasterIdLst>
+    <p:notesMasterId r:id="rId39"/>
+  </p:notesMasterIdLst>
   <p:sldIdLst>
     <p:sldId id="256" r:id="rId2"/>
     <p:sldId id="257" r:id="rId3"/>
@@ -41,6 +44,7 @@
     <p:sldId id="289" r:id="rId35"/>
     <p:sldId id="290" r:id="rId36"/>
     <p:sldId id="291" r:id="rId37"/>
+    <p:sldId id="292" r:id="rId38"/>
   </p:sldIdLst>
   <p:sldSz cx="12192000" cy="6858000"/>
   <p:notesSz cx="6858000" cy="9144000"/>
@@ -147,6 +151,448 @@
 </p:presentation>
 </file>
 
+<file path=ppt/notesMasters/notesMaster1.xml><?xml version="1.0" encoding="utf-8"?>
+<p:notesMaster xmlns:a="http://schemas.openxmlformats.org/drawingml/2006/main" xmlns:r="http://schemas.openxmlformats.org/officeDocument/2006/relationships" xmlns:p="http://schemas.openxmlformats.org/presentationml/2006/main">
+  <p:cSld>
+    <p:bg>
+      <p:bgRef idx="1001">
+        <a:schemeClr val="bg1"/>
+      </p:bgRef>
+    </p:bg>
+    <p:spTree>
+      <p:nvGrpSpPr>
+        <p:cNvPr id="1" name=""/>
+        <p:cNvGrpSpPr/>
+        <p:nvPr/>
+      </p:nvGrpSpPr>
+      <p:grpSpPr>
+        <a:xfrm>
+          <a:off x="0" y="0"/>
+          <a:ext cx="0" cy="0"/>
+          <a:chOff x="0" y="0"/>
+          <a:chExt cx="0" cy="0"/>
+        </a:xfrm>
+      </p:grpSpPr>
+      <p:sp>
+        <p:nvSpPr>
+          <p:cNvPr id="2" name="页眉占位符 1"/>
+          <p:cNvSpPr>
+            <a:spLocks noGrp="1"/>
+          </p:cNvSpPr>
+          <p:nvPr>
+            <p:ph type="hdr" sz="quarter"/>
+          </p:nvPr>
+        </p:nvSpPr>
+        <p:spPr>
+          <a:xfrm>
+            <a:off x="0" y="0"/>
+            <a:ext cx="2971800" cy="458788"/>
+          </a:xfrm>
+          <a:prstGeom prst="rect">
+            <a:avLst/>
+          </a:prstGeom>
+        </p:spPr>
+        <p:txBody>
+          <a:bodyPr vert="horz" lIns="91440" tIns="45720" rIns="91440" bIns="45720" rtlCol="0"/>
+          <a:lstStyle>
+            <a:lvl1pPr algn="l">
+              <a:defRPr sz="1200"/>
+            </a:lvl1pPr>
+          </a:lstStyle>
+          <a:p>
+            <a:endParaRPr lang="zh-CN" altLang="en-US"/>
+          </a:p>
+        </p:txBody>
+      </p:sp>
+      <p:sp>
+        <p:nvSpPr>
+          <p:cNvPr id="3" name="日期占位符 2"/>
+          <p:cNvSpPr>
+            <a:spLocks noGrp="1"/>
+          </p:cNvSpPr>
+          <p:nvPr>
+            <p:ph type="dt" idx="1"/>
+          </p:nvPr>
+        </p:nvSpPr>
+        <p:spPr>
+          <a:xfrm>
+            <a:off x="3884613" y="0"/>
+            <a:ext cx="2971800" cy="458788"/>
+          </a:xfrm>
+          <a:prstGeom prst="rect">
+            <a:avLst/>
+          </a:prstGeom>
+        </p:spPr>
+        <p:txBody>
+          <a:bodyPr vert="horz" lIns="91440" tIns="45720" rIns="91440" bIns="45720" rtlCol="0"/>
+          <a:lstStyle>
+            <a:lvl1pPr algn="r">
+              <a:defRPr sz="1200"/>
+            </a:lvl1pPr>
+          </a:lstStyle>
+          <a:p>
+            <a:fld id="{D49B5559-59E8-4D07-AF23-DEA856DE3407}" type="datetimeFigureOut">
+              <a:rPr lang="zh-CN" altLang="en-US" smtClean="0"/>
+              <a:t>2019/08/04</a:t>
+            </a:fld>
+            <a:endParaRPr lang="zh-CN" altLang="en-US"/>
+          </a:p>
+        </p:txBody>
+      </p:sp>
+      <p:sp>
+        <p:nvSpPr>
+          <p:cNvPr id="4" name="幻灯片图像占位符 3"/>
+          <p:cNvSpPr>
+            <a:spLocks noGrp="1" noRot="1" noChangeAspect="1"/>
+          </p:cNvSpPr>
+          <p:nvPr>
+            <p:ph type="sldImg" idx="2"/>
+          </p:nvPr>
+        </p:nvSpPr>
+        <p:spPr>
+          <a:xfrm>
+            <a:off x="685800" y="1143000"/>
+            <a:ext cx="5486400" cy="3086100"/>
+          </a:xfrm>
+          <a:prstGeom prst="rect">
+            <a:avLst/>
+          </a:prstGeom>
+          <a:noFill/>
+          <a:ln w="12700">
+            <a:solidFill>
+              <a:prstClr val="black"/>
+            </a:solidFill>
+          </a:ln>
+        </p:spPr>
+        <p:txBody>
+          <a:bodyPr vert="horz" lIns="91440" tIns="45720" rIns="91440" bIns="45720" rtlCol="0" anchor="ctr"/>
+          <a:lstStyle/>
+          <a:p>
+            <a:endParaRPr lang="zh-CN" altLang="en-US"/>
+          </a:p>
+        </p:txBody>
+      </p:sp>
+      <p:sp>
+        <p:nvSpPr>
+          <p:cNvPr id="5" name="备注占位符 4"/>
+          <p:cNvSpPr>
+            <a:spLocks noGrp="1"/>
+          </p:cNvSpPr>
+          <p:nvPr>
+            <p:ph type="body" sz="quarter" idx="3"/>
+          </p:nvPr>
+        </p:nvSpPr>
+        <p:spPr>
+          <a:xfrm>
+            <a:off x="685800" y="4400550"/>
+            <a:ext cx="5486400" cy="3600450"/>
+          </a:xfrm>
+          <a:prstGeom prst="rect">
+            <a:avLst/>
+          </a:prstGeom>
+        </p:spPr>
+        <p:txBody>
+          <a:bodyPr vert="horz" lIns="91440" tIns="45720" rIns="91440" bIns="45720" rtlCol="0"/>
+          <a:lstStyle/>
+          <a:p>
+            <a:pPr lvl="0"/>
+            <a:r>
+              <a:rPr lang="zh-CN" altLang="en-US" smtClean="0"/>
+              <a:t>编辑母版文本样式</a:t>
+            </a:r>
+          </a:p>
+          <a:p>
+            <a:pPr lvl="1"/>
+            <a:r>
+              <a:rPr lang="zh-CN" altLang="en-US" smtClean="0"/>
+              <a:t>第二级</a:t>
+            </a:r>
+          </a:p>
+          <a:p>
+            <a:pPr lvl="2"/>
+            <a:r>
+              <a:rPr lang="zh-CN" altLang="en-US" smtClean="0"/>
+              <a:t>第三级</a:t>
+            </a:r>
+          </a:p>
+          <a:p>
+            <a:pPr lvl="3"/>
+            <a:r>
+              <a:rPr lang="zh-CN" altLang="en-US" smtClean="0"/>
+              <a:t>第四级</a:t>
+            </a:r>
+          </a:p>
+          <a:p>
+            <a:pPr lvl="4"/>
+            <a:r>
+              <a:rPr lang="zh-CN" altLang="en-US" smtClean="0"/>
+              <a:t>第五级</a:t>
+            </a:r>
+            <a:endParaRPr lang="zh-CN" altLang="en-US"/>
+          </a:p>
+        </p:txBody>
+      </p:sp>
+      <p:sp>
+        <p:nvSpPr>
+          <p:cNvPr id="6" name="页脚占位符 5"/>
+          <p:cNvSpPr>
+            <a:spLocks noGrp="1"/>
+          </p:cNvSpPr>
+          <p:nvPr>
+            <p:ph type="ftr" sz="quarter" idx="4"/>
+          </p:nvPr>
+        </p:nvSpPr>
+        <p:spPr>
+          <a:xfrm>
+            <a:off x="0" y="8685213"/>
+            <a:ext cx="2971800" cy="458787"/>
+          </a:xfrm>
+          <a:prstGeom prst="rect">
+            <a:avLst/>
+          </a:prstGeom>
+        </p:spPr>
+        <p:txBody>
+          <a:bodyPr vert="horz" lIns="91440" tIns="45720" rIns="91440" bIns="45720" rtlCol="0" anchor="b"/>
+          <a:lstStyle>
+            <a:lvl1pPr algn="l">
+              <a:defRPr sz="1200"/>
+            </a:lvl1pPr>
+          </a:lstStyle>
+          <a:p>
+            <a:endParaRPr lang="zh-CN" altLang="en-US"/>
+          </a:p>
+        </p:txBody>
+      </p:sp>
+      <p:sp>
+        <p:nvSpPr>
+          <p:cNvPr id="7" name="灯片编号占位符 6"/>
+          <p:cNvSpPr>
+            <a:spLocks noGrp="1"/>
+          </p:cNvSpPr>
+          <p:nvPr>
+            <p:ph type="sldNum" sz="quarter" idx="5"/>
+          </p:nvPr>
+        </p:nvSpPr>
+        <p:spPr>
+          <a:xfrm>
+            <a:off x="3884613" y="8685213"/>
+            <a:ext cx="2971800" cy="458787"/>
+          </a:xfrm>
+          <a:prstGeom prst="rect">
+            <a:avLst/>
+          </a:prstGeom>
+        </p:spPr>
+        <p:txBody>
+          <a:bodyPr vert="horz" lIns="91440" tIns="45720" rIns="91440" bIns="45720" rtlCol="0" anchor="b"/>
+          <a:lstStyle>
+            <a:lvl1pPr algn="r">
+              <a:defRPr sz="1200"/>
+            </a:lvl1pPr>
+          </a:lstStyle>
+          <a:p>
+            <a:fld id="{A2A31863-5084-49DE-9F64-85E59C9BEC7E}" type="slidenum">
+              <a:rPr lang="zh-CN" altLang="en-US" smtClean="0"/>
+              <a:t>‹#›</a:t>
+            </a:fld>
+            <a:endParaRPr lang="zh-CN" altLang="en-US"/>
+          </a:p>
+        </p:txBody>
+      </p:sp>
+    </p:spTree>
+    <p:extLst>
+      <p:ext uri="{BB962C8B-B14F-4D97-AF65-F5344CB8AC3E}">
+        <p14:creationId xmlns:p14="http://schemas.microsoft.com/office/powerpoint/2010/main" val="862152009"/>
+      </p:ext>
+    </p:extLst>
+  </p:cSld>
+  <p:clrMap bg1="lt1" tx1="dk1" bg2="lt2" tx2="dk2" accent1="accent1" accent2="accent2" accent3="accent3" accent4="accent4" accent5="accent5" accent6="accent6" hlink="hlink" folHlink="folHlink"/>
+  <p:notesStyle>
+    <a:lvl1pPr marL="0" algn="l" defTabSz="914400" rtl="0" eaLnBrk="1" latinLnBrk="0" hangingPunct="1">
+      <a:defRPr sz="1200" kern="1200">
+        <a:solidFill>
+          <a:schemeClr val="tx1"/>
+        </a:solidFill>
+        <a:latin typeface="+mn-lt"/>
+        <a:ea typeface="+mn-ea"/>
+        <a:cs typeface="+mn-cs"/>
+      </a:defRPr>
+    </a:lvl1pPr>
+    <a:lvl2pPr marL="457200" algn="l" defTabSz="914400" rtl="0" eaLnBrk="1" latinLnBrk="0" hangingPunct="1">
+      <a:defRPr sz="1200" kern="1200">
+        <a:solidFill>
+          <a:schemeClr val="tx1"/>
+        </a:solidFill>
+        <a:latin typeface="+mn-lt"/>
+        <a:ea typeface="+mn-ea"/>
+        <a:cs typeface="+mn-cs"/>
+      </a:defRPr>
+    </a:lvl2pPr>
+    <a:lvl3pPr marL="914400" algn="l" defTabSz="914400" rtl="0" eaLnBrk="1" latinLnBrk="0" hangingPunct="1">
+      <a:defRPr sz="1200" kern="1200">
+        <a:solidFill>
+          <a:schemeClr val="tx1"/>
+        </a:solidFill>
+        <a:latin typeface="+mn-lt"/>
+        <a:ea typeface="+mn-ea"/>
+        <a:cs typeface="+mn-cs"/>
+      </a:defRPr>
+    </a:lvl3pPr>
+    <a:lvl4pPr marL="1371600" algn="l" defTabSz="914400" rtl="0" eaLnBrk="1" latinLnBrk="0" hangingPunct="1">
+      <a:defRPr sz="1200" kern="1200">
+        <a:solidFill>
+          <a:schemeClr val="tx1"/>
+        </a:solidFill>
+        <a:latin typeface="+mn-lt"/>
+        <a:ea typeface="+mn-ea"/>
+        <a:cs typeface="+mn-cs"/>
+      </a:defRPr>
+    </a:lvl4pPr>
+    <a:lvl5pPr marL="1828800" algn="l" defTabSz="914400" rtl="0" eaLnBrk="1" latinLnBrk="0" hangingPunct="1">
+      <a:defRPr sz="1200" kern="1200">
+        <a:solidFill>
+          <a:schemeClr val="tx1"/>
+        </a:solidFill>
+        <a:latin typeface="+mn-lt"/>
+        <a:ea typeface="+mn-ea"/>
+        <a:cs typeface="+mn-cs"/>
+      </a:defRPr>
+    </a:lvl5pPr>
+    <a:lvl6pPr marL="2286000" algn="l" defTabSz="914400" rtl="0" eaLnBrk="1" latinLnBrk="0" hangingPunct="1">
+      <a:defRPr sz="1200" kern="1200">
+        <a:solidFill>
+          <a:schemeClr val="tx1"/>
+        </a:solidFill>
+        <a:latin typeface="+mn-lt"/>
+        <a:ea typeface="+mn-ea"/>
+        <a:cs typeface="+mn-cs"/>
+      </a:defRPr>
+    </a:lvl6pPr>
+    <a:lvl7pPr marL="2743200" algn="l" defTabSz="914400" rtl="0" eaLnBrk="1" latinLnBrk="0" hangingPunct="1">
+      <a:defRPr sz="1200" kern="1200">
+        <a:solidFill>
+          <a:schemeClr val="tx1"/>
+        </a:solidFill>
+        <a:latin typeface="+mn-lt"/>
+        <a:ea typeface="+mn-ea"/>
+        <a:cs typeface="+mn-cs"/>
+      </a:defRPr>
+    </a:lvl7pPr>
+    <a:lvl8pPr marL="3200400" algn="l" defTabSz="914400" rtl="0" eaLnBrk="1" latinLnBrk="0" hangingPunct="1">
+      <a:defRPr sz="1200" kern="1200">
+        <a:solidFill>
+          <a:schemeClr val="tx1"/>
+        </a:solidFill>
+        <a:latin typeface="+mn-lt"/>
+        <a:ea typeface="+mn-ea"/>
+        <a:cs typeface="+mn-cs"/>
+      </a:defRPr>
+    </a:lvl8pPr>
+    <a:lvl9pPr marL="3657600" algn="l" defTabSz="914400" rtl="0" eaLnBrk="1" latinLnBrk="0" hangingPunct="1">
+      <a:defRPr sz="1200" kern="1200">
+        <a:solidFill>
+          <a:schemeClr val="tx1"/>
+        </a:solidFill>
+        <a:latin typeface="+mn-lt"/>
+        <a:ea typeface="+mn-ea"/>
+        <a:cs typeface="+mn-cs"/>
+      </a:defRPr>
+    </a:lvl9pPr>
+  </p:notesStyle>
+</p:notesMaster>
+</file>
+
+<file path=ppt/notesSlides/notesSlide1.xml><?xml version="1.0" encoding="utf-8"?>
+<p:notes xmlns:a="http://schemas.openxmlformats.org/drawingml/2006/main" xmlns:r="http://schemas.openxmlformats.org/officeDocument/2006/relationships" xmlns:p="http://schemas.openxmlformats.org/presentationml/2006/main">
+  <p:cSld>
+    <p:spTree>
+      <p:nvGrpSpPr>
+        <p:cNvPr id="1" name=""/>
+        <p:cNvGrpSpPr/>
+        <p:nvPr/>
+      </p:nvGrpSpPr>
+      <p:grpSpPr>
+        <a:xfrm>
+          <a:off x="0" y="0"/>
+          <a:ext cx="0" cy="0"/>
+          <a:chOff x="0" y="0"/>
+          <a:chExt cx="0" cy="0"/>
+        </a:xfrm>
+      </p:grpSpPr>
+      <p:sp>
+        <p:nvSpPr>
+          <p:cNvPr id="2" name="幻灯片图像占位符 1"/>
+          <p:cNvSpPr>
+            <a:spLocks noGrp="1" noRot="1" noChangeAspect="1"/>
+          </p:cNvSpPr>
+          <p:nvPr>
+            <p:ph type="sldImg"/>
+          </p:nvPr>
+        </p:nvSpPr>
+        <p:spPr/>
+      </p:sp>
+      <p:sp>
+        <p:nvSpPr>
+          <p:cNvPr id="3" name="备注占位符 2"/>
+          <p:cNvSpPr>
+            <a:spLocks noGrp="1"/>
+          </p:cNvSpPr>
+          <p:nvPr>
+            <p:ph type="body" idx="1"/>
+          </p:nvPr>
+        </p:nvSpPr>
+        <p:spPr/>
+        <p:txBody>
+          <a:bodyPr/>
+          <a:lstStyle/>
+          <a:p>
+            <a:r>
+              <a:rPr lang="en-US" altLang="zh-CN" dirty="0" smtClean="0"/>
+              <a:t>Nose curve </a:t>
+            </a:r>
+            <a:r>
+              <a:rPr lang="zh-CN" altLang="en-US" smtClean="0"/>
+              <a:t>鞍岔分节点为节点的电压和功率的临界值</a:t>
+            </a:r>
+            <a:endParaRPr lang="zh-CN" altLang="en-US" dirty="0"/>
+          </a:p>
+        </p:txBody>
+      </p:sp>
+      <p:sp>
+        <p:nvSpPr>
+          <p:cNvPr id="4" name="灯片编号占位符 3"/>
+          <p:cNvSpPr>
+            <a:spLocks noGrp="1"/>
+          </p:cNvSpPr>
+          <p:nvPr>
+            <p:ph type="sldNum" sz="quarter" idx="10"/>
+          </p:nvPr>
+        </p:nvSpPr>
+        <p:spPr/>
+        <p:txBody>
+          <a:bodyPr/>
+          <a:lstStyle/>
+          <a:p>
+            <a:fld id="{A2A31863-5084-49DE-9F64-85E59C9BEC7E}" type="slidenum">
+              <a:rPr lang="zh-CN" altLang="en-US" smtClean="0"/>
+              <a:t>37</a:t>
+            </a:fld>
+            <a:endParaRPr lang="zh-CN" altLang="en-US"/>
+          </a:p>
+        </p:txBody>
+      </p:sp>
+    </p:spTree>
+    <p:extLst>
+      <p:ext uri="{BB962C8B-B14F-4D97-AF65-F5344CB8AC3E}">
+        <p14:creationId xmlns:p14="http://schemas.microsoft.com/office/powerpoint/2010/main" val="1149857839"/>
+      </p:ext>
+    </p:extLst>
+  </p:cSld>
+  <p:clrMapOvr>
+    <a:masterClrMapping/>
+  </p:clrMapOvr>
+</p:notes>
+</file>
+
 <file path=ppt/slideLayouts/slideLayout1.xml><?xml version="1.0" encoding="utf-8"?>
 <p:sldLayout xmlns:a="http://schemas.openxmlformats.org/drawingml/2006/main" xmlns:r="http://schemas.openxmlformats.org/officeDocument/2006/relationships" xmlns:p="http://schemas.openxmlformats.org/presentationml/2006/main" type="title" preserve="1">
   <p:cSld name="标题幻灯片">
@@ -278,7 +724,7 @@
           <a:p>
             <a:fld id="{B14EACBE-21B6-4337-87E4-6179AEAE3952}" type="datetimeFigureOut">
               <a:rPr lang="zh-CN" altLang="en-US" smtClean="0"/>
-              <a:t>2019/06/29</a:t>
+              <a:t>2019/08/04</a:t>
             </a:fld>
             <a:endParaRPr lang="zh-CN" altLang="en-US"/>
           </a:p>
@@ -448,7 +894,7 @@
           <a:p>
             <a:fld id="{B14EACBE-21B6-4337-87E4-6179AEAE3952}" type="datetimeFigureOut">
               <a:rPr lang="zh-CN" altLang="en-US" smtClean="0"/>
-              <a:t>2019/06/29</a:t>
+              <a:t>2019/08/04</a:t>
             </a:fld>
             <a:endParaRPr lang="zh-CN" altLang="en-US"/>
           </a:p>
@@ -628,7 +1074,7 @@
           <a:p>
             <a:fld id="{B14EACBE-21B6-4337-87E4-6179AEAE3952}" type="datetimeFigureOut">
               <a:rPr lang="zh-CN" altLang="en-US" smtClean="0"/>
-              <a:t>2019/06/29</a:t>
+              <a:t>2019/08/04</a:t>
             </a:fld>
             <a:endParaRPr lang="zh-CN" altLang="en-US"/>
           </a:p>
@@ -798,7 +1244,7 @@
           <a:p>
             <a:fld id="{B14EACBE-21B6-4337-87E4-6179AEAE3952}" type="datetimeFigureOut">
               <a:rPr lang="zh-CN" altLang="en-US" smtClean="0"/>
-              <a:t>2019/06/29</a:t>
+              <a:t>2019/08/04</a:t>
             </a:fld>
             <a:endParaRPr lang="zh-CN" altLang="en-US"/>
           </a:p>
@@ -1044,7 +1490,7 @@
           <a:p>
             <a:fld id="{B14EACBE-21B6-4337-87E4-6179AEAE3952}" type="datetimeFigureOut">
               <a:rPr lang="zh-CN" altLang="en-US" smtClean="0"/>
-              <a:t>2019/06/29</a:t>
+              <a:t>2019/08/04</a:t>
             </a:fld>
             <a:endParaRPr lang="zh-CN" altLang="en-US"/>
           </a:p>
@@ -1276,7 +1722,7 @@
           <a:p>
             <a:fld id="{B14EACBE-21B6-4337-87E4-6179AEAE3952}" type="datetimeFigureOut">
               <a:rPr lang="zh-CN" altLang="en-US" smtClean="0"/>
-              <a:t>2019/06/29</a:t>
+              <a:t>2019/08/04</a:t>
             </a:fld>
             <a:endParaRPr lang="zh-CN" altLang="en-US"/>
           </a:p>
@@ -1643,7 +2089,7 @@
           <a:p>
             <a:fld id="{B14EACBE-21B6-4337-87E4-6179AEAE3952}" type="datetimeFigureOut">
               <a:rPr lang="zh-CN" altLang="en-US" smtClean="0"/>
-              <a:t>2019/06/29</a:t>
+              <a:t>2019/08/04</a:t>
             </a:fld>
             <a:endParaRPr lang="zh-CN" altLang="en-US"/>
           </a:p>
@@ -1761,7 +2207,7 @@
           <a:p>
             <a:fld id="{B14EACBE-21B6-4337-87E4-6179AEAE3952}" type="datetimeFigureOut">
               <a:rPr lang="zh-CN" altLang="en-US" smtClean="0"/>
-              <a:t>2019/06/29</a:t>
+              <a:t>2019/08/04</a:t>
             </a:fld>
             <a:endParaRPr lang="zh-CN" altLang="en-US"/>
           </a:p>
@@ -1856,7 +2302,7 @@
           <a:p>
             <a:fld id="{B14EACBE-21B6-4337-87E4-6179AEAE3952}" type="datetimeFigureOut">
               <a:rPr lang="zh-CN" altLang="en-US" smtClean="0"/>
-              <a:t>2019/06/29</a:t>
+              <a:t>2019/08/04</a:t>
             </a:fld>
             <a:endParaRPr lang="zh-CN" altLang="en-US"/>
           </a:p>
@@ -2133,7 +2579,7 @@
           <a:p>
             <a:fld id="{B14EACBE-21B6-4337-87E4-6179AEAE3952}" type="datetimeFigureOut">
               <a:rPr lang="zh-CN" altLang="en-US" smtClean="0"/>
-              <a:t>2019/06/29</a:t>
+              <a:t>2019/08/04</a:t>
             </a:fld>
             <a:endParaRPr lang="zh-CN" altLang="en-US"/>
           </a:p>
@@ -2386,7 +2832,7 @@
           <a:p>
             <a:fld id="{B14EACBE-21B6-4337-87E4-6179AEAE3952}" type="datetimeFigureOut">
               <a:rPr lang="zh-CN" altLang="en-US" smtClean="0"/>
-              <a:t>2019/06/29</a:t>
+              <a:t>2019/08/04</a:t>
             </a:fld>
             <a:endParaRPr lang="zh-CN" altLang="en-US"/>
           </a:p>
@@ -2599,7 +3045,7 @@
           <a:p>
             <a:fld id="{B14EACBE-21B6-4337-87E4-6179AEAE3952}" type="datetimeFigureOut">
               <a:rPr lang="zh-CN" altLang="en-US" smtClean="0"/>
-              <a:t>2019/06/29</a:t>
+              <a:t>2019/08/04</a:t>
             </a:fld>
             <a:endParaRPr lang="zh-CN" altLang="en-US"/>
           </a:p>
@@ -3744,7 +4190,7 @@
           <a:graphicData uri="http://schemas.openxmlformats.org/presentationml/2006/ole">
             <mc:AlternateContent xmlns:mc="http://schemas.openxmlformats.org/markup-compatibility/2006">
               <mc:Choice xmlns:v="urn:schemas-microsoft-com:vml" Requires="v">
-                <p:oleObj spid="_x0000_s2699" name="Equation" r:id="rId3" imgW="139680" imgH="177480" progId="Equation.DSMT4">
+                <p:oleObj spid="_x0000_s2715" name="Equation" r:id="rId3" imgW="139680" imgH="177480" progId="Equation.DSMT4">
                   <p:embed/>
                 </p:oleObj>
               </mc:Choice>
@@ -3801,7 +4247,7 @@
           <a:graphicData uri="http://schemas.openxmlformats.org/presentationml/2006/ole">
             <mc:AlternateContent xmlns:mc="http://schemas.openxmlformats.org/markup-compatibility/2006">
               <mc:Choice xmlns:v="urn:schemas-microsoft-com:vml" Requires="v">
-                <p:oleObj spid="_x0000_s2700" name="Equation" r:id="rId5" imgW="126720" imgH="139680" progId="Equation.DSMT4">
+                <p:oleObj spid="_x0000_s2716" name="Equation" r:id="rId5" imgW="126720" imgH="139680" progId="Equation.DSMT4">
                   <p:embed/>
                 </p:oleObj>
               </mc:Choice>
@@ -3858,7 +4304,7 @@
           <a:graphicData uri="http://schemas.openxmlformats.org/presentationml/2006/ole">
             <mc:AlternateContent xmlns:mc="http://schemas.openxmlformats.org/markup-compatibility/2006">
               <mc:Choice xmlns:v="urn:schemas-microsoft-com:vml" Requires="v">
-                <p:oleObj spid="_x0000_s2701" name="Equation" r:id="rId7" imgW="939600" imgH="228600" progId="Equation.DSMT4">
+                <p:oleObj spid="_x0000_s2717" name="Equation" r:id="rId7" imgW="939600" imgH="228600" progId="Equation.DSMT4">
                   <p:embed/>
                 </p:oleObj>
               </mc:Choice>
@@ -3915,7 +4361,7 @@
           <a:graphicData uri="http://schemas.openxmlformats.org/presentationml/2006/ole">
             <mc:AlternateContent xmlns:mc="http://schemas.openxmlformats.org/markup-compatibility/2006">
               <mc:Choice xmlns:v="urn:schemas-microsoft-com:vml" Requires="v">
-                <p:oleObj spid="_x0000_s2702" name="Equation" r:id="rId9" imgW="177480" imgH="228600" progId="Equation.DSMT4">
+                <p:oleObj spid="_x0000_s2718" name="Equation" r:id="rId9" imgW="177480" imgH="228600" progId="Equation.DSMT4">
                   <p:embed/>
                 </p:oleObj>
               </mc:Choice>
@@ -3972,7 +4418,7 @@
           <a:graphicData uri="http://schemas.openxmlformats.org/presentationml/2006/ole">
             <mc:AlternateContent xmlns:mc="http://schemas.openxmlformats.org/markup-compatibility/2006">
               <mc:Choice xmlns:v="urn:schemas-microsoft-com:vml" Requires="v">
-                <p:oleObj spid="_x0000_s2703" name="Equation" r:id="rId11" imgW="787320" imgH="241200" progId="Equation.DSMT4">
+                <p:oleObj spid="_x0000_s2719" name="Equation" r:id="rId11" imgW="787320" imgH="241200" progId="Equation.DSMT4">
                   <p:embed/>
                 </p:oleObj>
               </mc:Choice>
@@ -4029,7 +4475,7 @@
           <a:graphicData uri="http://schemas.openxmlformats.org/presentationml/2006/ole">
             <mc:AlternateContent xmlns:mc="http://schemas.openxmlformats.org/markup-compatibility/2006">
               <mc:Choice xmlns:v="urn:schemas-microsoft-com:vml" Requires="v">
-                <p:oleObj spid="_x0000_s2704" name="Equation" r:id="rId13" imgW="190440" imgH="228600" progId="Equation.DSMT4">
+                <p:oleObj spid="_x0000_s2720" name="Equation" r:id="rId13" imgW="190440" imgH="228600" progId="Equation.DSMT4">
                   <p:embed/>
                 </p:oleObj>
               </mc:Choice>
@@ -4086,7 +4532,7 @@
           <a:graphicData uri="http://schemas.openxmlformats.org/presentationml/2006/ole">
             <mc:AlternateContent xmlns:mc="http://schemas.openxmlformats.org/markup-compatibility/2006">
               <mc:Choice xmlns:v="urn:schemas-microsoft-com:vml" Requires="v">
-                <p:oleObj spid="_x0000_s2705" name="Equation" r:id="rId15" imgW="495000" imgH="228600" progId="Equation.DSMT4">
+                <p:oleObj spid="_x0000_s2721" name="Equation" r:id="rId15" imgW="495000" imgH="228600" progId="Equation.DSMT4">
                   <p:embed/>
                 </p:oleObj>
               </mc:Choice>
@@ -4143,7 +4589,7 @@
           <a:graphicData uri="http://schemas.openxmlformats.org/presentationml/2006/ole">
             <mc:AlternateContent xmlns:mc="http://schemas.openxmlformats.org/markup-compatibility/2006">
               <mc:Choice xmlns:v="urn:schemas-microsoft-com:vml" Requires="v">
-                <p:oleObj spid="_x0000_s2706" name="Equation" r:id="rId17" imgW="1371600" imgH="304560" progId="Equation.DSMT4">
+                <p:oleObj spid="_x0000_s2722" name="Equation" r:id="rId17" imgW="1371600" imgH="304560" progId="Equation.DSMT4">
                   <p:embed/>
                 </p:oleObj>
               </mc:Choice>
@@ -4200,7 +4646,7 @@
           <a:graphicData uri="http://schemas.openxmlformats.org/presentationml/2006/ole">
             <mc:AlternateContent xmlns:mc="http://schemas.openxmlformats.org/markup-compatibility/2006">
               <mc:Choice xmlns:v="urn:schemas-microsoft-com:vml" Requires="v">
-                <p:oleObj spid="_x0000_s2707" name="Equation" r:id="rId19" imgW="380880" imgH="228600" progId="Equation.DSMT4">
+                <p:oleObj spid="_x0000_s2723" name="Equation" r:id="rId19" imgW="380880" imgH="228600" progId="Equation.DSMT4">
                   <p:embed/>
                 </p:oleObj>
               </mc:Choice>
@@ -4257,7 +4703,7 @@
           <a:graphicData uri="http://schemas.openxmlformats.org/presentationml/2006/ole">
             <mc:AlternateContent xmlns:mc="http://schemas.openxmlformats.org/markup-compatibility/2006">
               <mc:Choice xmlns:v="urn:schemas-microsoft-com:vml" Requires="v">
-                <p:oleObj spid="_x0000_s2708" name="Equation" r:id="rId21" imgW="419040" imgH="228600" progId="Equation.DSMT4">
+                <p:oleObj spid="_x0000_s2724" name="Equation" r:id="rId21" imgW="419040" imgH="228600" progId="Equation.DSMT4">
                   <p:embed/>
                 </p:oleObj>
               </mc:Choice>
@@ -4314,7 +4760,7 @@
           <a:graphicData uri="http://schemas.openxmlformats.org/presentationml/2006/ole">
             <mc:AlternateContent xmlns:mc="http://schemas.openxmlformats.org/markup-compatibility/2006">
               <mc:Choice xmlns:v="urn:schemas-microsoft-com:vml" Requires="v">
-                <p:oleObj spid="_x0000_s2709" name="Equation" r:id="rId23" imgW="152280" imgH="164880" progId="Equation.DSMT4">
+                <p:oleObj spid="_x0000_s2725" name="Equation" r:id="rId23" imgW="152280" imgH="164880" progId="Equation.DSMT4">
                   <p:embed/>
                 </p:oleObj>
               </mc:Choice>
@@ -4371,7 +4817,7 @@
           <a:graphicData uri="http://schemas.openxmlformats.org/presentationml/2006/ole">
             <mc:AlternateContent xmlns:mc="http://schemas.openxmlformats.org/markup-compatibility/2006">
               <mc:Choice xmlns:v="urn:schemas-microsoft-com:vml" Requires="v">
-                <p:oleObj spid="_x0000_s2710" name="Equation" r:id="rId25" imgW="203040" imgH="228600" progId="Equation.DSMT4">
+                <p:oleObj spid="_x0000_s2726" name="Equation" r:id="rId25" imgW="203040" imgH="228600" progId="Equation.DSMT4">
                   <p:embed/>
                 </p:oleObj>
               </mc:Choice>
@@ -4428,7 +4874,7 @@
           <a:graphicData uri="http://schemas.openxmlformats.org/presentationml/2006/ole">
             <mc:AlternateContent xmlns:mc="http://schemas.openxmlformats.org/markup-compatibility/2006">
               <mc:Choice xmlns:v="urn:schemas-microsoft-com:vml" Requires="v">
-                <p:oleObj spid="_x0000_s2711" name="Equation" r:id="rId27" imgW="380880" imgH="228600" progId="Equation.DSMT4">
+                <p:oleObj spid="_x0000_s2727" name="Equation" r:id="rId27" imgW="380880" imgH="228600" progId="Equation.DSMT4">
                   <p:embed/>
                 </p:oleObj>
               </mc:Choice>
@@ -4485,7 +4931,7 @@
           <a:graphicData uri="http://schemas.openxmlformats.org/presentationml/2006/ole">
             <mc:AlternateContent xmlns:mc="http://schemas.openxmlformats.org/markup-compatibility/2006">
               <mc:Choice xmlns:v="urn:schemas-microsoft-com:vml" Requires="v">
-                <p:oleObj spid="_x0000_s2712" name="Equation" r:id="rId29" imgW="177480" imgH="228600" progId="Equation.DSMT4">
+                <p:oleObj spid="_x0000_s2728" name="Equation" r:id="rId29" imgW="177480" imgH="228600" progId="Equation.DSMT4">
                   <p:embed/>
                 </p:oleObj>
               </mc:Choice>
@@ -4542,7 +4988,7 @@
           <a:graphicData uri="http://schemas.openxmlformats.org/presentationml/2006/ole">
             <mc:AlternateContent xmlns:mc="http://schemas.openxmlformats.org/markup-compatibility/2006">
               <mc:Choice xmlns:v="urn:schemas-microsoft-com:vml" Requires="v">
-                <p:oleObj spid="_x0000_s2713" name="Equation" r:id="rId31" imgW="317160" imgH="203040" progId="Equation.DSMT4">
+                <p:oleObj spid="_x0000_s2729" name="Equation" r:id="rId31" imgW="317160" imgH="203040" progId="Equation.DSMT4">
                   <p:embed/>
                 </p:oleObj>
               </mc:Choice>
@@ -4599,7 +5045,7 @@
           <a:graphicData uri="http://schemas.openxmlformats.org/presentationml/2006/ole">
             <mc:AlternateContent xmlns:mc="http://schemas.openxmlformats.org/markup-compatibility/2006">
               <mc:Choice xmlns:v="urn:schemas-microsoft-com:vml" Requires="v">
-                <p:oleObj spid="_x0000_s2714" name="Equation" r:id="rId33" imgW="139680" imgH="177480" progId="Equation.DSMT4">
+                <p:oleObj spid="_x0000_s2730" name="Equation" r:id="rId33" imgW="139680" imgH="177480" progId="Equation.DSMT4">
                   <p:embed/>
                 </p:oleObj>
               </mc:Choice>
@@ -4776,7 +5222,7 @@
           <a:graphicData uri="http://schemas.openxmlformats.org/presentationml/2006/ole">
             <mc:AlternateContent xmlns:mc="http://schemas.openxmlformats.org/markup-compatibility/2006">
               <mc:Choice xmlns:v="urn:schemas-microsoft-com:vml" Requires="v">
-                <p:oleObj spid="_x0000_s3348" name="Equation" r:id="rId3" imgW="1104840" imgH="355320" progId="Equation.DSMT4">
+                <p:oleObj spid="_x0000_s3355" name="Equation" r:id="rId3" imgW="1104840" imgH="355320" progId="Equation.DSMT4">
                   <p:embed/>
                 </p:oleObj>
               </mc:Choice>
@@ -4833,7 +5279,7 @@
           <a:graphicData uri="http://schemas.openxmlformats.org/presentationml/2006/ole">
             <mc:AlternateContent xmlns:mc="http://schemas.openxmlformats.org/markup-compatibility/2006">
               <mc:Choice xmlns:v="urn:schemas-microsoft-com:vml" Requires="v">
-                <p:oleObj spid="_x0000_s3349" name="Equation" r:id="rId5" imgW="88560" imgH="164880" progId="Equation.DSMT4">
+                <p:oleObj spid="_x0000_s3356" name="Equation" r:id="rId5" imgW="88560" imgH="164880" progId="Equation.DSMT4">
                   <p:embed/>
                 </p:oleObj>
               </mc:Choice>
@@ -4890,7 +5336,7 @@
           <a:graphicData uri="http://schemas.openxmlformats.org/presentationml/2006/ole">
             <mc:AlternateContent xmlns:mc="http://schemas.openxmlformats.org/markup-compatibility/2006">
               <mc:Choice xmlns:v="urn:schemas-microsoft-com:vml" Requires="v">
-                <p:oleObj spid="_x0000_s3350" name="Equation" r:id="rId7" imgW="317160" imgH="203040" progId="Equation.DSMT4">
+                <p:oleObj spid="_x0000_s3357" name="Equation" r:id="rId7" imgW="317160" imgH="203040" progId="Equation.DSMT4">
                   <p:embed/>
                 </p:oleObj>
               </mc:Choice>
@@ -4947,7 +5393,7 @@
           <a:graphicData uri="http://schemas.openxmlformats.org/presentationml/2006/ole">
             <mc:AlternateContent xmlns:mc="http://schemas.openxmlformats.org/markup-compatibility/2006">
               <mc:Choice xmlns:v="urn:schemas-microsoft-com:vml" Requires="v">
-                <p:oleObj spid="_x0000_s3351" name="Equation" r:id="rId9" imgW="88560" imgH="164880" progId="Equation.DSMT4">
+                <p:oleObj spid="_x0000_s3358" name="Equation" r:id="rId9" imgW="88560" imgH="164880" progId="Equation.DSMT4">
                   <p:embed/>
                 </p:oleObj>
               </mc:Choice>
@@ -5004,7 +5450,7 @@
           <a:graphicData uri="http://schemas.openxmlformats.org/presentationml/2006/ole">
             <mc:AlternateContent xmlns:mc="http://schemas.openxmlformats.org/markup-compatibility/2006">
               <mc:Choice xmlns:v="urn:schemas-microsoft-com:vml" Requires="v">
-                <p:oleObj spid="_x0000_s3352" name="Equation" r:id="rId11" imgW="406080" imgH="203040" progId="Equation.DSMT4">
+                <p:oleObj spid="_x0000_s3359" name="Equation" r:id="rId11" imgW="406080" imgH="203040" progId="Equation.DSMT4">
                   <p:embed/>
                 </p:oleObj>
               </mc:Choice>
@@ -5061,7 +5507,7 @@
           <a:graphicData uri="http://schemas.openxmlformats.org/presentationml/2006/ole">
             <mc:AlternateContent xmlns:mc="http://schemas.openxmlformats.org/markup-compatibility/2006">
               <mc:Choice xmlns:v="urn:schemas-microsoft-com:vml" Requires="v">
-                <p:oleObj spid="_x0000_s3353" name="Equation" r:id="rId13" imgW="88560" imgH="164880" progId="Equation.DSMT4">
+                <p:oleObj spid="_x0000_s3360" name="Equation" r:id="rId13" imgW="88560" imgH="164880" progId="Equation.DSMT4">
                   <p:embed/>
                 </p:oleObj>
               </mc:Choice>
@@ -5118,7 +5564,7 @@
           <a:graphicData uri="http://schemas.openxmlformats.org/presentationml/2006/ole">
             <mc:AlternateContent xmlns:mc="http://schemas.openxmlformats.org/markup-compatibility/2006">
               <mc:Choice xmlns:v="urn:schemas-microsoft-com:vml" Requires="v">
-                <p:oleObj spid="_x0000_s3354" name="Equation" r:id="rId15" imgW="126720" imgH="190440" progId="Equation.DSMT4">
+                <p:oleObj spid="_x0000_s3361" name="Equation" r:id="rId15" imgW="126720" imgH="190440" progId="Equation.DSMT4">
                   <p:embed/>
                 </p:oleObj>
               </mc:Choice>
@@ -5370,7 +5816,7 @@
           <a:graphicData uri="http://schemas.openxmlformats.org/presentationml/2006/ole">
             <mc:AlternateContent xmlns:mc="http://schemas.openxmlformats.org/markup-compatibility/2006">
               <mc:Choice xmlns:v="urn:schemas-microsoft-com:vml" Requires="v">
-                <p:oleObj spid="_x0000_s4641" name="Equation" r:id="rId3" imgW="177480" imgH="228600" progId="Equation.DSMT4">
+                <p:oleObj spid="_x0000_s4656" name="Equation" r:id="rId3" imgW="177480" imgH="228600" progId="Equation.DSMT4">
                   <p:embed/>
                 </p:oleObj>
               </mc:Choice>
@@ -5427,7 +5873,7 @@
           <a:graphicData uri="http://schemas.openxmlformats.org/presentationml/2006/ole">
             <mc:AlternateContent xmlns:mc="http://schemas.openxmlformats.org/markup-compatibility/2006">
               <mc:Choice xmlns:v="urn:schemas-microsoft-com:vml" Requires="v">
-                <p:oleObj spid="_x0000_s4642" name="Equation" r:id="rId5" imgW="152280" imgH="228600" progId="Equation.DSMT4">
+                <p:oleObj spid="_x0000_s4657" name="Equation" r:id="rId5" imgW="152280" imgH="228600" progId="Equation.DSMT4">
                   <p:embed/>
                 </p:oleObj>
               </mc:Choice>
@@ -5484,7 +5930,7 @@
           <a:graphicData uri="http://schemas.openxmlformats.org/presentationml/2006/ole">
             <mc:AlternateContent xmlns:mc="http://schemas.openxmlformats.org/markup-compatibility/2006">
               <mc:Choice xmlns:v="urn:schemas-microsoft-com:vml" Requires="v">
-                <p:oleObj spid="_x0000_s4643" name="Equation" r:id="rId7" imgW="114120" imgH="177480" progId="Equation.DSMT4">
+                <p:oleObj spid="_x0000_s4658" name="Equation" r:id="rId7" imgW="114120" imgH="177480" progId="Equation.DSMT4">
                   <p:embed/>
                 </p:oleObj>
               </mc:Choice>
@@ -5541,7 +5987,7 @@
           <a:graphicData uri="http://schemas.openxmlformats.org/presentationml/2006/ole">
             <mc:AlternateContent xmlns:mc="http://schemas.openxmlformats.org/markup-compatibility/2006">
               <mc:Choice xmlns:v="urn:schemas-microsoft-com:vml" Requires="v">
-                <p:oleObj spid="_x0000_s4644" name="Equation" r:id="rId9" imgW="152280" imgH="228600" progId="Equation.DSMT4">
+                <p:oleObj spid="_x0000_s4659" name="Equation" r:id="rId9" imgW="152280" imgH="228600" progId="Equation.DSMT4">
                   <p:embed/>
                 </p:oleObj>
               </mc:Choice>
@@ -5598,7 +6044,7 @@
           <a:graphicData uri="http://schemas.openxmlformats.org/presentationml/2006/ole">
             <mc:AlternateContent xmlns:mc="http://schemas.openxmlformats.org/markup-compatibility/2006">
               <mc:Choice xmlns:v="urn:schemas-microsoft-com:vml" Requires="v">
-                <p:oleObj spid="_x0000_s4645" name="Equation" r:id="rId11" imgW="596880" imgH="190440" progId="Equation.DSMT4">
+                <p:oleObj spid="_x0000_s4660" name="Equation" r:id="rId11" imgW="596880" imgH="190440" progId="Equation.DSMT4">
                   <p:embed/>
                 </p:oleObj>
               </mc:Choice>
@@ -5655,7 +6101,7 @@
           <a:graphicData uri="http://schemas.openxmlformats.org/presentationml/2006/ole">
             <mc:AlternateContent xmlns:mc="http://schemas.openxmlformats.org/markup-compatibility/2006">
               <mc:Choice xmlns:v="urn:schemas-microsoft-com:vml" Requires="v">
-                <p:oleObj spid="_x0000_s4646" name="Equation" r:id="rId13" imgW="152280" imgH="164880" progId="Equation.DSMT4">
+                <p:oleObj spid="_x0000_s4661" name="Equation" r:id="rId13" imgW="152280" imgH="164880" progId="Equation.DSMT4">
                   <p:embed/>
                 </p:oleObj>
               </mc:Choice>
@@ -5712,7 +6158,7 @@
           <a:graphicData uri="http://schemas.openxmlformats.org/presentationml/2006/ole">
             <mc:AlternateContent xmlns:mc="http://schemas.openxmlformats.org/markup-compatibility/2006">
               <mc:Choice xmlns:v="urn:schemas-microsoft-com:vml" Requires="v">
-                <p:oleObj spid="_x0000_s4647" name="Equation" r:id="rId15" imgW="419040" imgH="177480" progId="Equation.DSMT4">
+                <p:oleObj spid="_x0000_s4662" name="Equation" r:id="rId15" imgW="419040" imgH="177480" progId="Equation.DSMT4">
                   <p:embed/>
                 </p:oleObj>
               </mc:Choice>
@@ -5769,7 +6215,7 @@
           <a:graphicData uri="http://schemas.openxmlformats.org/presentationml/2006/ole">
             <mc:AlternateContent xmlns:mc="http://schemas.openxmlformats.org/markup-compatibility/2006">
               <mc:Choice xmlns:v="urn:schemas-microsoft-com:vml" Requires="v">
-                <p:oleObj spid="_x0000_s4648" name="Equation" r:id="rId17" imgW="177480" imgH="177480" progId="Equation.DSMT4">
+                <p:oleObj spid="_x0000_s4663" name="Equation" r:id="rId17" imgW="177480" imgH="177480" progId="Equation.DSMT4">
                   <p:embed/>
                 </p:oleObj>
               </mc:Choice>
@@ -5826,7 +6272,7 @@
           <a:graphicData uri="http://schemas.openxmlformats.org/presentationml/2006/ole">
             <mc:AlternateContent xmlns:mc="http://schemas.openxmlformats.org/markup-compatibility/2006">
               <mc:Choice xmlns:v="urn:schemas-microsoft-com:vml" Requires="v">
-                <p:oleObj spid="_x0000_s4649" name="Equation" r:id="rId19" imgW="177480" imgH="164880" progId="Equation.DSMT4">
+                <p:oleObj spid="_x0000_s4664" name="Equation" r:id="rId19" imgW="177480" imgH="164880" progId="Equation.DSMT4">
                   <p:embed/>
                 </p:oleObj>
               </mc:Choice>
@@ -5883,7 +6329,7 @@
           <a:graphicData uri="http://schemas.openxmlformats.org/presentationml/2006/ole">
             <mc:AlternateContent xmlns:mc="http://schemas.openxmlformats.org/markup-compatibility/2006">
               <mc:Choice xmlns:v="urn:schemas-microsoft-com:vml" Requires="v">
-                <p:oleObj spid="_x0000_s4650" name="Equation" r:id="rId21" imgW="342720" imgH="177480" progId="Equation.DSMT4">
+                <p:oleObj spid="_x0000_s4665" name="Equation" r:id="rId21" imgW="342720" imgH="177480" progId="Equation.DSMT4">
                   <p:embed/>
                 </p:oleObj>
               </mc:Choice>
@@ -5940,7 +6386,7 @@
           <a:graphicData uri="http://schemas.openxmlformats.org/presentationml/2006/ole">
             <mc:AlternateContent xmlns:mc="http://schemas.openxmlformats.org/markup-compatibility/2006">
               <mc:Choice xmlns:v="urn:schemas-microsoft-com:vml" Requires="v">
-                <p:oleObj spid="_x0000_s4651" name="Equation" r:id="rId23" imgW="393480" imgH="241200" progId="Equation.DSMT4">
+                <p:oleObj spid="_x0000_s4666" name="Equation" r:id="rId23" imgW="393480" imgH="241200" progId="Equation.DSMT4">
                   <p:embed/>
                 </p:oleObj>
               </mc:Choice>
@@ -5997,7 +6443,7 @@
           <a:graphicData uri="http://schemas.openxmlformats.org/presentationml/2006/ole">
             <mc:AlternateContent xmlns:mc="http://schemas.openxmlformats.org/markup-compatibility/2006">
               <mc:Choice xmlns:v="urn:schemas-microsoft-com:vml" Requires="v">
-                <p:oleObj spid="_x0000_s4652" name="Equation" r:id="rId25" imgW="88560" imgH="164880" progId="Equation.DSMT4">
+                <p:oleObj spid="_x0000_s4667" name="Equation" r:id="rId25" imgW="88560" imgH="164880" progId="Equation.DSMT4">
                   <p:embed/>
                 </p:oleObj>
               </mc:Choice>
@@ -6054,7 +6500,7 @@
           <a:graphicData uri="http://schemas.openxmlformats.org/presentationml/2006/ole">
             <mc:AlternateContent xmlns:mc="http://schemas.openxmlformats.org/markup-compatibility/2006">
               <mc:Choice xmlns:v="urn:schemas-microsoft-com:vml" Requires="v">
-                <p:oleObj spid="_x0000_s4653" name="Equation" r:id="rId27" imgW="419040" imgH="241200" progId="Equation.DSMT4">
+                <p:oleObj spid="_x0000_s4668" name="Equation" r:id="rId27" imgW="419040" imgH="241200" progId="Equation.DSMT4">
                   <p:embed/>
                 </p:oleObj>
               </mc:Choice>
@@ -6111,7 +6557,7 @@
           <a:graphicData uri="http://schemas.openxmlformats.org/presentationml/2006/ole">
             <mc:AlternateContent xmlns:mc="http://schemas.openxmlformats.org/markup-compatibility/2006">
               <mc:Choice xmlns:v="urn:schemas-microsoft-com:vml" Requires="v">
-                <p:oleObj spid="_x0000_s4654" name="Equation" r:id="rId29" imgW="152280" imgH="228600" progId="Equation.DSMT4">
+                <p:oleObj spid="_x0000_s4669" name="Equation" r:id="rId29" imgW="152280" imgH="228600" progId="Equation.DSMT4">
                   <p:embed/>
                 </p:oleObj>
               </mc:Choice>
@@ -6168,7 +6614,7 @@
           <a:graphicData uri="http://schemas.openxmlformats.org/presentationml/2006/ole">
             <mc:AlternateContent xmlns:mc="http://schemas.openxmlformats.org/markup-compatibility/2006">
               <mc:Choice xmlns:v="urn:schemas-microsoft-com:vml" Requires="v">
-                <p:oleObj spid="_x0000_s4655" name="Equation" r:id="rId31" imgW="88560" imgH="164880" progId="Equation.DSMT4">
+                <p:oleObj spid="_x0000_s4670" name="Equation" r:id="rId31" imgW="88560" imgH="164880" progId="Equation.DSMT4">
                   <p:embed/>
                 </p:oleObj>
               </mc:Choice>
@@ -6851,7 +7297,7 @@
           <a:graphicData uri="http://schemas.openxmlformats.org/presentationml/2006/ole">
             <mc:AlternateContent xmlns:mc="http://schemas.openxmlformats.org/markup-compatibility/2006">
               <mc:Choice xmlns:v="urn:schemas-microsoft-com:vml" Requires="v">
-                <p:oleObj spid="_x0000_s1335" name="Equation" r:id="rId3" imgW="939600" imgH="431640" progId="Equation.DSMT4">
+                <p:oleObj spid="_x0000_s1342" name="Equation" r:id="rId3" imgW="939600" imgH="431640" progId="Equation.DSMT4">
                   <p:embed/>
                 </p:oleObj>
               </mc:Choice>
@@ -6908,7 +7354,7 @@
           <a:graphicData uri="http://schemas.openxmlformats.org/presentationml/2006/ole">
             <mc:AlternateContent xmlns:mc="http://schemas.openxmlformats.org/markup-compatibility/2006">
               <mc:Choice xmlns:v="urn:schemas-microsoft-com:vml" Requires="v">
-                <p:oleObj spid="_x0000_s1336" name="Equation" r:id="rId5" imgW="647640" imgH="634680" progId="Equation.DSMT4">
+                <p:oleObj spid="_x0000_s1343" name="Equation" r:id="rId5" imgW="647640" imgH="634680" progId="Equation.DSMT4">
                   <p:embed/>
                 </p:oleObj>
               </mc:Choice>
@@ -6965,7 +7411,7 @@
           <a:graphicData uri="http://schemas.openxmlformats.org/presentationml/2006/ole">
             <mc:AlternateContent xmlns:mc="http://schemas.openxmlformats.org/markup-compatibility/2006">
               <mc:Choice xmlns:v="urn:schemas-microsoft-com:vml" Requires="v">
-                <p:oleObj spid="_x0000_s1337" name="Equation" r:id="rId7" imgW="139680" imgH="228600" progId="Equation.DSMT4">
+                <p:oleObj spid="_x0000_s1344" name="Equation" r:id="rId7" imgW="139680" imgH="228600" progId="Equation.DSMT4">
                   <p:embed/>
                 </p:oleObj>
               </mc:Choice>
@@ -7022,7 +7468,7 @@
           <a:graphicData uri="http://schemas.openxmlformats.org/presentationml/2006/ole">
             <mc:AlternateContent xmlns:mc="http://schemas.openxmlformats.org/markup-compatibility/2006">
               <mc:Choice xmlns:v="urn:schemas-microsoft-com:vml" Requires="v">
-                <p:oleObj spid="_x0000_s1338" name="Equation" r:id="rId9" imgW="88560" imgH="164880" progId="Equation.DSMT4">
+                <p:oleObj spid="_x0000_s1345" name="Equation" r:id="rId9" imgW="88560" imgH="164880" progId="Equation.DSMT4">
                   <p:embed/>
                 </p:oleObj>
               </mc:Choice>
@@ -7079,7 +7525,7 @@
           <a:graphicData uri="http://schemas.openxmlformats.org/presentationml/2006/ole">
             <mc:AlternateContent xmlns:mc="http://schemas.openxmlformats.org/markup-compatibility/2006">
               <mc:Choice xmlns:v="urn:schemas-microsoft-com:vml" Requires="v">
-                <p:oleObj spid="_x0000_s1339" name="Equation" r:id="rId11" imgW="114120" imgH="177480" progId="Equation.DSMT4">
+                <p:oleObj spid="_x0000_s1346" name="Equation" r:id="rId11" imgW="114120" imgH="177480" progId="Equation.DSMT4">
                   <p:embed/>
                 </p:oleObj>
               </mc:Choice>
@@ -7136,7 +7582,7 @@
           <a:graphicData uri="http://schemas.openxmlformats.org/presentationml/2006/ole">
             <mc:AlternateContent xmlns:mc="http://schemas.openxmlformats.org/markup-compatibility/2006">
               <mc:Choice xmlns:v="urn:schemas-microsoft-com:vml" Requires="v">
-                <p:oleObj spid="_x0000_s1340" name="Equation" r:id="rId13" imgW="1295280" imgH="457200" progId="Equation.DSMT4">
+                <p:oleObj spid="_x0000_s1347" name="Equation" r:id="rId13" imgW="1295280" imgH="457200" progId="Equation.DSMT4">
                   <p:embed/>
                 </p:oleObj>
               </mc:Choice>
@@ -7193,7 +7639,7 @@
           <a:graphicData uri="http://schemas.openxmlformats.org/presentationml/2006/ole">
             <mc:AlternateContent xmlns:mc="http://schemas.openxmlformats.org/markup-compatibility/2006">
               <mc:Choice xmlns:v="urn:schemas-microsoft-com:vml" Requires="v">
-                <p:oleObj spid="_x0000_s1341" name="Equation" r:id="rId15" imgW="177480" imgH="241200" progId="Equation.DSMT4">
+                <p:oleObj spid="_x0000_s1348" name="Equation" r:id="rId15" imgW="177480" imgH="241200" progId="Equation.DSMT4">
                   <p:embed/>
                 </p:oleObj>
               </mc:Choice>
@@ -8512,7 +8958,7 @@
           <a:graphicData uri="http://schemas.openxmlformats.org/presentationml/2006/ole">
             <mc:AlternateContent xmlns:mc="http://schemas.openxmlformats.org/markup-compatibility/2006">
               <mc:Choice xmlns:v="urn:schemas-microsoft-com:vml" Requires="v">
-                <p:oleObj spid="_x0000_s5411" name="Equation" r:id="rId3" imgW="876240" imgH="228600" progId="Equation.DSMT4">
+                <p:oleObj spid="_x0000_s5421" name="Equation" r:id="rId3" imgW="876240" imgH="228600" progId="Equation.DSMT4">
                   <p:embed/>
                 </p:oleObj>
               </mc:Choice>
@@ -8569,7 +9015,7 @@
           <a:graphicData uri="http://schemas.openxmlformats.org/presentationml/2006/ole">
             <mc:AlternateContent xmlns:mc="http://schemas.openxmlformats.org/markup-compatibility/2006">
               <mc:Choice xmlns:v="urn:schemas-microsoft-com:vml" Requires="v">
-                <p:oleObj spid="_x0000_s5412" name="Equation" r:id="rId5" imgW="139680" imgH="164880" progId="Equation.DSMT4">
+                <p:oleObj spid="_x0000_s5422" name="Equation" r:id="rId5" imgW="139680" imgH="164880" progId="Equation.DSMT4">
                   <p:embed/>
                 </p:oleObj>
               </mc:Choice>
@@ -8626,7 +9072,7 @@
           <a:graphicData uri="http://schemas.openxmlformats.org/presentationml/2006/ole">
             <mc:AlternateContent xmlns:mc="http://schemas.openxmlformats.org/markup-compatibility/2006">
               <mc:Choice xmlns:v="urn:schemas-microsoft-com:vml" Requires="v">
-                <p:oleObj spid="_x0000_s5413" name="Equation" r:id="rId7" imgW="914400" imgH="431640" progId="Equation.DSMT4">
+                <p:oleObj spid="_x0000_s5423" name="Equation" r:id="rId7" imgW="914400" imgH="431640" progId="Equation.DSMT4">
                   <p:embed/>
                 </p:oleObj>
               </mc:Choice>
@@ -8683,7 +9129,7 @@
           <a:graphicData uri="http://schemas.openxmlformats.org/presentationml/2006/ole">
             <mc:AlternateContent xmlns:mc="http://schemas.openxmlformats.org/markup-compatibility/2006">
               <mc:Choice xmlns:v="urn:schemas-microsoft-com:vml" Requires="v">
-                <p:oleObj spid="_x0000_s5414" name="Equation" r:id="rId9" imgW="152280" imgH="164880" progId="Equation.DSMT4">
+                <p:oleObj spid="_x0000_s5424" name="Equation" r:id="rId9" imgW="152280" imgH="164880" progId="Equation.DSMT4">
                   <p:embed/>
                 </p:oleObj>
               </mc:Choice>
@@ -8740,7 +9186,7 @@
           <a:graphicData uri="http://schemas.openxmlformats.org/presentationml/2006/ole">
             <mc:AlternateContent xmlns:mc="http://schemas.openxmlformats.org/markup-compatibility/2006">
               <mc:Choice xmlns:v="urn:schemas-microsoft-com:vml" Requires="v">
-                <p:oleObj spid="_x0000_s5415" name="Equation" r:id="rId11" imgW="152280" imgH="164880" progId="Equation.DSMT4">
+                <p:oleObj spid="_x0000_s5425" name="Equation" r:id="rId11" imgW="152280" imgH="164880" progId="Equation.DSMT4">
                   <p:embed/>
                 </p:oleObj>
               </mc:Choice>
@@ -8797,7 +9243,7 @@
           <a:graphicData uri="http://schemas.openxmlformats.org/presentationml/2006/ole">
             <mc:AlternateContent xmlns:mc="http://schemas.openxmlformats.org/markup-compatibility/2006">
               <mc:Choice xmlns:v="urn:schemas-microsoft-com:vml" Requires="v">
-                <p:oleObj spid="_x0000_s5416" name="Equation" r:id="rId13" imgW="1485720" imgH="469800" progId="Equation.DSMT4">
+                <p:oleObj spid="_x0000_s5426" name="Equation" r:id="rId13" imgW="1485720" imgH="469800" progId="Equation.DSMT4">
                   <p:embed/>
                 </p:oleObj>
               </mc:Choice>
@@ -8854,7 +9300,7 @@
           <a:graphicData uri="http://schemas.openxmlformats.org/presentationml/2006/ole">
             <mc:AlternateContent xmlns:mc="http://schemas.openxmlformats.org/markup-compatibility/2006">
               <mc:Choice xmlns:v="urn:schemas-microsoft-com:vml" Requires="v">
-                <p:oleObj spid="_x0000_s5417" name="Equation" r:id="rId15" imgW="152280" imgH="164880" progId="Equation.DSMT4">
+                <p:oleObj spid="_x0000_s5427" name="Equation" r:id="rId15" imgW="152280" imgH="164880" progId="Equation.DSMT4">
                   <p:embed/>
                 </p:oleObj>
               </mc:Choice>
@@ -8911,7 +9357,7 @@
           <a:graphicData uri="http://schemas.openxmlformats.org/presentationml/2006/ole">
             <mc:AlternateContent xmlns:mc="http://schemas.openxmlformats.org/markup-compatibility/2006">
               <mc:Choice xmlns:v="urn:schemas-microsoft-com:vml" Requires="v">
-                <p:oleObj spid="_x0000_s5418" name="Equation" r:id="rId17" imgW="152280" imgH="203040" progId="Equation.DSMT4">
+                <p:oleObj spid="_x0000_s5428" name="Equation" r:id="rId17" imgW="152280" imgH="203040" progId="Equation.DSMT4">
                   <p:embed/>
                 </p:oleObj>
               </mc:Choice>
@@ -8968,7 +9414,7 @@
           <a:graphicData uri="http://schemas.openxmlformats.org/presentationml/2006/ole">
             <mc:AlternateContent xmlns:mc="http://schemas.openxmlformats.org/markup-compatibility/2006">
               <mc:Choice xmlns:v="urn:schemas-microsoft-com:vml" Requires="v">
-                <p:oleObj spid="_x0000_s5419" name="Equation" r:id="rId19" imgW="152280" imgH="139680" progId="Equation.DSMT4">
+                <p:oleObj spid="_x0000_s5429" name="Equation" r:id="rId19" imgW="152280" imgH="139680" progId="Equation.DSMT4">
                   <p:embed/>
                 </p:oleObj>
               </mc:Choice>
@@ -9025,7 +9471,7 @@
           <a:graphicData uri="http://schemas.openxmlformats.org/presentationml/2006/ole">
             <mc:AlternateContent xmlns:mc="http://schemas.openxmlformats.org/markup-compatibility/2006">
               <mc:Choice xmlns:v="urn:schemas-microsoft-com:vml" Requires="v">
-                <p:oleObj spid="_x0000_s5420" name="Equation" r:id="rId21" imgW="152280" imgH="139680" progId="Equation.DSMT4">
+                <p:oleObj spid="_x0000_s5430" name="Equation" r:id="rId21" imgW="152280" imgH="139680" progId="Equation.DSMT4">
                   <p:embed/>
                 </p:oleObj>
               </mc:Choice>
@@ -9840,7 +10286,7 @@
           <a:graphicData uri="http://schemas.openxmlformats.org/presentationml/2006/ole">
             <mc:AlternateContent xmlns:mc="http://schemas.openxmlformats.org/markup-compatibility/2006">
               <mc:Choice xmlns:v="urn:schemas-microsoft-com:vml" Requires="v">
-                <p:oleObj spid="_x0000_s6156" name="Visio" r:id="rId3" imgW="3901440" imgH="2148693" progId="Visio.Drawing.15">
+                <p:oleObj spid="_x0000_s6157" name="Visio" r:id="rId3" imgW="3901440" imgH="2148693" progId="Visio.Drawing.15">
                   <p:embed/>
                 </p:oleObj>
               </mc:Choice>
@@ -10950,6 +11396,155 @@
     <p:extLst>
       <p:ext uri="{BB962C8B-B14F-4D97-AF65-F5344CB8AC3E}">
         <p14:creationId xmlns:p14="http://schemas.microsoft.com/office/powerpoint/2010/main" val="124179725"/>
+      </p:ext>
+    </p:extLst>
+  </p:cSld>
+  <p:clrMapOvr>
+    <a:masterClrMapping/>
+  </p:clrMapOvr>
+</p:sld>
+</file>
+
+<file path=ppt/slides/slide37.xml><?xml version="1.0" encoding="utf-8"?>
+<p:sld xmlns:a="http://schemas.openxmlformats.org/drawingml/2006/main" xmlns:r="http://schemas.openxmlformats.org/officeDocument/2006/relationships" xmlns:p="http://schemas.openxmlformats.org/presentationml/2006/main">
+  <p:cSld>
+    <p:spTree>
+      <p:nvGrpSpPr>
+        <p:cNvPr id="1" name=""/>
+        <p:cNvGrpSpPr/>
+        <p:nvPr/>
+      </p:nvGrpSpPr>
+      <p:grpSpPr>
+        <a:xfrm>
+          <a:off x="0" y="0"/>
+          <a:ext cx="0" cy="0"/>
+          <a:chOff x="0" y="0"/>
+          <a:chExt cx="0" cy="0"/>
+        </a:xfrm>
+      </p:grpSpPr>
+      <p:pic>
+        <p:nvPicPr>
+          <p:cNvPr id="4" name="内容占位符 3"/>
+          <p:cNvPicPr>
+            <a:picLocks noGrp="1" noChangeAspect="1"/>
+          </p:cNvPicPr>
+          <p:nvPr>
+            <p:ph idx="1"/>
+          </p:nvPr>
+        </p:nvPicPr>
+        <p:blipFill>
+          <a:blip r:embed="rId3">
+            <a:extLst>
+              <a:ext uri="{28A0092B-C50C-407E-A947-70E740481C1C}">
+                <a14:useLocalDpi xmlns:a14="http://schemas.microsoft.com/office/drawing/2010/main" val="0"/>
+              </a:ext>
+            </a:extLst>
+          </a:blip>
+          <a:stretch>
+            <a:fillRect/>
+          </a:stretch>
+        </p:blipFill>
+        <p:spPr>
+          <a:xfrm>
+            <a:off x="1272353" y="134938"/>
+            <a:ext cx="4252148" cy="3188469"/>
+          </a:xfrm>
+        </p:spPr>
+      </p:pic>
+      <p:pic>
+        <p:nvPicPr>
+          <p:cNvPr id="5" name="图片 4"/>
+          <p:cNvPicPr>
+            <a:picLocks noChangeAspect="1"/>
+          </p:cNvPicPr>
+          <p:nvPr/>
+        </p:nvPicPr>
+        <p:blipFill>
+          <a:blip r:embed="rId4">
+            <a:extLst>
+              <a:ext uri="{28A0092B-C50C-407E-A947-70E740481C1C}">
+                <a14:useLocalDpi xmlns:a14="http://schemas.microsoft.com/office/drawing/2010/main" val="0"/>
+              </a:ext>
+            </a:extLst>
+          </a:blip>
+          <a:stretch>
+            <a:fillRect/>
+          </a:stretch>
+        </p:blipFill>
+        <p:spPr>
+          <a:xfrm>
+            <a:off x="5524501" y="134937"/>
+            <a:ext cx="4252149" cy="3188470"/>
+          </a:xfrm>
+          <a:prstGeom prst="rect">
+            <a:avLst/>
+          </a:prstGeom>
+        </p:spPr>
+      </p:pic>
+      <p:pic>
+        <p:nvPicPr>
+          <p:cNvPr id="6" name="图片 5"/>
+          <p:cNvPicPr>
+            <a:picLocks noChangeAspect="1"/>
+          </p:cNvPicPr>
+          <p:nvPr/>
+        </p:nvPicPr>
+        <p:blipFill>
+          <a:blip r:embed="rId5">
+            <a:extLst>
+              <a:ext uri="{28A0092B-C50C-407E-A947-70E740481C1C}">
+                <a14:useLocalDpi xmlns:a14="http://schemas.microsoft.com/office/drawing/2010/main" val="0"/>
+              </a:ext>
+            </a:extLst>
+          </a:blip>
+          <a:stretch>
+            <a:fillRect/>
+          </a:stretch>
+        </p:blipFill>
+        <p:spPr>
+          <a:xfrm>
+            <a:off x="1272353" y="3323407"/>
+            <a:ext cx="4330788" cy="3247438"/>
+          </a:xfrm>
+          <a:prstGeom prst="rect">
+            <a:avLst/>
+          </a:prstGeom>
+        </p:spPr>
+      </p:pic>
+      <p:pic>
+        <p:nvPicPr>
+          <p:cNvPr id="7" name="图片 6"/>
+          <p:cNvPicPr>
+            <a:picLocks noChangeAspect="1"/>
+          </p:cNvPicPr>
+          <p:nvPr/>
+        </p:nvPicPr>
+        <p:blipFill>
+          <a:blip r:embed="rId6">
+            <a:extLst>
+              <a:ext uri="{28A0092B-C50C-407E-A947-70E740481C1C}">
+                <a14:useLocalDpi xmlns:a14="http://schemas.microsoft.com/office/drawing/2010/main" val="0"/>
+              </a:ext>
+            </a:extLst>
+          </a:blip>
+          <a:stretch>
+            <a:fillRect/>
+          </a:stretch>
+        </p:blipFill>
+        <p:spPr>
+          <a:xfrm>
+            <a:off x="5524502" y="3323408"/>
+            <a:ext cx="4330788" cy="3247438"/>
+          </a:xfrm>
+          <a:prstGeom prst="rect">
+            <a:avLst/>
+          </a:prstGeom>
+        </p:spPr>
+      </p:pic>
+    </p:spTree>
+    <p:extLst>
+      <p:ext uri="{BB962C8B-B14F-4D97-AF65-F5344CB8AC3E}">
+        <p14:creationId xmlns:p14="http://schemas.microsoft.com/office/powerpoint/2010/main" val="2992304477"/>
       </p:ext>
     </p:extLst>
   </p:cSld>
@@ -12128,4 +12723,265 @@
     </a:ext>
   </a:extLst>
 </a:theme>
+</file>
+
+<file path=ppt/theme/theme2.xml><?xml version="1.0" encoding="utf-8"?>
+<a:theme xmlns:a="http://schemas.openxmlformats.org/drawingml/2006/main" name="Office 主题​​">
+  <a:themeElements>
+    <a:clrScheme name="Office">
+      <a:dk1>
+        <a:sysClr val="windowText" lastClr="000000"/>
+      </a:dk1>
+      <a:lt1>
+        <a:sysClr val="window" lastClr="FFFFFF"/>
+      </a:lt1>
+      <a:dk2>
+        <a:srgbClr val="44546A"/>
+      </a:dk2>
+      <a:lt2>
+        <a:srgbClr val="E7E6E6"/>
+      </a:lt2>
+      <a:accent1>
+        <a:srgbClr val="5B9BD5"/>
+      </a:accent1>
+      <a:accent2>
+        <a:srgbClr val="ED7D31"/>
+      </a:accent2>
+      <a:accent3>
+        <a:srgbClr val="A5A5A5"/>
+      </a:accent3>
+      <a:accent4>
+        <a:srgbClr val="FFC000"/>
+      </a:accent4>
+      <a:accent5>
+        <a:srgbClr val="4472C4"/>
+      </a:accent5>
+      <a:accent6>
+        <a:srgbClr val="70AD47"/>
+      </a:accent6>
+      <a:hlink>
+        <a:srgbClr val="0563C1"/>
+      </a:hlink>
+      <a:folHlink>
+        <a:srgbClr val="954F72"/>
+      </a:folHlink>
+    </a:clrScheme>
+    <a:fontScheme name="Office">
+      <a:majorFont>
+        <a:latin typeface="等线 Light" panose="020F0302020204030204"/>
+        <a:ea typeface=""/>
+        <a:cs typeface=""/>
+        <a:font script="Jpan" typeface="游ゴシック Light"/>
+        <a:font script="Hang" typeface="맑은 고딕"/>
+        <a:font script="Hans" typeface="等线 Light"/>
+        <a:font script="Hant" typeface="新細明體"/>
+        <a:font script="Arab" typeface="Times New Roman"/>
+        <a:font script="Hebr" typeface="Times New Roman"/>
+        <a:font script="Thai" typeface="Angsana New"/>
+        <a:font script="Ethi" typeface="Nyala"/>
+        <a:font script="Beng" typeface="Vrinda"/>
+        <a:font script="Gujr" typeface="Shruti"/>
+        <a:font script="Khmr" typeface="MoolBoran"/>
+        <a:font script="Knda" typeface="Tunga"/>
+        <a:font script="Guru" typeface="Raavi"/>
+        <a:font script="Cans" typeface="Euphemia"/>
+        <a:font script="Cher" typeface="Plantagenet Cherokee"/>
+        <a:font script="Yiii" typeface="Microsoft Yi Baiti"/>
+        <a:font script="Tibt" typeface="Microsoft Himalaya"/>
+        <a:font script="Thaa" typeface="MV Boli"/>
+        <a:font script="Deva" typeface="Mangal"/>
+        <a:font script="Telu" typeface="Gautami"/>
+        <a:font script="Taml" typeface="Latha"/>
+        <a:font script="Syrc" typeface="Estrangelo Edessa"/>
+        <a:font script="Orya" typeface="Kalinga"/>
+        <a:font script="Mlym" typeface="Kartika"/>
+        <a:font script="Laoo" typeface="DokChampa"/>
+        <a:font script="Sinh" typeface="Iskoola Pota"/>
+        <a:font script="Mong" typeface="Mongolian Baiti"/>
+        <a:font script="Viet" typeface="Times New Roman"/>
+        <a:font script="Uigh" typeface="Microsoft Uighur"/>
+        <a:font script="Geor" typeface="Sylfaen"/>
+      </a:majorFont>
+      <a:minorFont>
+        <a:latin typeface="等线" panose="020F0502020204030204"/>
+        <a:ea typeface=""/>
+        <a:cs typeface=""/>
+        <a:font script="Jpan" typeface="游ゴシック"/>
+        <a:font script="Hang" typeface="맑은 고딕"/>
+        <a:font script="Hans" typeface="等线"/>
+        <a:font script="Hant" typeface="新細明體"/>
+        <a:font script="Arab" typeface="Arial"/>
+        <a:font script="Hebr" typeface="Arial"/>
+        <a:font script="Thai" typeface="Cordia New"/>
+        <a:font script="Ethi" typeface="Nyala"/>
+        <a:font script="Beng" typeface="Vrinda"/>
+        <a:font script="Gujr" typeface="Shruti"/>
+        <a:font script="Khmr" typeface="DaunPenh"/>
+        <a:font script="Knda" typeface="Tunga"/>
+        <a:font script="Guru" typeface="Raavi"/>
+        <a:font script="Cans" typeface="Euphemia"/>
+        <a:font script="Cher" typeface="Plantagenet Cherokee"/>
+        <a:font script="Yiii" typeface="Microsoft Yi Baiti"/>
+        <a:font script="Tibt" typeface="Microsoft Himalaya"/>
+        <a:font script="Thaa" typeface="MV Boli"/>
+        <a:font script="Deva" typeface="Mangal"/>
+        <a:font script="Telu" typeface="Gautami"/>
+        <a:font script="Taml" typeface="Latha"/>
+        <a:font script="Syrc" typeface="Estrangelo Edessa"/>
+        <a:font script="Orya" typeface="Kalinga"/>
+        <a:font script="Mlym" typeface="Kartika"/>
+        <a:font script="Laoo" typeface="DokChampa"/>
+        <a:font script="Sinh" typeface="Iskoola Pota"/>
+        <a:font script="Mong" typeface="Mongolian Baiti"/>
+        <a:font script="Viet" typeface="Arial"/>
+        <a:font script="Uigh" typeface="Microsoft Uighur"/>
+        <a:font script="Geor" typeface="Sylfaen"/>
+      </a:minorFont>
+    </a:fontScheme>
+    <a:fmtScheme name="Office">
+      <a:fillStyleLst>
+        <a:solidFill>
+          <a:schemeClr val="phClr"/>
+        </a:solidFill>
+        <a:gradFill rotWithShape="1">
+          <a:gsLst>
+            <a:gs pos="0">
+              <a:schemeClr val="phClr">
+                <a:lumMod val="110000"/>
+                <a:satMod val="105000"/>
+                <a:tint val="67000"/>
+              </a:schemeClr>
+            </a:gs>
+            <a:gs pos="50000">
+              <a:schemeClr val="phClr">
+                <a:lumMod val="105000"/>
+                <a:satMod val="103000"/>
+                <a:tint val="73000"/>
+              </a:schemeClr>
+            </a:gs>
+            <a:gs pos="100000">
+              <a:schemeClr val="phClr">
+                <a:lumMod val="105000"/>
+                <a:satMod val="109000"/>
+                <a:tint val="81000"/>
+              </a:schemeClr>
+            </a:gs>
+          </a:gsLst>
+          <a:lin ang="5400000" scaled="0"/>
+        </a:gradFill>
+        <a:gradFill rotWithShape="1">
+          <a:gsLst>
+            <a:gs pos="0">
+              <a:schemeClr val="phClr">
+                <a:satMod val="103000"/>
+                <a:lumMod val="102000"/>
+                <a:tint val="94000"/>
+              </a:schemeClr>
+            </a:gs>
+            <a:gs pos="50000">
+              <a:schemeClr val="phClr">
+                <a:satMod val="110000"/>
+                <a:lumMod val="100000"/>
+                <a:shade val="100000"/>
+              </a:schemeClr>
+            </a:gs>
+            <a:gs pos="100000">
+              <a:schemeClr val="phClr">
+                <a:lumMod val="99000"/>
+                <a:satMod val="120000"/>
+                <a:shade val="78000"/>
+              </a:schemeClr>
+            </a:gs>
+          </a:gsLst>
+          <a:lin ang="5400000" scaled="0"/>
+        </a:gradFill>
+      </a:fillStyleLst>
+      <a:lnStyleLst>
+        <a:ln w="6350" cap="flat" cmpd="sng" algn="ctr">
+          <a:solidFill>
+            <a:schemeClr val="phClr"/>
+          </a:solidFill>
+          <a:prstDash val="solid"/>
+          <a:miter lim="800000"/>
+        </a:ln>
+        <a:ln w="12700" cap="flat" cmpd="sng" algn="ctr">
+          <a:solidFill>
+            <a:schemeClr val="phClr"/>
+          </a:solidFill>
+          <a:prstDash val="solid"/>
+          <a:miter lim="800000"/>
+        </a:ln>
+        <a:ln w="19050" cap="flat" cmpd="sng" algn="ctr">
+          <a:solidFill>
+            <a:schemeClr val="phClr"/>
+          </a:solidFill>
+          <a:prstDash val="solid"/>
+          <a:miter lim="800000"/>
+        </a:ln>
+      </a:lnStyleLst>
+      <a:effectStyleLst>
+        <a:effectStyle>
+          <a:effectLst/>
+        </a:effectStyle>
+        <a:effectStyle>
+          <a:effectLst/>
+        </a:effectStyle>
+        <a:effectStyle>
+          <a:effectLst>
+            <a:outerShdw blurRad="57150" dist="19050" dir="5400000" algn="ctr" rotWithShape="0">
+              <a:srgbClr val="000000">
+                <a:alpha val="63000"/>
+              </a:srgbClr>
+            </a:outerShdw>
+          </a:effectLst>
+        </a:effectStyle>
+      </a:effectStyleLst>
+      <a:bgFillStyleLst>
+        <a:solidFill>
+          <a:schemeClr val="phClr"/>
+        </a:solidFill>
+        <a:solidFill>
+          <a:schemeClr val="phClr">
+            <a:tint val="95000"/>
+            <a:satMod val="170000"/>
+          </a:schemeClr>
+        </a:solidFill>
+        <a:gradFill rotWithShape="1">
+          <a:gsLst>
+            <a:gs pos="0">
+              <a:schemeClr val="phClr">
+                <a:tint val="93000"/>
+                <a:satMod val="150000"/>
+                <a:shade val="98000"/>
+                <a:lumMod val="102000"/>
+              </a:schemeClr>
+            </a:gs>
+            <a:gs pos="50000">
+              <a:schemeClr val="phClr">
+                <a:tint val="98000"/>
+                <a:satMod val="130000"/>
+                <a:shade val="90000"/>
+                <a:lumMod val="103000"/>
+              </a:schemeClr>
+            </a:gs>
+            <a:gs pos="100000">
+              <a:schemeClr val="phClr">
+                <a:shade val="63000"/>
+                <a:satMod val="120000"/>
+              </a:schemeClr>
+            </a:gs>
+          </a:gsLst>
+          <a:lin ang="5400000" scaled="0"/>
+        </a:gradFill>
+      </a:bgFillStyleLst>
+    </a:fmtScheme>
+  </a:themeElements>
+  <a:objectDefaults/>
+  <a:extraClrSchemeLst/>
+  <a:extLst>
+    <a:ext uri="{05A4C25C-085E-4340-85A3-A5531E510DB2}">
+      <thm15:themeFamily xmlns:thm15="http://schemas.microsoft.com/office/thememl/2012/main" name="Office Theme" id="{62F939B6-93AF-4DB8-9C6B-D6C7DFDC589F}" vid="{4A3C46E8-61CC-4603-A589-7422A47A8E4A}"/>
+    </a:ext>
+  </a:extLst>
+</a:theme>
 </file>
--- a/电力系统脆弱性研究/电力系统脆弱性研究.pptx
+++ b/电力系统脆弱性研究/电力系统脆弱性研究.pptx
@@ -5,7 +5,7 @@
     <p:sldMasterId id="2147483648" r:id="rId1"/>
   </p:sldMasterIdLst>
   <p:notesMasterIdLst>
-    <p:notesMasterId r:id="rId39"/>
+    <p:notesMasterId r:id="rId41"/>
   </p:notesMasterIdLst>
   <p:sldIdLst>
     <p:sldId id="256" r:id="rId2"/>
@@ -44,7 +44,9 @@
     <p:sldId id="289" r:id="rId35"/>
     <p:sldId id="290" r:id="rId36"/>
     <p:sldId id="291" r:id="rId37"/>
-    <p:sldId id="292" r:id="rId38"/>
+    <p:sldId id="293" r:id="rId38"/>
+    <p:sldId id="292" r:id="rId39"/>
+    <p:sldId id="294" r:id="rId40"/>
   </p:sldIdLst>
   <p:sldSz cx="12192000" cy="6858000"/>
   <p:notesSz cx="6858000" cy="9144000"/>
@@ -233,7 +235,7 @@
           <a:p>
             <a:fld id="{D49B5559-59E8-4D07-AF23-DEA856DE3407}" type="datetimeFigureOut">
               <a:rPr lang="zh-CN" altLang="en-US" smtClean="0"/>
-              <a:t>2019/08/04</a:t>
+              <a:t>2019/09/20</a:t>
             </a:fld>
             <a:endParaRPr lang="zh-CN" altLang="en-US"/>
           </a:p>
@@ -574,7 +576,7 @@
           <a:p>
             <a:fld id="{A2A31863-5084-49DE-9F64-85E59C9BEC7E}" type="slidenum">
               <a:rPr lang="zh-CN" altLang="en-US" smtClean="0"/>
-              <a:t>37</a:t>
+              <a:t>38</a:t>
             </a:fld>
             <a:endParaRPr lang="zh-CN" altLang="en-US"/>
           </a:p>
@@ -724,7 +726,7 @@
           <a:p>
             <a:fld id="{B14EACBE-21B6-4337-87E4-6179AEAE3952}" type="datetimeFigureOut">
               <a:rPr lang="zh-CN" altLang="en-US" smtClean="0"/>
-              <a:t>2019/08/04</a:t>
+              <a:t>2019/09/20</a:t>
             </a:fld>
             <a:endParaRPr lang="zh-CN" altLang="en-US"/>
           </a:p>
@@ -894,7 +896,7 @@
           <a:p>
             <a:fld id="{B14EACBE-21B6-4337-87E4-6179AEAE3952}" type="datetimeFigureOut">
               <a:rPr lang="zh-CN" altLang="en-US" smtClean="0"/>
-              <a:t>2019/08/04</a:t>
+              <a:t>2019/09/20</a:t>
             </a:fld>
             <a:endParaRPr lang="zh-CN" altLang="en-US"/>
           </a:p>
@@ -1074,7 +1076,7 @@
           <a:p>
             <a:fld id="{B14EACBE-21B6-4337-87E4-6179AEAE3952}" type="datetimeFigureOut">
               <a:rPr lang="zh-CN" altLang="en-US" smtClean="0"/>
-              <a:t>2019/08/04</a:t>
+              <a:t>2019/09/20</a:t>
             </a:fld>
             <a:endParaRPr lang="zh-CN" altLang="en-US"/>
           </a:p>
@@ -1244,7 +1246,7 @@
           <a:p>
             <a:fld id="{B14EACBE-21B6-4337-87E4-6179AEAE3952}" type="datetimeFigureOut">
               <a:rPr lang="zh-CN" altLang="en-US" smtClean="0"/>
-              <a:t>2019/08/04</a:t>
+              <a:t>2019/09/20</a:t>
             </a:fld>
             <a:endParaRPr lang="zh-CN" altLang="en-US"/>
           </a:p>
@@ -1490,7 +1492,7 @@
           <a:p>
             <a:fld id="{B14EACBE-21B6-4337-87E4-6179AEAE3952}" type="datetimeFigureOut">
               <a:rPr lang="zh-CN" altLang="en-US" smtClean="0"/>
-              <a:t>2019/08/04</a:t>
+              <a:t>2019/09/20</a:t>
             </a:fld>
             <a:endParaRPr lang="zh-CN" altLang="en-US"/>
           </a:p>
@@ -1722,7 +1724,7 @@
           <a:p>
             <a:fld id="{B14EACBE-21B6-4337-87E4-6179AEAE3952}" type="datetimeFigureOut">
               <a:rPr lang="zh-CN" altLang="en-US" smtClean="0"/>
-              <a:t>2019/08/04</a:t>
+              <a:t>2019/09/20</a:t>
             </a:fld>
             <a:endParaRPr lang="zh-CN" altLang="en-US"/>
           </a:p>
@@ -2089,7 +2091,7 @@
           <a:p>
             <a:fld id="{B14EACBE-21B6-4337-87E4-6179AEAE3952}" type="datetimeFigureOut">
               <a:rPr lang="zh-CN" altLang="en-US" smtClean="0"/>
-              <a:t>2019/08/04</a:t>
+              <a:t>2019/09/20</a:t>
             </a:fld>
             <a:endParaRPr lang="zh-CN" altLang="en-US"/>
           </a:p>
@@ -2207,7 +2209,7 @@
           <a:p>
             <a:fld id="{B14EACBE-21B6-4337-87E4-6179AEAE3952}" type="datetimeFigureOut">
               <a:rPr lang="zh-CN" altLang="en-US" smtClean="0"/>
-              <a:t>2019/08/04</a:t>
+              <a:t>2019/09/20</a:t>
             </a:fld>
             <a:endParaRPr lang="zh-CN" altLang="en-US"/>
           </a:p>
@@ -2302,7 +2304,7 @@
           <a:p>
             <a:fld id="{B14EACBE-21B6-4337-87E4-6179AEAE3952}" type="datetimeFigureOut">
               <a:rPr lang="zh-CN" altLang="en-US" smtClean="0"/>
-              <a:t>2019/08/04</a:t>
+              <a:t>2019/09/20</a:t>
             </a:fld>
             <a:endParaRPr lang="zh-CN" altLang="en-US"/>
           </a:p>
@@ -2579,7 +2581,7 @@
           <a:p>
             <a:fld id="{B14EACBE-21B6-4337-87E4-6179AEAE3952}" type="datetimeFigureOut">
               <a:rPr lang="zh-CN" altLang="en-US" smtClean="0"/>
-              <a:t>2019/08/04</a:t>
+              <a:t>2019/09/20</a:t>
             </a:fld>
             <a:endParaRPr lang="zh-CN" altLang="en-US"/>
           </a:p>
@@ -2832,7 +2834,7 @@
           <a:p>
             <a:fld id="{B14EACBE-21B6-4337-87E4-6179AEAE3952}" type="datetimeFigureOut">
               <a:rPr lang="zh-CN" altLang="en-US" smtClean="0"/>
-              <a:t>2019/08/04</a:t>
+              <a:t>2019/09/20</a:t>
             </a:fld>
             <a:endParaRPr lang="zh-CN" altLang="en-US"/>
           </a:p>
@@ -3045,7 +3047,7 @@
           <a:p>
             <a:fld id="{B14EACBE-21B6-4337-87E4-6179AEAE3952}" type="datetimeFigureOut">
               <a:rPr lang="zh-CN" altLang="en-US" smtClean="0"/>
-              <a:t>2019/08/04</a:t>
+              <a:t>2019/09/20</a:t>
             </a:fld>
             <a:endParaRPr lang="zh-CN" altLang="en-US"/>
           </a:p>
@@ -4190,7 +4192,7 @@
           <a:graphicData uri="http://schemas.openxmlformats.org/presentationml/2006/ole">
             <mc:AlternateContent xmlns:mc="http://schemas.openxmlformats.org/markup-compatibility/2006">
               <mc:Choice xmlns:v="urn:schemas-microsoft-com:vml" Requires="v">
-                <p:oleObj spid="_x0000_s2715" name="Equation" r:id="rId3" imgW="139680" imgH="177480" progId="Equation.DSMT4">
+                <p:oleObj spid="_x0000_s2795" name="Equation" r:id="rId3" imgW="139680" imgH="177480" progId="Equation.DSMT4">
                   <p:embed/>
                 </p:oleObj>
               </mc:Choice>
@@ -4247,7 +4249,7 @@
           <a:graphicData uri="http://schemas.openxmlformats.org/presentationml/2006/ole">
             <mc:AlternateContent xmlns:mc="http://schemas.openxmlformats.org/markup-compatibility/2006">
               <mc:Choice xmlns:v="urn:schemas-microsoft-com:vml" Requires="v">
-                <p:oleObj spid="_x0000_s2716" name="Equation" r:id="rId5" imgW="126720" imgH="139680" progId="Equation.DSMT4">
+                <p:oleObj spid="_x0000_s2796" name="Equation" r:id="rId5" imgW="126720" imgH="139680" progId="Equation.DSMT4">
                   <p:embed/>
                 </p:oleObj>
               </mc:Choice>
@@ -4304,7 +4306,7 @@
           <a:graphicData uri="http://schemas.openxmlformats.org/presentationml/2006/ole">
             <mc:AlternateContent xmlns:mc="http://schemas.openxmlformats.org/markup-compatibility/2006">
               <mc:Choice xmlns:v="urn:schemas-microsoft-com:vml" Requires="v">
-                <p:oleObj spid="_x0000_s2717" name="Equation" r:id="rId7" imgW="939600" imgH="228600" progId="Equation.DSMT4">
+                <p:oleObj spid="_x0000_s2797" name="Equation" r:id="rId7" imgW="939600" imgH="228600" progId="Equation.DSMT4">
                   <p:embed/>
                 </p:oleObj>
               </mc:Choice>
@@ -4361,7 +4363,7 @@
           <a:graphicData uri="http://schemas.openxmlformats.org/presentationml/2006/ole">
             <mc:AlternateContent xmlns:mc="http://schemas.openxmlformats.org/markup-compatibility/2006">
               <mc:Choice xmlns:v="urn:schemas-microsoft-com:vml" Requires="v">
-                <p:oleObj spid="_x0000_s2718" name="Equation" r:id="rId9" imgW="177480" imgH="228600" progId="Equation.DSMT4">
+                <p:oleObj spid="_x0000_s2798" name="Equation" r:id="rId9" imgW="177480" imgH="228600" progId="Equation.DSMT4">
                   <p:embed/>
                 </p:oleObj>
               </mc:Choice>
@@ -4418,7 +4420,7 @@
           <a:graphicData uri="http://schemas.openxmlformats.org/presentationml/2006/ole">
             <mc:AlternateContent xmlns:mc="http://schemas.openxmlformats.org/markup-compatibility/2006">
               <mc:Choice xmlns:v="urn:schemas-microsoft-com:vml" Requires="v">
-                <p:oleObj spid="_x0000_s2719" name="Equation" r:id="rId11" imgW="787320" imgH="241200" progId="Equation.DSMT4">
+                <p:oleObj spid="_x0000_s2799" name="Equation" r:id="rId11" imgW="787320" imgH="241200" progId="Equation.DSMT4">
                   <p:embed/>
                 </p:oleObj>
               </mc:Choice>
@@ -4475,7 +4477,7 @@
           <a:graphicData uri="http://schemas.openxmlformats.org/presentationml/2006/ole">
             <mc:AlternateContent xmlns:mc="http://schemas.openxmlformats.org/markup-compatibility/2006">
               <mc:Choice xmlns:v="urn:schemas-microsoft-com:vml" Requires="v">
-                <p:oleObj spid="_x0000_s2720" name="Equation" r:id="rId13" imgW="190440" imgH="228600" progId="Equation.DSMT4">
+                <p:oleObj spid="_x0000_s2800" name="Equation" r:id="rId13" imgW="190440" imgH="228600" progId="Equation.DSMT4">
                   <p:embed/>
                 </p:oleObj>
               </mc:Choice>
@@ -4532,7 +4534,7 @@
           <a:graphicData uri="http://schemas.openxmlformats.org/presentationml/2006/ole">
             <mc:AlternateContent xmlns:mc="http://schemas.openxmlformats.org/markup-compatibility/2006">
               <mc:Choice xmlns:v="urn:schemas-microsoft-com:vml" Requires="v">
-                <p:oleObj spid="_x0000_s2721" name="Equation" r:id="rId15" imgW="495000" imgH="228600" progId="Equation.DSMT4">
+                <p:oleObj spid="_x0000_s2801" name="Equation" r:id="rId15" imgW="495000" imgH="228600" progId="Equation.DSMT4">
                   <p:embed/>
                 </p:oleObj>
               </mc:Choice>
@@ -4589,7 +4591,7 @@
           <a:graphicData uri="http://schemas.openxmlformats.org/presentationml/2006/ole">
             <mc:AlternateContent xmlns:mc="http://schemas.openxmlformats.org/markup-compatibility/2006">
               <mc:Choice xmlns:v="urn:schemas-microsoft-com:vml" Requires="v">
-                <p:oleObj spid="_x0000_s2722" name="Equation" r:id="rId17" imgW="1371600" imgH="304560" progId="Equation.DSMT4">
+                <p:oleObj spid="_x0000_s2802" name="Equation" r:id="rId17" imgW="1371600" imgH="304560" progId="Equation.DSMT4">
                   <p:embed/>
                 </p:oleObj>
               </mc:Choice>
@@ -4646,7 +4648,7 @@
           <a:graphicData uri="http://schemas.openxmlformats.org/presentationml/2006/ole">
             <mc:AlternateContent xmlns:mc="http://schemas.openxmlformats.org/markup-compatibility/2006">
               <mc:Choice xmlns:v="urn:schemas-microsoft-com:vml" Requires="v">
-                <p:oleObj spid="_x0000_s2723" name="Equation" r:id="rId19" imgW="380880" imgH="228600" progId="Equation.DSMT4">
+                <p:oleObj spid="_x0000_s2803" name="Equation" r:id="rId19" imgW="380880" imgH="228600" progId="Equation.DSMT4">
                   <p:embed/>
                 </p:oleObj>
               </mc:Choice>
@@ -4703,7 +4705,7 @@
           <a:graphicData uri="http://schemas.openxmlformats.org/presentationml/2006/ole">
             <mc:AlternateContent xmlns:mc="http://schemas.openxmlformats.org/markup-compatibility/2006">
               <mc:Choice xmlns:v="urn:schemas-microsoft-com:vml" Requires="v">
-                <p:oleObj spid="_x0000_s2724" name="Equation" r:id="rId21" imgW="419040" imgH="228600" progId="Equation.DSMT4">
+                <p:oleObj spid="_x0000_s2804" name="Equation" r:id="rId21" imgW="419040" imgH="228600" progId="Equation.DSMT4">
                   <p:embed/>
                 </p:oleObj>
               </mc:Choice>
@@ -4760,7 +4762,7 @@
           <a:graphicData uri="http://schemas.openxmlformats.org/presentationml/2006/ole">
             <mc:AlternateContent xmlns:mc="http://schemas.openxmlformats.org/markup-compatibility/2006">
               <mc:Choice xmlns:v="urn:schemas-microsoft-com:vml" Requires="v">
-                <p:oleObj spid="_x0000_s2725" name="Equation" r:id="rId23" imgW="152280" imgH="164880" progId="Equation.DSMT4">
+                <p:oleObj spid="_x0000_s2805" name="Equation" r:id="rId23" imgW="152280" imgH="164880" progId="Equation.DSMT4">
                   <p:embed/>
                 </p:oleObj>
               </mc:Choice>
@@ -4817,7 +4819,7 @@
           <a:graphicData uri="http://schemas.openxmlformats.org/presentationml/2006/ole">
             <mc:AlternateContent xmlns:mc="http://schemas.openxmlformats.org/markup-compatibility/2006">
               <mc:Choice xmlns:v="urn:schemas-microsoft-com:vml" Requires="v">
-                <p:oleObj spid="_x0000_s2726" name="Equation" r:id="rId25" imgW="203040" imgH="228600" progId="Equation.DSMT4">
+                <p:oleObj spid="_x0000_s2806" name="Equation" r:id="rId25" imgW="203040" imgH="228600" progId="Equation.DSMT4">
                   <p:embed/>
                 </p:oleObj>
               </mc:Choice>
@@ -4874,7 +4876,7 @@
           <a:graphicData uri="http://schemas.openxmlformats.org/presentationml/2006/ole">
             <mc:AlternateContent xmlns:mc="http://schemas.openxmlformats.org/markup-compatibility/2006">
               <mc:Choice xmlns:v="urn:schemas-microsoft-com:vml" Requires="v">
-                <p:oleObj spid="_x0000_s2727" name="Equation" r:id="rId27" imgW="380880" imgH="228600" progId="Equation.DSMT4">
+                <p:oleObj spid="_x0000_s2807" name="Equation" r:id="rId27" imgW="380880" imgH="228600" progId="Equation.DSMT4">
                   <p:embed/>
                 </p:oleObj>
               </mc:Choice>
@@ -4931,7 +4933,7 @@
           <a:graphicData uri="http://schemas.openxmlformats.org/presentationml/2006/ole">
             <mc:AlternateContent xmlns:mc="http://schemas.openxmlformats.org/markup-compatibility/2006">
               <mc:Choice xmlns:v="urn:schemas-microsoft-com:vml" Requires="v">
-                <p:oleObj spid="_x0000_s2728" name="Equation" r:id="rId29" imgW="177480" imgH="228600" progId="Equation.DSMT4">
+                <p:oleObj spid="_x0000_s2808" name="Equation" r:id="rId29" imgW="177480" imgH="228600" progId="Equation.DSMT4">
                   <p:embed/>
                 </p:oleObj>
               </mc:Choice>
@@ -4988,7 +4990,7 @@
           <a:graphicData uri="http://schemas.openxmlformats.org/presentationml/2006/ole">
             <mc:AlternateContent xmlns:mc="http://schemas.openxmlformats.org/markup-compatibility/2006">
               <mc:Choice xmlns:v="urn:schemas-microsoft-com:vml" Requires="v">
-                <p:oleObj spid="_x0000_s2729" name="Equation" r:id="rId31" imgW="317160" imgH="203040" progId="Equation.DSMT4">
+                <p:oleObj spid="_x0000_s2809" name="Equation" r:id="rId31" imgW="317160" imgH="203040" progId="Equation.DSMT4">
                   <p:embed/>
                 </p:oleObj>
               </mc:Choice>
@@ -5045,7 +5047,7 @@
           <a:graphicData uri="http://schemas.openxmlformats.org/presentationml/2006/ole">
             <mc:AlternateContent xmlns:mc="http://schemas.openxmlformats.org/markup-compatibility/2006">
               <mc:Choice xmlns:v="urn:schemas-microsoft-com:vml" Requires="v">
-                <p:oleObj spid="_x0000_s2730" name="Equation" r:id="rId33" imgW="139680" imgH="177480" progId="Equation.DSMT4">
+                <p:oleObj spid="_x0000_s2810" name="Equation" r:id="rId33" imgW="139680" imgH="177480" progId="Equation.DSMT4">
                   <p:embed/>
                 </p:oleObj>
               </mc:Choice>
@@ -5222,7 +5224,7 @@
           <a:graphicData uri="http://schemas.openxmlformats.org/presentationml/2006/ole">
             <mc:AlternateContent xmlns:mc="http://schemas.openxmlformats.org/markup-compatibility/2006">
               <mc:Choice xmlns:v="urn:schemas-microsoft-com:vml" Requires="v">
-                <p:oleObj spid="_x0000_s3355" name="Equation" r:id="rId3" imgW="1104840" imgH="355320" progId="Equation.DSMT4">
+                <p:oleObj spid="_x0000_s3390" name="Equation" r:id="rId3" imgW="1104840" imgH="355320" progId="Equation.DSMT4">
                   <p:embed/>
                 </p:oleObj>
               </mc:Choice>
@@ -5279,7 +5281,7 @@
           <a:graphicData uri="http://schemas.openxmlformats.org/presentationml/2006/ole">
             <mc:AlternateContent xmlns:mc="http://schemas.openxmlformats.org/markup-compatibility/2006">
               <mc:Choice xmlns:v="urn:schemas-microsoft-com:vml" Requires="v">
-                <p:oleObj spid="_x0000_s3356" name="Equation" r:id="rId5" imgW="88560" imgH="164880" progId="Equation.DSMT4">
+                <p:oleObj spid="_x0000_s3391" name="Equation" r:id="rId5" imgW="88560" imgH="164880" progId="Equation.DSMT4">
                   <p:embed/>
                 </p:oleObj>
               </mc:Choice>
@@ -5336,7 +5338,7 @@
           <a:graphicData uri="http://schemas.openxmlformats.org/presentationml/2006/ole">
             <mc:AlternateContent xmlns:mc="http://schemas.openxmlformats.org/markup-compatibility/2006">
               <mc:Choice xmlns:v="urn:schemas-microsoft-com:vml" Requires="v">
-                <p:oleObj spid="_x0000_s3357" name="Equation" r:id="rId7" imgW="317160" imgH="203040" progId="Equation.DSMT4">
+                <p:oleObj spid="_x0000_s3392" name="Equation" r:id="rId7" imgW="317160" imgH="203040" progId="Equation.DSMT4">
                   <p:embed/>
                 </p:oleObj>
               </mc:Choice>
@@ -5393,7 +5395,7 @@
           <a:graphicData uri="http://schemas.openxmlformats.org/presentationml/2006/ole">
             <mc:AlternateContent xmlns:mc="http://schemas.openxmlformats.org/markup-compatibility/2006">
               <mc:Choice xmlns:v="urn:schemas-microsoft-com:vml" Requires="v">
-                <p:oleObj spid="_x0000_s3358" name="Equation" r:id="rId9" imgW="88560" imgH="164880" progId="Equation.DSMT4">
+                <p:oleObj spid="_x0000_s3393" name="Equation" r:id="rId9" imgW="88560" imgH="164880" progId="Equation.DSMT4">
                   <p:embed/>
                 </p:oleObj>
               </mc:Choice>
@@ -5450,7 +5452,7 @@
           <a:graphicData uri="http://schemas.openxmlformats.org/presentationml/2006/ole">
             <mc:AlternateContent xmlns:mc="http://schemas.openxmlformats.org/markup-compatibility/2006">
               <mc:Choice xmlns:v="urn:schemas-microsoft-com:vml" Requires="v">
-                <p:oleObj spid="_x0000_s3359" name="Equation" r:id="rId11" imgW="406080" imgH="203040" progId="Equation.DSMT4">
+                <p:oleObj spid="_x0000_s3394" name="Equation" r:id="rId11" imgW="406080" imgH="203040" progId="Equation.DSMT4">
                   <p:embed/>
                 </p:oleObj>
               </mc:Choice>
@@ -5507,7 +5509,7 @@
           <a:graphicData uri="http://schemas.openxmlformats.org/presentationml/2006/ole">
             <mc:AlternateContent xmlns:mc="http://schemas.openxmlformats.org/markup-compatibility/2006">
               <mc:Choice xmlns:v="urn:schemas-microsoft-com:vml" Requires="v">
-                <p:oleObj spid="_x0000_s3360" name="Equation" r:id="rId13" imgW="88560" imgH="164880" progId="Equation.DSMT4">
+                <p:oleObj spid="_x0000_s3395" name="Equation" r:id="rId13" imgW="88560" imgH="164880" progId="Equation.DSMT4">
                   <p:embed/>
                 </p:oleObj>
               </mc:Choice>
@@ -5564,7 +5566,7 @@
           <a:graphicData uri="http://schemas.openxmlformats.org/presentationml/2006/ole">
             <mc:AlternateContent xmlns:mc="http://schemas.openxmlformats.org/markup-compatibility/2006">
               <mc:Choice xmlns:v="urn:schemas-microsoft-com:vml" Requires="v">
-                <p:oleObj spid="_x0000_s3361" name="Equation" r:id="rId15" imgW="126720" imgH="190440" progId="Equation.DSMT4">
+                <p:oleObj spid="_x0000_s3396" name="Equation" r:id="rId15" imgW="126720" imgH="190440" progId="Equation.DSMT4">
                   <p:embed/>
                 </p:oleObj>
               </mc:Choice>
@@ -5816,7 +5818,7 @@
           <a:graphicData uri="http://schemas.openxmlformats.org/presentationml/2006/ole">
             <mc:AlternateContent xmlns:mc="http://schemas.openxmlformats.org/markup-compatibility/2006">
               <mc:Choice xmlns:v="urn:schemas-microsoft-com:vml" Requires="v">
-                <p:oleObj spid="_x0000_s4656" name="Equation" r:id="rId3" imgW="177480" imgH="228600" progId="Equation.DSMT4">
+                <p:oleObj spid="_x0000_s4731" name="Equation" r:id="rId3" imgW="177480" imgH="228600" progId="Equation.DSMT4">
                   <p:embed/>
                 </p:oleObj>
               </mc:Choice>
@@ -5873,7 +5875,7 @@
           <a:graphicData uri="http://schemas.openxmlformats.org/presentationml/2006/ole">
             <mc:AlternateContent xmlns:mc="http://schemas.openxmlformats.org/markup-compatibility/2006">
               <mc:Choice xmlns:v="urn:schemas-microsoft-com:vml" Requires="v">
-                <p:oleObj spid="_x0000_s4657" name="Equation" r:id="rId5" imgW="152280" imgH="228600" progId="Equation.DSMT4">
+                <p:oleObj spid="_x0000_s4732" name="Equation" r:id="rId5" imgW="152280" imgH="228600" progId="Equation.DSMT4">
                   <p:embed/>
                 </p:oleObj>
               </mc:Choice>
@@ -5930,7 +5932,7 @@
           <a:graphicData uri="http://schemas.openxmlformats.org/presentationml/2006/ole">
             <mc:AlternateContent xmlns:mc="http://schemas.openxmlformats.org/markup-compatibility/2006">
               <mc:Choice xmlns:v="urn:schemas-microsoft-com:vml" Requires="v">
-                <p:oleObj spid="_x0000_s4658" name="Equation" r:id="rId7" imgW="114120" imgH="177480" progId="Equation.DSMT4">
+                <p:oleObj spid="_x0000_s4733" name="Equation" r:id="rId7" imgW="114120" imgH="177480" progId="Equation.DSMT4">
                   <p:embed/>
                 </p:oleObj>
               </mc:Choice>
@@ -5987,7 +5989,7 @@
           <a:graphicData uri="http://schemas.openxmlformats.org/presentationml/2006/ole">
             <mc:AlternateContent xmlns:mc="http://schemas.openxmlformats.org/markup-compatibility/2006">
               <mc:Choice xmlns:v="urn:schemas-microsoft-com:vml" Requires="v">
-                <p:oleObj spid="_x0000_s4659" name="Equation" r:id="rId9" imgW="152280" imgH="228600" progId="Equation.DSMT4">
+                <p:oleObj spid="_x0000_s4734" name="Equation" r:id="rId9" imgW="152280" imgH="228600" progId="Equation.DSMT4">
                   <p:embed/>
                 </p:oleObj>
               </mc:Choice>
@@ -6044,7 +6046,7 @@
           <a:graphicData uri="http://schemas.openxmlformats.org/presentationml/2006/ole">
             <mc:AlternateContent xmlns:mc="http://schemas.openxmlformats.org/markup-compatibility/2006">
               <mc:Choice xmlns:v="urn:schemas-microsoft-com:vml" Requires="v">
-                <p:oleObj spid="_x0000_s4660" name="Equation" r:id="rId11" imgW="596880" imgH="190440" progId="Equation.DSMT4">
+                <p:oleObj spid="_x0000_s4735" name="Equation" r:id="rId11" imgW="596880" imgH="190440" progId="Equation.DSMT4">
                   <p:embed/>
                 </p:oleObj>
               </mc:Choice>
@@ -6101,7 +6103,7 @@
           <a:graphicData uri="http://schemas.openxmlformats.org/presentationml/2006/ole">
             <mc:AlternateContent xmlns:mc="http://schemas.openxmlformats.org/markup-compatibility/2006">
               <mc:Choice xmlns:v="urn:schemas-microsoft-com:vml" Requires="v">
-                <p:oleObj spid="_x0000_s4661" name="Equation" r:id="rId13" imgW="152280" imgH="164880" progId="Equation.DSMT4">
+                <p:oleObj spid="_x0000_s4736" name="Equation" r:id="rId13" imgW="152280" imgH="164880" progId="Equation.DSMT4">
                   <p:embed/>
                 </p:oleObj>
               </mc:Choice>
@@ -6158,7 +6160,7 @@
           <a:graphicData uri="http://schemas.openxmlformats.org/presentationml/2006/ole">
             <mc:AlternateContent xmlns:mc="http://schemas.openxmlformats.org/markup-compatibility/2006">
               <mc:Choice xmlns:v="urn:schemas-microsoft-com:vml" Requires="v">
-                <p:oleObj spid="_x0000_s4662" name="Equation" r:id="rId15" imgW="419040" imgH="177480" progId="Equation.DSMT4">
+                <p:oleObj spid="_x0000_s4737" name="Equation" r:id="rId15" imgW="419040" imgH="177480" progId="Equation.DSMT4">
                   <p:embed/>
                 </p:oleObj>
               </mc:Choice>
@@ -6215,7 +6217,7 @@
           <a:graphicData uri="http://schemas.openxmlformats.org/presentationml/2006/ole">
             <mc:AlternateContent xmlns:mc="http://schemas.openxmlformats.org/markup-compatibility/2006">
               <mc:Choice xmlns:v="urn:schemas-microsoft-com:vml" Requires="v">
-                <p:oleObj spid="_x0000_s4663" name="Equation" r:id="rId17" imgW="177480" imgH="177480" progId="Equation.DSMT4">
+                <p:oleObj spid="_x0000_s4738" name="Equation" r:id="rId17" imgW="177480" imgH="177480" progId="Equation.DSMT4">
                   <p:embed/>
                 </p:oleObj>
               </mc:Choice>
@@ -6272,7 +6274,7 @@
           <a:graphicData uri="http://schemas.openxmlformats.org/presentationml/2006/ole">
             <mc:AlternateContent xmlns:mc="http://schemas.openxmlformats.org/markup-compatibility/2006">
               <mc:Choice xmlns:v="urn:schemas-microsoft-com:vml" Requires="v">
-                <p:oleObj spid="_x0000_s4664" name="Equation" r:id="rId19" imgW="177480" imgH="164880" progId="Equation.DSMT4">
+                <p:oleObj spid="_x0000_s4739" name="Equation" r:id="rId19" imgW="177480" imgH="164880" progId="Equation.DSMT4">
                   <p:embed/>
                 </p:oleObj>
               </mc:Choice>
@@ -6329,7 +6331,7 @@
           <a:graphicData uri="http://schemas.openxmlformats.org/presentationml/2006/ole">
             <mc:AlternateContent xmlns:mc="http://schemas.openxmlformats.org/markup-compatibility/2006">
               <mc:Choice xmlns:v="urn:schemas-microsoft-com:vml" Requires="v">
-                <p:oleObj spid="_x0000_s4665" name="Equation" r:id="rId21" imgW="342720" imgH="177480" progId="Equation.DSMT4">
+                <p:oleObj spid="_x0000_s4740" name="Equation" r:id="rId21" imgW="342720" imgH="177480" progId="Equation.DSMT4">
                   <p:embed/>
                 </p:oleObj>
               </mc:Choice>
@@ -6386,7 +6388,7 @@
           <a:graphicData uri="http://schemas.openxmlformats.org/presentationml/2006/ole">
             <mc:AlternateContent xmlns:mc="http://schemas.openxmlformats.org/markup-compatibility/2006">
               <mc:Choice xmlns:v="urn:schemas-microsoft-com:vml" Requires="v">
-                <p:oleObj spid="_x0000_s4666" name="Equation" r:id="rId23" imgW="393480" imgH="241200" progId="Equation.DSMT4">
+                <p:oleObj spid="_x0000_s4741" name="Equation" r:id="rId23" imgW="393480" imgH="241200" progId="Equation.DSMT4">
                   <p:embed/>
                 </p:oleObj>
               </mc:Choice>
@@ -6443,7 +6445,7 @@
           <a:graphicData uri="http://schemas.openxmlformats.org/presentationml/2006/ole">
             <mc:AlternateContent xmlns:mc="http://schemas.openxmlformats.org/markup-compatibility/2006">
               <mc:Choice xmlns:v="urn:schemas-microsoft-com:vml" Requires="v">
-                <p:oleObj spid="_x0000_s4667" name="Equation" r:id="rId25" imgW="88560" imgH="164880" progId="Equation.DSMT4">
+                <p:oleObj spid="_x0000_s4742" name="Equation" r:id="rId25" imgW="88560" imgH="164880" progId="Equation.DSMT4">
                   <p:embed/>
                 </p:oleObj>
               </mc:Choice>
@@ -6500,7 +6502,7 @@
           <a:graphicData uri="http://schemas.openxmlformats.org/presentationml/2006/ole">
             <mc:AlternateContent xmlns:mc="http://schemas.openxmlformats.org/markup-compatibility/2006">
               <mc:Choice xmlns:v="urn:schemas-microsoft-com:vml" Requires="v">
-                <p:oleObj spid="_x0000_s4668" name="Equation" r:id="rId27" imgW="419040" imgH="241200" progId="Equation.DSMT4">
+                <p:oleObj spid="_x0000_s4743" name="Equation" r:id="rId27" imgW="419040" imgH="241200" progId="Equation.DSMT4">
                   <p:embed/>
                 </p:oleObj>
               </mc:Choice>
@@ -6557,7 +6559,7 @@
           <a:graphicData uri="http://schemas.openxmlformats.org/presentationml/2006/ole">
             <mc:AlternateContent xmlns:mc="http://schemas.openxmlformats.org/markup-compatibility/2006">
               <mc:Choice xmlns:v="urn:schemas-microsoft-com:vml" Requires="v">
-                <p:oleObj spid="_x0000_s4669" name="Equation" r:id="rId29" imgW="152280" imgH="228600" progId="Equation.DSMT4">
+                <p:oleObj spid="_x0000_s4744" name="Equation" r:id="rId29" imgW="152280" imgH="228600" progId="Equation.DSMT4">
                   <p:embed/>
                 </p:oleObj>
               </mc:Choice>
@@ -6614,7 +6616,7 @@
           <a:graphicData uri="http://schemas.openxmlformats.org/presentationml/2006/ole">
             <mc:AlternateContent xmlns:mc="http://schemas.openxmlformats.org/markup-compatibility/2006">
               <mc:Choice xmlns:v="urn:schemas-microsoft-com:vml" Requires="v">
-                <p:oleObj spid="_x0000_s4670" name="Equation" r:id="rId31" imgW="88560" imgH="164880" progId="Equation.DSMT4">
+                <p:oleObj spid="_x0000_s4745" name="Equation" r:id="rId31" imgW="88560" imgH="164880" progId="Equation.DSMT4">
                   <p:embed/>
                 </p:oleObj>
               </mc:Choice>
@@ -7297,7 +7299,7 @@
           <a:graphicData uri="http://schemas.openxmlformats.org/presentationml/2006/ole">
             <mc:AlternateContent xmlns:mc="http://schemas.openxmlformats.org/markup-compatibility/2006">
               <mc:Choice xmlns:v="urn:schemas-microsoft-com:vml" Requires="v">
-                <p:oleObj spid="_x0000_s1342" name="Equation" r:id="rId3" imgW="939600" imgH="431640" progId="Equation.DSMT4">
+                <p:oleObj spid="_x0000_s1377" name="Equation" r:id="rId3" imgW="939600" imgH="431640" progId="Equation.DSMT4">
                   <p:embed/>
                 </p:oleObj>
               </mc:Choice>
@@ -7354,7 +7356,7 @@
           <a:graphicData uri="http://schemas.openxmlformats.org/presentationml/2006/ole">
             <mc:AlternateContent xmlns:mc="http://schemas.openxmlformats.org/markup-compatibility/2006">
               <mc:Choice xmlns:v="urn:schemas-microsoft-com:vml" Requires="v">
-                <p:oleObj spid="_x0000_s1343" name="Equation" r:id="rId5" imgW="647640" imgH="634680" progId="Equation.DSMT4">
+                <p:oleObj spid="_x0000_s1378" name="Equation" r:id="rId5" imgW="647640" imgH="634680" progId="Equation.DSMT4">
                   <p:embed/>
                 </p:oleObj>
               </mc:Choice>
@@ -7411,7 +7413,7 @@
           <a:graphicData uri="http://schemas.openxmlformats.org/presentationml/2006/ole">
             <mc:AlternateContent xmlns:mc="http://schemas.openxmlformats.org/markup-compatibility/2006">
               <mc:Choice xmlns:v="urn:schemas-microsoft-com:vml" Requires="v">
-                <p:oleObj spid="_x0000_s1344" name="Equation" r:id="rId7" imgW="139680" imgH="228600" progId="Equation.DSMT4">
+                <p:oleObj spid="_x0000_s1379" name="Equation" r:id="rId7" imgW="139680" imgH="228600" progId="Equation.DSMT4">
                   <p:embed/>
                 </p:oleObj>
               </mc:Choice>
@@ -7468,7 +7470,7 @@
           <a:graphicData uri="http://schemas.openxmlformats.org/presentationml/2006/ole">
             <mc:AlternateContent xmlns:mc="http://schemas.openxmlformats.org/markup-compatibility/2006">
               <mc:Choice xmlns:v="urn:schemas-microsoft-com:vml" Requires="v">
-                <p:oleObj spid="_x0000_s1345" name="Equation" r:id="rId9" imgW="88560" imgH="164880" progId="Equation.DSMT4">
+                <p:oleObj spid="_x0000_s1380" name="Equation" r:id="rId9" imgW="88560" imgH="164880" progId="Equation.DSMT4">
                   <p:embed/>
                 </p:oleObj>
               </mc:Choice>
@@ -7525,7 +7527,7 @@
           <a:graphicData uri="http://schemas.openxmlformats.org/presentationml/2006/ole">
             <mc:AlternateContent xmlns:mc="http://schemas.openxmlformats.org/markup-compatibility/2006">
               <mc:Choice xmlns:v="urn:schemas-microsoft-com:vml" Requires="v">
-                <p:oleObj spid="_x0000_s1346" name="Equation" r:id="rId11" imgW="114120" imgH="177480" progId="Equation.DSMT4">
+                <p:oleObj spid="_x0000_s1381" name="Equation" r:id="rId11" imgW="114120" imgH="177480" progId="Equation.DSMT4">
                   <p:embed/>
                 </p:oleObj>
               </mc:Choice>
@@ -7582,7 +7584,7 @@
           <a:graphicData uri="http://schemas.openxmlformats.org/presentationml/2006/ole">
             <mc:AlternateContent xmlns:mc="http://schemas.openxmlformats.org/markup-compatibility/2006">
               <mc:Choice xmlns:v="urn:schemas-microsoft-com:vml" Requires="v">
-                <p:oleObj spid="_x0000_s1347" name="Equation" r:id="rId13" imgW="1295280" imgH="457200" progId="Equation.DSMT4">
+                <p:oleObj spid="_x0000_s1382" name="Equation" r:id="rId13" imgW="1295280" imgH="457200" progId="Equation.DSMT4">
                   <p:embed/>
                 </p:oleObj>
               </mc:Choice>
@@ -7639,7 +7641,7 @@
           <a:graphicData uri="http://schemas.openxmlformats.org/presentationml/2006/ole">
             <mc:AlternateContent xmlns:mc="http://schemas.openxmlformats.org/markup-compatibility/2006">
               <mc:Choice xmlns:v="urn:schemas-microsoft-com:vml" Requires="v">
-                <p:oleObj spid="_x0000_s1348" name="Equation" r:id="rId15" imgW="177480" imgH="241200" progId="Equation.DSMT4">
+                <p:oleObj spid="_x0000_s1383" name="Equation" r:id="rId15" imgW="177480" imgH="241200" progId="Equation.DSMT4">
                   <p:embed/>
                 </p:oleObj>
               </mc:Choice>
@@ -8958,7 +8960,7 @@
           <a:graphicData uri="http://schemas.openxmlformats.org/presentationml/2006/ole">
             <mc:AlternateContent xmlns:mc="http://schemas.openxmlformats.org/markup-compatibility/2006">
               <mc:Choice xmlns:v="urn:schemas-microsoft-com:vml" Requires="v">
-                <p:oleObj spid="_x0000_s5421" name="Equation" r:id="rId3" imgW="876240" imgH="228600" progId="Equation.DSMT4">
+                <p:oleObj spid="_x0000_s5471" name="Equation" r:id="rId3" imgW="876240" imgH="228600" progId="Equation.DSMT4">
                   <p:embed/>
                 </p:oleObj>
               </mc:Choice>
@@ -9015,7 +9017,7 @@
           <a:graphicData uri="http://schemas.openxmlformats.org/presentationml/2006/ole">
             <mc:AlternateContent xmlns:mc="http://schemas.openxmlformats.org/markup-compatibility/2006">
               <mc:Choice xmlns:v="urn:schemas-microsoft-com:vml" Requires="v">
-                <p:oleObj spid="_x0000_s5422" name="Equation" r:id="rId5" imgW="139680" imgH="164880" progId="Equation.DSMT4">
+                <p:oleObj spid="_x0000_s5472" name="Equation" r:id="rId5" imgW="139680" imgH="164880" progId="Equation.DSMT4">
                   <p:embed/>
                 </p:oleObj>
               </mc:Choice>
@@ -9072,7 +9074,7 @@
           <a:graphicData uri="http://schemas.openxmlformats.org/presentationml/2006/ole">
             <mc:AlternateContent xmlns:mc="http://schemas.openxmlformats.org/markup-compatibility/2006">
               <mc:Choice xmlns:v="urn:schemas-microsoft-com:vml" Requires="v">
-                <p:oleObj spid="_x0000_s5423" name="Equation" r:id="rId7" imgW="914400" imgH="431640" progId="Equation.DSMT4">
+                <p:oleObj spid="_x0000_s5473" name="Equation" r:id="rId7" imgW="914400" imgH="431640" progId="Equation.DSMT4">
                   <p:embed/>
                 </p:oleObj>
               </mc:Choice>
@@ -9129,7 +9131,7 @@
           <a:graphicData uri="http://schemas.openxmlformats.org/presentationml/2006/ole">
             <mc:AlternateContent xmlns:mc="http://schemas.openxmlformats.org/markup-compatibility/2006">
               <mc:Choice xmlns:v="urn:schemas-microsoft-com:vml" Requires="v">
-                <p:oleObj spid="_x0000_s5424" name="Equation" r:id="rId9" imgW="152280" imgH="164880" progId="Equation.DSMT4">
+                <p:oleObj spid="_x0000_s5474" name="Equation" r:id="rId9" imgW="152280" imgH="164880" progId="Equation.DSMT4">
                   <p:embed/>
                 </p:oleObj>
               </mc:Choice>
@@ -9186,7 +9188,7 @@
           <a:graphicData uri="http://schemas.openxmlformats.org/presentationml/2006/ole">
             <mc:AlternateContent xmlns:mc="http://schemas.openxmlformats.org/markup-compatibility/2006">
               <mc:Choice xmlns:v="urn:schemas-microsoft-com:vml" Requires="v">
-                <p:oleObj spid="_x0000_s5425" name="Equation" r:id="rId11" imgW="152280" imgH="164880" progId="Equation.DSMT4">
+                <p:oleObj spid="_x0000_s5475" name="Equation" r:id="rId11" imgW="152280" imgH="164880" progId="Equation.DSMT4">
                   <p:embed/>
                 </p:oleObj>
               </mc:Choice>
@@ -9243,7 +9245,7 @@
           <a:graphicData uri="http://schemas.openxmlformats.org/presentationml/2006/ole">
             <mc:AlternateContent xmlns:mc="http://schemas.openxmlformats.org/markup-compatibility/2006">
               <mc:Choice xmlns:v="urn:schemas-microsoft-com:vml" Requires="v">
-                <p:oleObj spid="_x0000_s5426" name="Equation" r:id="rId13" imgW="1485720" imgH="469800" progId="Equation.DSMT4">
+                <p:oleObj spid="_x0000_s5476" name="Equation" r:id="rId13" imgW="1485720" imgH="469800" progId="Equation.DSMT4">
                   <p:embed/>
                 </p:oleObj>
               </mc:Choice>
@@ -9300,7 +9302,7 @@
           <a:graphicData uri="http://schemas.openxmlformats.org/presentationml/2006/ole">
             <mc:AlternateContent xmlns:mc="http://schemas.openxmlformats.org/markup-compatibility/2006">
               <mc:Choice xmlns:v="urn:schemas-microsoft-com:vml" Requires="v">
-                <p:oleObj spid="_x0000_s5427" name="Equation" r:id="rId15" imgW="152280" imgH="164880" progId="Equation.DSMT4">
+                <p:oleObj spid="_x0000_s5477" name="Equation" r:id="rId15" imgW="152280" imgH="164880" progId="Equation.DSMT4">
                   <p:embed/>
                 </p:oleObj>
               </mc:Choice>
@@ -9357,7 +9359,7 @@
           <a:graphicData uri="http://schemas.openxmlformats.org/presentationml/2006/ole">
             <mc:AlternateContent xmlns:mc="http://schemas.openxmlformats.org/markup-compatibility/2006">
               <mc:Choice xmlns:v="urn:schemas-microsoft-com:vml" Requires="v">
-                <p:oleObj spid="_x0000_s5428" name="Equation" r:id="rId17" imgW="152280" imgH="203040" progId="Equation.DSMT4">
+                <p:oleObj spid="_x0000_s5478" name="Equation" r:id="rId17" imgW="152280" imgH="203040" progId="Equation.DSMT4">
                   <p:embed/>
                 </p:oleObj>
               </mc:Choice>
@@ -9414,7 +9416,7 @@
           <a:graphicData uri="http://schemas.openxmlformats.org/presentationml/2006/ole">
             <mc:AlternateContent xmlns:mc="http://schemas.openxmlformats.org/markup-compatibility/2006">
               <mc:Choice xmlns:v="urn:schemas-microsoft-com:vml" Requires="v">
-                <p:oleObj spid="_x0000_s5429" name="Equation" r:id="rId19" imgW="152280" imgH="139680" progId="Equation.DSMT4">
+                <p:oleObj spid="_x0000_s5479" name="Equation" r:id="rId19" imgW="152280" imgH="139680" progId="Equation.DSMT4">
                   <p:embed/>
                 </p:oleObj>
               </mc:Choice>
@@ -9471,7 +9473,7 @@
           <a:graphicData uri="http://schemas.openxmlformats.org/presentationml/2006/ole">
             <mc:AlternateContent xmlns:mc="http://schemas.openxmlformats.org/markup-compatibility/2006">
               <mc:Choice xmlns:v="urn:schemas-microsoft-com:vml" Requires="v">
-                <p:oleObj spid="_x0000_s5430" name="Equation" r:id="rId21" imgW="152280" imgH="139680" progId="Equation.DSMT4">
+                <p:oleObj spid="_x0000_s5480" name="Equation" r:id="rId21" imgW="152280" imgH="139680" progId="Equation.DSMT4">
                   <p:embed/>
                 </p:oleObj>
               </mc:Choice>
@@ -10286,7 +10288,7 @@
           <a:graphicData uri="http://schemas.openxmlformats.org/presentationml/2006/ole">
             <mc:AlternateContent xmlns:mc="http://schemas.openxmlformats.org/markup-compatibility/2006">
               <mc:Choice xmlns:v="urn:schemas-microsoft-com:vml" Requires="v">
-                <p:oleObj spid="_x0000_s6157" name="Visio" r:id="rId3" imgW="3901440" imgH="2148693" progId="Visio.Drawing.15">
+                <p:oleObj spid="_x0000_s6162" name="Visio" r:id="rId3" imgW="3901440" imgH="2148693" progId="Visio.Drawing.15">
                   <p:embed/>
                 </p:oleObj>
               </mc:Choice>
@@ -11422,6 +11424,266 @@
           <a:chExt cx="0" cy="0"/>
         </a:xfrm>
       </p:grpSpPr>
+      <p:sp>
+        <p:nvSpPr>
+          <p:cNvPr id="2" name="标题 1"/>
+          <p:cNvSpPr>
+            <a:spLocks noGrp="1"/>
+          </p:cNvSpPr>
+          <p:nvPr>
+            <p:ph type="title"/>
+          </p:nvPr>
+        </p:nvSpPr>
+        <p:spPr>
+          <a:xfrm>
+            <a:off x="838200" y="365125"/>
+            <a:ext cx="10515600" cy="631825"/>
+          </a:xfrm>
+        </p:spPr>
+        <p:txBody>
+          <a:bodyPr>
+            <a:normAutofit/>
+          </a:bodyPr>
+          <a:lstStyle/>
+          <a:p>
+            <a:r>
+              <a:rPr lang="zh-CN" altLang="en-US" sz="2800" b="1" dirty="0" smtClean="0"/>
+              <a:t>电力系统脆弱性研究分析</a:t>
+            </a:r>
+            <a:endParaRPr lang="zh-CN" altLang="en-US" sz="2800" b="1" dirty="0"/>
+          </a:p>
+        </p:txBody>
+      </p:sp>
+      <p:sp>
+        <p:nvSpPr>
+          <p:cNvPr id="3" name="内容占位符 2"/>
+          <p:cNvSpPr>
+            <a:spLocks noGrp="1"/>
+          </p:cNvSpPr>
+          <p:nvPr>
+            <p:ph idx="1"/>
+          </p:nvPr>
+        </p:nvSpPr>
+        <p:spPr>
+          <a:xfrm>
+            <a:off x="838200" y="996950"/>
+            <a:ext cx="10515600" cy="5180013"/>
+          </a:xfrm>
+        </p:spPr>
+        <p:txBody>
+          <a:bodyPr>
+            <a:normAutofit/>
+          </a:bodyPr>
+          <a:lstStyle/>
+          <a:p>
+            <a:pPr marL="0" indent="0">
+              <a:buNone/>
+            </a:pPr>
+            <a:r>
+              <a:rPr lang="en-US" altLang="zh-CN" dirty="0" smtClean="0"/>
+              <a:t>1.</a:t>
+            </a:r>
+            <a:r>
+              <a:rPr lang="zh-CN" altLang="en-US" dirty="0" smtClean="0"/>
+              <a:t>状态指标</a:t>
+            </a:r>
+            <a:r>
+              <a:rPr lang="en-US" altLang="zh-CN" dirty="0" smtClean="0"/>
+              <a:t>3</a:t>
+            </a:r>
+            <a:r>
+              <a:rPr lang="zh-CN" altLang="en-US" dirty="0" smtClean="0"/>
+              <a:t>，负荷节点功率裕度</a:t>
+            </a:r>
+            <a:endParaRPr lang="en-US" altLang="zh-CN" dirty="0" smtClean="0"/>
+          </a:p>
+          <a:p>
+            <a:pPr marL="0" indent="0">
+              <a:buNone/>
+            </a:pPr>
+            <a:r>
+              <a:rPr lang="zh-CN" altLang="en-US" dirty="0" smtClean="0"/>
+              <a:t>   利用连续潮流计算方法</a:t>
+            </a:r>
+            <a:r>
+              <a:rPr lang="en-US" altLang="zh-CN" dirty="0" smtClean="0"/>
+              <a:t>(CPF)</a:t>
+            </a:r>
+          </a:p>
+          <a:p>
+            <a:pPr marL="0" indent="0">
+              <a:buNone/>
+            </a:pPr>
+            <a:r>
+              <a:rPr lang="en-US" altLang="zh-CN" dirty="0" smtClean="0"/>
+              <a:t>2.</a:t>
+            </a:r>
+            <a:r>
+              <a:rPr lang="zh-CN" altLang="en-US" dirty="0" smtClean="0"/>
+              <a:t>状态指标融合方法</a:t>
+            </a:r>
+            <a:r>
+              <a:rPr lang="en-US" altLang="zh-CN" dirty="0" smtClean="0"/>
+              <a:t>-</a:t>
+            </a:r>
+            <a:r>
+              <a:rPr lang="zh-CN" altLang="en-US" dirty="0" smtClean="0"/>
+              <a:t>离差最大化</a:t>
+            </a:r>
+            <a:endParaRPr lang="en-US" altLang="zh-CN" dirty="0" smtClean="0"/>
+          </a:p>
+          <a:p>
+            <a:pPr marL="0" indent="0">
+              <a:buNone/>
+            </a:pPr>
+            <a:r>
+              <a:rPr lang="zh-CN" altLang="en-US" dirty="0" smtClean="0"/>
+              <a:t>   基本</a:t>
+            </a:r>
+            <a:r>
+              <a:rPr lang="zh-CN" altLang="en-US" dirty="0"/>
+              <a:t>思想，在指标</a:t>
+            </a:r>
+            <a:r>
+              <a:rPr lang="en-US" altLang="zh-CN" dirty="0" err="1"/>
+              <a:t>i</a:t>
+            </a:r>
+            <a:r>
+              <a:rPr lang="zh-CN" altLang="en-US" dirty="0"/>
+              <a:t>下，</a:t>
+            </a:r>
+            <a:r>
+              <a:rPr lang="zh-CN" altLang="en-US" dirty="0" smtClean="0"/>
+              <a:t>各</a:t>
+            </a:r>
+            <a:r>
+              <a:rPr lang="zh-CN" altLang="en-US" dirty="0"/>
+              <a:t>节点</a:t>
+            </a:r>
+            <a:r>
+              <a:rPr lang="zh-CN" altLang="en-US" dirty="0" smtClean="0"/>
+              <a:t>的</a:t>
+            </a:r>
+            <a:r>
+              <a:rPr lang="zh-CN" altLang="en-US" dirty="0"/>
+              <a:t>指标值的离散程度，</a:t>
+            </a:r>
+            <a:endParaRPr lang="en-US" altLang="zh-CN" dirty="0" smtClean="0"/>
+          </a:p>
+          <a:p>
+            <a:pPr marL="0" indent="0">
+              <a:buNone/>
+            </a:pPr>
+            <a:r>
+              <a:rPr lang="en-US" altLang="zh-CN" dirty="0" smtClean="0"/>
+              <a:t>3.</a:t>
+            </a:r>
+            <a:r>
+              <a:rPr lang="zh-CN" altLang="en-US" dirty="0" smtClean="0"/>
+              <a:t>结构和状态指标结合</a:t>
+            </a:r>
+            <a:endParaRPr lang="en-US" altLang="zh-CN" dirty="0" smtClean="0"/>
+          </a:p>
+          <a:p>
+            <a:pPr marL="0" indent="0">
+              <a:buNone/>
+            </a:pPr>
+            <a:r>
+              <a:rPr lang="zh-CN" altLang="en-US" dirty="0" smtClean="0"/>
+              <a:t>（</a:t>
+            </a:r>
+            <a:r>
+              <a:rPr lang="en-US" altLang="zh-CN" dirty="0" smtClean="0"/>
+              <a:t>1</a:t>
+            </a:r>
+            <a:r>
+              <a:rPr lang="zh-CN" altLang="en-US" dirty="0" smtClean="0"/>
+              <a:t>）基于概率盒的</a:t>
+            </a:r>
+            <a:r>
+              <a:rPr lang="en-US" altLang="zh-CN" dirty="0" smtClean="0"/>
+              <a:t>D-S</a:t>
+            </a:r>
+            <a:r>
+              <a:rPr lang="zh-CN" altLang="en-US" dirty="0" smtClean="0"/>
+              <a:t>证据理论</a:t>
+            </a:r>
+            <a:endParaRPr lang="en-US" altLang="zh-CN" dirty="0" smtClean="0"/>
+          </a:p>
+          <a:p>
+            <a:pPr marL="0" indent="0">
+              <a:buNone/>
+            </a:pPr>
+            <a:r>
+              <a:rPr lang="zh-CN" altLang="en-US" dirty="0" smtClean="0"/>
+              <a:t>（</a:t>
+            </a:r>
+            <a:r>
+              <a:rPr lang="en-US" altLang="zh-CN" dirty="0" smtClean="0"/>
+              <a:t>2</a:t>
+            </a:r>
+            <a:r>
+              <a:rPr lang="zh-CN" altLang="en-US" dirty="0" smtClean="0"/>
+              <a:t>）信息增益值法</a:t>
+            </a:r>
+            <a:endParaRPr lang="en-US" altLang="zh-CN" dirty="0"/>
+          </a:p>
+          <a:p>
+            <a:pPr marL="0" indent="0">
+              <a:buNone/>
+            </a:pPr>
+            <a:r>
+              <a:rPr lang="en-US" altLang="zh-CN" dirty="0" smtClean="0"/>
+              <a:t>4.</a:t>
+            </a:r>
+            <a:r>
+              <a:rPr lang="zh-CN" altLang="en-US" dirty="0" smtClean="0"/>
+              <a:t>电力系统节点综合指标脆弱度分级</a:t>
+            </a:r>
+            <a:endParaRPr lang="en-US" altLang="zh-CN" dirty="0" smtClean="0"/>
+          </a:p>
+          <a:p>
+            <a:pPr marL="0" indent="0">
+              <a:buNone/>
+            </a:pPr>
+            <a:r>
+              <a:rPr lang="zh-CN" altLang="en-US" dirty="0" smtClean="0"/>
+              <a:t>（利用机器学习普遍采用的聚类算法）</a:t>
+            </a:r>
+            <a:endParaRPr lang="zh-CN" altLang="en-US" dirty="0"/>
+          </a:p>
+        </p:txBody>
+      </p:sp>
+    </p:spTree>
+    <p:extLst>
+      <p:ext uri="{BB962C8B-B14F-4D97-AF65-F5344CB8AC3E}">
+        <p14:creationId xmlns:p14="http://schemas.microsoft.com/office/powerpoint/2010/main" val="2685048463"/>
+      </p:ext>
+    </p:extLst>
+  </p:cSld>
+  <p:clrMapOvr>
+    <a:masterClrMapping/>
+  </p:clrMapOvr>
+</p:sld>
+</file>
+
+<file path=ppt/slides/slide38.xml><?xml version="1.0" encoding="utf-8"?>
+<p:sld xmlns:a="http://schemas.openxmlformats.org/drawingml/2006/main" xmlns:r="http://schemas.openxmlformats.org/officeDocument/2006/relationships" xmlns:p="http://schemas.openxmlformats.org/presentationml/2006/main">
+  <p:cSld>
+    <p:spTree>
+      <p:nvGrpSpPr>
+        <p:cNvPr id="1" name=""/>
+        <p:cNvGrpSpPr/>
+        <p:nvPr/>
+      </p:nvGrpSpPr>
+      <p:grpSpPr>
+        <a:xfrm>
+          <a:off x="0" y="0"/>
+          <a:ext cx="0" cy="0"/>
+          <a:chOff x="0" y="0"/>
+          <a:chExt cx="0" cy="0"/>
+        </a:xfrm>
+      </p:grpSpPr>
       <p:pic>
         <p:nvPicPr>
           <p:cNvPr id="4" name="内容占位符 3"/>
@@ -11545,6 +11807,530 @@
     <p:extLst>
       <p:ext uri="{BB962C8B-B14F-4D97-AF65-F5344CB8AC3E}">
         <p14:creationId xmlns:p14="http://schemas.microsoft.com/office/powerpoint/2010/main" val="2992304477"/>
+      </p:ext>
+    </p:extLst>
+  </p:cSld>
+  <p:clrMapOvr>
+    <a:masterClrMapping/>
+  </p:clrMapOvr>
+</p:sld>
+</file>
+
+<file path=ppt/slides/slide39.xml><?xml version="1.0" encoding="utf-8"?>
+<p:sld xmlns:a="http://schemas.openxmlformats.org/drawingml/2006/main" xmlns:r="http://schemas.openxmlformats.org/officeDocument/2006/relationships" xmlns:p="http://schemas.openxmlformats.org/presentationml/2006/main">
+  <p:cSld>
+    <p:spTree>
+      <p:nvGrpSpPr>
+        <p:cNvPr id="1" name=""/>
+        <p:cNvGrpSpPr/>
+        <p:nvPr/>
+      </p:nvGrpSpPr>
+      <p:grpSpPr>
+        <a:xfrm>
+          <a:off x="0" y="0"/>
+          <a:ext cx="0" cy="0"/>
+          <a:chOff x="0" y="0"/>
+          <a:chExt cx="0" cy="0"/>
+        </a:xfrm>
+      </p:grpSpPr>
+      <p:sp>
+        <p:nvSpPr>
+          <p:cNvPr id="12" name="矩形 11"/>
+          <p:cNvSpPr/>
+          <p:nvPr/>
+        </p:nvSpPr>
+        <p:spPr>
+          <a:xfrm>
+            <a:off x="6100353" y="5039367"/>
+            <a:ext cx="4428309" cy="1422900"/>
+          </a:xfrm>
+          <a:prstGeom prst="rect">
+            <a:avLst/>
+          </a:prstGeom>
+          <a:solidFill>
+            <a:schemeClr val="accent5">
+              <a:lumMod val="60000"/>
+              <a:lumOff val="40000"/>
+            </a:schemeClr>
+          </a:solidFill>
+        </p:spPr>
+        <p:style>
+          <a:lnRef idx="2">
+            <a:schemeClr val="accent1">
+              <a:shade val="50000"/>
+            </a:schemeClr>
+          </a:lnRef>
+          <a:fillRef idx="1">
+            <a:schemeClr val="accent1"/>
+          </a:fillRef>
+          <a:effectRef idx="0">
+            <a:schemeClr val="accent1"/>
+          </a:effectRef>
+          <a:fontRef idx="minor">
+            <a:schemeClr val="lt1"/>
+          </a:fontRef>
+        </p:style>
+        <p:txBody>
+          <a:bodyPr rtlCol="0" anchor="ctr"/>
+          <a:lstStyle/>
+          <a:p>
+            <a:pPr algn="ctr"/>
+            <a:endParaRPr lang="zh-CN" altLang="en-US"/>
+          </a:p>
+        </p:txBody>
+      </p:sp>
+      <p:sp>
+        <p:nvSpPr>
+          <p:cNvPr id="11" name="矩形 10"/>
+          <p:cNvSpPr/>
+          <p:nvPr/>
+        </p:nvSpPr>
+        <p:spPr>
+          <a:xfrm>
+            <a:off x="6251999" y="3154546"/>
+            <a:ext cx="3558208" cy="1781541"/>
+          </a:xfrm>
+          <a:prstGeom prst="rect">
+            <a:avLst/>
+          </a:prstGeom>
+          <a:solidFill>
+            <a:schemeClr val="accent6">
+              <a:lumMod val="60000"/>
+              <a:lumOff val="40000"/>
+            </a:schemeClr>
+          </a:solidFill>
+        </p:spPr>
+        <p:style>
+          <a:lnRef idx="2">
+            <a:schemeClr val="accent1">
+              <a:shade val="50000"/>
+            </a:schemeClr>
+          </a:lnRef>
+          <a:fillRef idx="1">
+            <a:schemeClr val="accent1"/>
+          </a:fillRef>
+          <a:effectRef idx="0">
+            <a:schemeClr val="accent1"/>
+          </a:effectRef>
+          <a:fontRef idx="minor">
+            <a:schemeClr val="lt1"/>
+          </a:fontRef>
+        </p:style>
+        <p:txBody>
+          <a:bodyPr rtlCol="0" anchor="ctr"/>
+          <a:lstStyle/>
+          <a:p>
+            <a:pPr algn="ctr"/>
+            <a:endParaRPr lang="zh-CN" altLang="en-US"/>
+          </a:p>
+        </p:txBody>
+      </p:sp>
+      <p:sp>
+        <p:nvSpPr>
+          <p:cNvPr id="10" name="矩形 9"/>
+          <p:cNvSpPr/>
+          <p:nvPr/>
+        </p:nvSpPr>
+        <p:spPr>
+          <a:xfrm>
+            <a:off x="6263640" y="1601153"/>
+            <a:ext cx="3546566" cy="1477328"/>
+          </a:xfrm>
+          <a:prstGeom prst="rect">
+            <a:avLst/>
+          </a:prstGeom>
+          <a:solidFill>
+            <a:schemeClr val="accent5">
+              <a:lumMod val="20000"/>
+              <a:lumOff val="80000"/>
+            </a:schemeClr>
+          </a:solidFill>
+          <a:ln>
+            <a:solidFill>
+              <a:schemeClr val="accent5">
+                <a:lumMod val="20000"/>
+                <a:lumOff val="80000"/>
+              </a:schemeClr>
+            </a:solidFill>
+          </a:ln>
+        </p:spPr>
+        <p:style>
+          <a:lnRef idx="2">
+            <a:schemeClr val="accent1">
+              <a:shade val="50000"/>
+            </a:schemeClr>
+          </a:lnRef>
+          <a:fillRef idx="1">
+            <a:schemeClr val="accent1"/>
+          </a:fillRef>
+          <a:effectRef idx="0">
+            <a:schemeClr val="accent1"/>
+          </a:effectRef>
+          <a:fontRef idx="minor">
+            <a:schemeClr val="lt1"/>
+          </a:fontRef>
+        </p:style>
+        <p:txBody>
+          <a:bodyPr rtlCol="0" anchor="ctr"/>
+          <a:lstStyle/>
+          <a:p>
+            <a:pPr algn="ctr"/>
+            <a:endParaRPr lang="zh-CN" altLang="en-US"/>
+          </a:p>
+        </p:txBody>
+      </p:sp>
+      <p:pic>
+        <p:nvPicPr>
+          <p:cNvPr id="4" name="内容占位符 3"/>
+          <p:cNvPicPr>
+            <a:picLocks noGrp="1" noChangeAspect="1"/>
+          </p:cNvPicPr>
+          <p:nvPr>
+            <p:ph idx="1"/>
+          </p:nvPr>
+        </p:nvPicPr>
+        <p:blipFill>
+          <a:blip r:embed="rId2">
+            <a:extLst>
+              <a:ext uri="{28A0092B-C50C-407E-A947-70E740481C1C}">
+                <a14:useLocalDpi xmlns:a14="http://schemas.microsoft.com/office/drawing/2010/main" val="0"/>
+              </a:ext>
+            </a:extLst>
+          </a:blip>
+          <a:stretch>
+            <a:fillRect/>
+          </a:stretch>
+        </p:blipFill>
+        <p:spPr>
+          <a:xfrm>
+            <a:off x="382058" y="123825"/>
+            <a:ext cx="5801784" cy="4351338"/>
+          </a:xfrm>
+        </p:spPr>
+      </p:pic>
+      <p:sp>
+        <p:nvSpPr>
+          <p:cNvPr id="5" name="文本框 4"/>
+          <p:cNvSpPr txBox="1"/>
+          <p:nvPr/>
+        </p:nvSpPr>
+        <p:spPr>
+          <a:xfrm>
+            <a:off x="5871754" y="123825"/>
+            <a:ext cx="1460656" cy="1477328"/>
+          </a:xfrm>
+          <a:prstGeom prst="rect">
+            <a:avLst/>
+          </a:prstGeom>
+          <a:noFill/>
+        </p:spPr>
+        <p:txBody>
+          <a:bodyPr wrap="none" rtlCol="0">
+            <a:spAutoFit/>
+          </a:bodyPr>
+          <a:lstStyle/>
+          <a:p>
+            <a:r>
+              <a:rPr lang="zh-CN" altLang="en-US" dirty="0" smtClean="0"/>
+              <a:t>等级划分：</a:t>
+            </a:r>
+            <a:endParaRPr lang="en-US" altLang="zh-CN" dirty="0" smtClean="0"/>
+          </a:p>
+          <a:p>
+            <a:r>
+              <a:rPr lang="en-US" altLang="zh-CN" dirty="0" smtClean="0"/>
+              <a:t>0</a:t>
+            </a:r>
+            <a:r>
+              <a:rPr lang="zh-CN" altLang="en-US" dirty="0" smtClean="0"/>
+              <a:t>：极其脆弱</a:t>
+            </a:r>
+            <a:endParaRPr lang="en-US" altLang="zh-CN" dirty="0" smtClean="0"/>
+          </a:p>
+          <a:p>
+            <a:r>
+              <a:rPr lang="en-US" altLang="zh-CN" dirty="0" smtClean="0"/>
+              <a:t>1</a:t>
+            </a:r>
+            <a:r>
+              <a:rPr lang="zh-CN" altLang="en-US" dirty="0" smtClean="0"/>
+              <a:t>：脆弱</a:t>
+            </a:r>
+            <a:endParaRPr lang="en-US" altLang="zh-CN" dirty="0" smtClean="0"/>
+          </a:p>
+          <a:p>
+            <a:r>
+              <a:rPr lang="en-US" altLang="zh-CN" dirty="0" smtClean="0"/>
+              <a:t>2</a:t>
+            </a:r>
+            <a:r>
+              <a:rPr lang="zh-CN" altLang="en-US" dirty="0" smtClean="0"/>
+              <a:t>：比较脆弱</a:t>
+            </a:r>
+            <a:endParaRPr lang="en-US" altLang="zh-CN" dirty="0" smtClean="0"/>
+          </a:p>
+          <a:p>
+            <a:r>
+              <a:rPr lang="en-US" altLang="zh-CN" dirty="0" smtClean="0"/>
+              <a:t>3</a:t>
+            </a:r>
+            <a:r>
+              <a:rPr lang="zh-CN" altLang="en-US" dirty="0" smtClean="0"/>
+              <a:t>：一般脆弱</a:t>
+            </a:r>
+            <a:endParaRPr lang="zh-CN" altLang="en-US" dirty="0"/>
+          </a:p>
+        </p:txBody>
+      </p:sp>
+      <p:sp>
+        <p:nvSpPr>
+          <p:cNvPr id="6" name="文本框 5"/>
+          <p:cNvSpPr txBox="1"/>
+          <p:nvPr/>
+        </p:nvSpPr>
+        <p:spPr>
+          <a:xfrm>
+            <a:off x="6269329" y="1601153"/>
+            <a:ext cx="3468189" cy="1477328"/>
+          </a:xfrm>
+          <a:prstGeom prst="rect">
+            <a:avLst/>
+          </a:prstGeom>
+          <a:noFill/>
+        </p:spPr>
+        <p:txBody>
+          <a:bodyPr wrap="square" rtlCol="0">
+            <a:spAutoFit/>
+          </a:bodyPr>
+          <a:lstStyle/>
+          <a:p>
+            <a:r>
+              <a:rPr lang="en-US" altLang="zh-CN" dirty="0" smtClean="0"/>
+              <a:t>0</a:t>
+            </a:r>
+            <a:r>
+              <a:rPr lang="zh-CN" altLang="en-US" dirty="0" smtClean="0"/>
+              <a:t>：黑色，可以看出相应的节点</a:t>
+            </a:r>
+            <a:endParaRPr lang="en-US" altLang="zh-CN" dirty="0" smtClean="0"/>
+          </a:p>
+          <a:p>
+            <a:r>
+              <a:rPr lang="zh-CN" altLang="en-US" dirty="0" smtClean="0"/>
+              <a:t>不论在结构和状态方面上，指标</a:t>
+            </a:r>
+            <a:endParaRPr lang="en-US" altLang="zh-CN" dirty="0" smtClean="0"/>
+          </a:p>
+          <a:p>
+            <a:r>
+              <a:rPr lang="zh-CN" altLang="en-US" dirty="0" smtClean="0"/>
+              <a:t>值都比较大，因此节点在内外部</a:t>
+            </a:r>
+            <a:endParaRPr lang="en-US" altLang="zh-CN" dirty="0" smtClean="0"/>
+          </a:p>
+          <a:p>
+            <a:r>
+              <a:rPr lang="zh-CN" altLang="en-US" dirty="0" smtClean="0"/>
+              <a:t>因素影响下易出现故障，引起电</a:t>
+            </a:r>
+            <a:endParaRPr lang="en-US" altLang="zh-CN" dirty="0" smtClean="0"/>
+          </a:p>
+          <a:p>
+            <a:r>
+              <a:rPr lang="zh-CN" altLang="en-US" dirty="0" smtClean="0"/>
+              <a:t>力系统崩溃</a:t>
+            </a:r>
+            <a:endParaRPr lang="zh-CN" altLang="en-US" dirty="0"/>
+          </a:p>
+        </p:txBody>
+      </p:sp>
+      <p:sp>
+        <p:nvSpPr>
+          <p:cNvPr id="7" name="文本框 6"/>
+          <p:cNvSpPr txBox="1"/>
+          <p:nvPr/>
+        </p:nvSpPr>
+        <p:spPr>
+          <a:xfrm>
+            <a:off x="6194007" y="3154547"/>
+            <a:ext cx="3877985" cy="1754326"/>
+          </a:xfrm>
+          <a:prstGeom prst="rect">
+            <a:avLst/>
+          </a:prstGeom>
+          <a:noFill/>
+        </p:spPr>
+        <p:txBody>
+          <a:bodyPr wrap="none" rtlCol="0">
+            <a:spAutoFit/>
+          </a:bodyPr>
+          <a:lstStyle/>
+          <a:p>
+            <a:r>
+              <a:rPr lang="en-US" altLang="zh-CN" dirty="0" smtClean="0"/>
+              <a:t>1</a:t>
+            </a:r>
+            <a:r>
+              <a:rPr lang="zh-CN" altLang="en-US" dirty="0" smtClean="0"/>
+              <a:t>：绿色，可以出节点在结构指标</a:t>
+            </a:r>
+            <a:endParaRPr lang="en-US" altLang="zh-CN" dirty="0" smtClean="0"/>
+          </a:p>
+          <a:p>
+            <a:r>
+              <a:rPr lang="zh-CN" altLang="en-US" dirty="0" smtClean="0"/>
+              <a:t>值上比较大，电力系统的拓扑结构</a:t>
+            </a:r>
+            <a:endParaRPr lang="en-US" altLang="zh-CN" dirty="0" smtClean="0"/>
+          </a:p>
+          <a:p>
+            <a:r>
+              <a:rPr lang="zh-CN" altLang="en-US" dirty="0" smtClean="0"/>
+              <a:t>是电能传输和系统性能的基础，在</a:t>
+            </a:r>
+            <a:endParaRPr lang="en-US" altLang="zh-CN" dirty="0" smtClean="0"/>
+          </a:p>
+          <a:p>
+            <a:r>
+              <a:rPr lang="zh-CN" altLang="en-US" dirty="0" smtClean="0"/>
+              <a:t>电网潮流中承担的潮流应力比较大，</a:t>
+            </a:r>
+            <a:endParaRPr lang="en-US" altLang="zh-CN" dirty="0" smtClean="0"/>
+          </a:p>
+          <a:p>
+            <a:r>
+              <a:rPr lang="zh-CN" altLang="en-US" dirty="0" smtClean="0"/>
+              <a:t>当这些节点遭遇故障时，对电网的</a:t>
+            </a:r>
+            <a:endParaRPr lang="en-US" altLang="zh-CN" dirty="0" smtClean="0"/>
+          </a:p>
+          <a:p>
+            <a:r>
+              <a:rPr lang="zh-CN" altLang="en-US" dirty="0" smtClean="0"/>
+              <a:t>运行状态会造成不可逆的影响</a:t>
+            </a:r>
+            <a:endParaRPr lang="zh-CN" altLang="en-US" dirty="0"/>
+          </a:p>
+        </p:txBody>
+      </p:sp>
+      <p:sp>
+        <p:nvSpPr>
+          <p:cNvPr id="8" name="文本框 7"/>
+          <p:cNvSpPr txBox="1"/>
+          <p:nvPr/>
+        </p:nvSpPr>
+        <p:spPr>
+          <a:xfrm>
+            <a:off x="6021976" y="5040638"/>
+            <a:ext cx="4728754" cy="1477328"/>
+          </a:xfrm>
+          <a:prstGeom prst="rect">
+            <a:avLst/>
+          </a:prstGeom>
+          <a:noFill/>
+        </p:spPr>
+        <p:txBody>
+          <a:bodyPr wrap="square" rtlCol="0">
+            <a:spAutoFit/>
+          </a:bodyPr>
+          <a:lstStyle/>
+          <a:p>
+            <a:r>
+              <a:rPr lang="en-US" altLang="zh-CN" dirty="0" smtClean="0"/>
+              <a:t>2</a:t>
+            </a:r>
+            <a:r>
+              <a:rPr lang="zh-CN" altLang="en-US" dirty="0" smtClean="0"/>
+              <a:t>：红色，这部分节点中，状态指标值较大，</a:t>
+            </a:r>
+            <a:endParaRPr lang="en-US" altLang="zh-CN" dirty="0" smtClean="0"/>
+          </a:p>
+          <a:p>
+            <a:r>
+              <a:rPr lang="zh-CN" altLang="en-US" dirty="0" smtClean="0"/>
+              <a:t>因此，这些节点对外部因素的扰动下，其对</a:t>
+            </a:r>
+            <a:endParaRPr lang="en-US" altLang="zh-CN" dirty="0" smtClean="0"/>
+          </a:p>
+          <a:p>
+            <a:r>
+              <a:rPr lang="zh-CN" altLang="en-US" dirty="0" smtClean="0"/>
+              <a:t>于系统的抗干扰能力比较弱，节点的状态量</a:t>
+            </a:r>
+            <a:endParaRPr lang="en-US" altLang="zh-CN" dirty="0" smtClean="0"/>
+          </a:p>
+          <a:p>
+            <a:r>
+              <a:rPr lang="zh-CN" altLang="en-US" dirty="0"/>
+              <a:t>会</a:t>
+            </a:r>
+            <a:r>
+              <a:rPr lang="zh-CN" altLang="en-US" dirty="0" smtClean="0"/>
+              <a:t>从额定状态极易达到临界状态，造成系统</a:t>
+            </a:r>
+            <a:endParaRPr lang="en-US" altLang="zh-CN" dirty="0" smtClean="0"/>
+          </a:p>
+          <a:p>
+            <a:r>
+              <a:rPr lang="zh-CN" altLang="en-US" dirty="0" smtClean="0"/>
+              <a:t>失稳。</a:t>
+            </a:r>
+            <a:endParaRPr lang="zh-CN" altLang="en-US" dirty="0"/>
+          </a:p>
+        </p:txBody>
+      </p:sp>
+      <p:sp>
+        <p:nvSpPr>
+          <p:cNvPr id="9" name="文本框 8"/>
+          <p:cNvSpPr txBox="1"/>
+          <p:nvPr/>
+        </p:nvSpPr>
+        <p:spPr>
+          <a:xfrm>
+            <a:off x="882293" y="5185872"/>
+            <a:ext cx="4801314" cy="923330"/>
+          </a:xfrm>
+          <a:prstGeom prst="rect">
+            <a:avLst/>
+          </a:prstGeom>
+          <a:noFill/>
+        </p:spPr>
+        <p:txBody>
+          <a:bodyPr wrap="none" rtlCol="0">
+            <a:spAutoFit/>
+          </a:bodyPr>
+          <a:lstStyle/>
+          <a:p>
+            <a:r>
+              <a:rPr lang="en-US" altLang="zh-CN" dirty="0" smtClean="0"/>
+              <a:t>3</a:t>
+            </a:r>
+            <a:r>
+              <a:rPr lang="zh-CN" altLang="en-US" dirty="0" smtClean="0"/>
+              <a:t>：蓝色，这部分节点无论在状态还是结构上</a:t>
+            </a:r>
+            <a:endParaRPr lang="en-US" altLang="zh-CN" dirty="0" smtClean="0"/>
+          </a:p>
+          <a:p>
+            <a:r>
+              <a:rPr lang="zh-CN" altLang="en-US" dirty="0" smtClean="0"/>
+              <a:t>其指标值都较小，因此其抗干扰能力以及受影</a:t>
+            </a:r>
+            <a:endParaRPr lang="en-US" altLang="zh-CN" dirty="0" smtClean="0"/>
+          </a:p>
+          <a:p>
+            <a:r>
+              <a:rPr lang="zh-CN" altLang="en-US" dirty="0" smtClean="0"/>
+              <a:t>响程度都比较强。属于一般脆弱等级。</a:t>
+            </a:r>
+            <a:endParaRPr lang="zh-CN" altLang="en-US" dirty="0"/>
+          </a:p>
+        </p:txBody>
+      </p:sp>
+    </p:spTree>
+    <p:extLst>
+      <p:ext uri="{BB962C8B-B14F-4D97-AF65-F5344CB8AC3E}">
+        <p14:creationId xmlns:p14="http://schemas.microsoft.com/office/powerpoint/2010/main" val="3515684401"/>
       </p:ext>
     </p:extLst>
   </p:cSld>

--- a/电力系统脆弱性研究/电力系统脆弱性研究.pptx
+++ b/电力系统脆弱性研究/电力系统脆弱性研究.pptx
@@ -5,7 +5,7 @@
     <p:sldMasterId id="2147483648" r:id="rId1"/>
   </p:sldMasterIdLst>
   <p:notesMasterIdLst>
-    <p:notesMasterId r:id="rId41"/>
+    <p:notesMasterId r:id="rId47"/>
   </p:notesMasterIdLst>
   <p:sldIdLst>
     <p:sldId id="256" r:id="rId2"/>
@@ -46,7 +46,13 @@
     <p:sldId id="291" r:id="rId37"/>
     <p:sldId id="293" r:id="rId38"/>
     <p:sldId id="292" r:id="rId39"/>
-    <p:sldId id="294" r:id="rId40"/>
+    <p:sldId id="295" r:id="rId40"/>
+    <p:sldId id="296" r:id="rId41"/>
+    <p:sldId id="294" r:id="rId42"/>
+    <p:sldId id="297" r:id="rId43"/>
+    <p:sldId id="298" r:id="rId44"/>
+    <p:sldId id="300" r:id="rId45"/>
+    <p:sldId id="299" r:id="rId46"/>
   </p:sldIdLst>
   <p:sldSz cx="12192000" cy="6858000"/>
   <p:notesSz cx="6858000" cy="9144000"/>
@@ -153,6 +159,2875 @@
 </p:presentation>
 </file>
 
+<file path=ppt/charts/chart1.xml><?xml version="1.0" encoding="utf-8"?>
+<c:chartSpace xmlns:c="http://schemas.openxmlformats.org/drawingml/2006/chart" xmlns:a="http://schemas.openxmlformats.org/drawingml/2006/main" xmlns:r="http://schemas.openxmlformats.org/officeDocument/2006/relationships" xmlns:c16r2="http://schemas.microsoft.com/office/drawing/2015/06/chart">
+  <c:date1904 val="0"/>
+  <c:lang val="zh-CN"/>
+  <c:roundedCorners val="0"/>
+  <mc:AlternateContent xmlns:mc="http://schemas.openxmlformats.org/markup-compatibility/2006">
+    <mc:Choice xmlns:c14="http://schemas.microsoft.com/office/drawing/2007/8/2/chart" Requires="c14">
+      <c14:style val="102"/>
+    </mc:Choice>
+    <mc:Fallback>
+      <c:style val="2"/>
+    </mc:Fallback>
+  </mc:AlternateContent>
+  <c:chart>
+    <c:autoTitleDeleted val="1"/>
+    <c:plotArea>
+      <c:layout/>
+      <c:barChart>
+        <c:barDir val="col"/>
+        <c:grouping val="clustered"/>
+        <c:varyColors val="0"/>
+        <c:ser>
+          <c:idx val="0"/>
+          <c:order val="0"/>
+          <c:spPr>
+            <a:solidFill>
+              <a:schemeClr val="accent1"/>
+            </a:solidFill>
+            <a:ln>
+              <a:noFill/>
+            </a:ln>
+            <a:effectLst/>
+          </c:spPr>
+          <c:invertIfNegative val="0"/>
+          <c:val>
+            <c:numRef>
+              <c:f>Sheet1!$M$1:$M$29</c:f>
+              <c:numCache>
+                <c:formatCode>General</c:formatCode>
+                <c:ptCount val="29"/>
+                <c:pt idx="0">
+                  <c:v>0.16661979727990303</c:v>
+                </c:pt>
+                <c:pt idx="1">
+                  <c:v>0.18205144540755275</c:v>
+                </c:pt>
+                <c:pt idx="2">
+                  <c:v>0.48623767280502772</c:v>
+                </c:pt>
+                <c:pt idx="3">
+                  <c:v>0.52920530035601976</c:v>
+                </c:pt>
+                <c:pt idx="4">
+                  <c:v>0.15897045566796833</c:v>
+                </c:pt>
+                <c:pt idx="5">
+                  <c:v>0.14905735978352563</c:v>
+                </c:pt>
+                <c:pt idx="6">
+                  <c:v>0.33408137377483915</c:v>
+                </c:pt>
+                <c:pt idx="7">
+                  <c:v>0.49457313593568974</c:v>
+                </c:pt>
+                <c:pt idx="8">
+                  <c:v>0.17969938464815907</c:v>
+                </c:pt>
+                <c:pt idx="9">
+                  <c:v>0.17843343158594213</c:v>
+                </c:pt>
+                <c:pt idx="10">
+                  <c:v>0.16969231171584087</c:v>
+                </c:pt>
+                <c:pt idx="11">
+                  <c:v>0.19403639534728004</c:v>
+                </c:pt>
+                <c:pt idx="12">
+                  <c:v>0.18803584625199479</c:v>
+                </c:pt>
+                <c:pt idx="13">
+                  <c:v>0.21537970744409796</c:v>
+                </c:pt>
+                <c:pt idx="14">
+                  <c:v>0.37588684330244948</c:v>
+                </c:pt>
+                <c:pt idx="15">
+                  <c:v>0.41692992652072081</c:v>
+                </c:pt>
+                <c:pt idx="16">
+                  <c:v>0.24099589143635675</c:v>
+                </c:pt>
+                <c:pt idx="17">
+                  <c:v>0.36929215411824173</c:v>
+                </c:pt>
+                <c:pt idx="18">
+                  <c:v>0.28999999999999998</c:v>
+                </c:pt>
+                <c:pt idx="19">
+                  <c:v>0.57497257044190664</c:v>
+                </c:pt>
+                <c:pt idx="20">
+                  <c:v>0.37379987683633831</c:v>
+                </c:pt>
+                <c:pt idx="21">
+                  <c:v>0.11934505882645906</c:v>
+                </c:pt>
+                <c:pt idx="22">
+                  <c:v>0.40803094375425353</c:v>
+                </c:pt>
+                <c:pt idx="23">
+                  <c:v>0.38637872582977123</c:v>
+                </c:pt>
+                <c:pt idx="24">
+                  <c:v>0.51936247152228188</c:v>
+                </c:pt>
+                <c:pt idx="25">
+                  <c:v>0.44347943369449194</c:v>
+                </c:pt>
+                <c:pt idx="26">
+                  <c:v>0.39466572180157378</c:v>
+                </c:pt>
+                <c:pt idx="27">
+                  <c:v>0.51062135773875217</c:v>
+                </c:pt>
+                <c:pt idx="28">
+                  <c:v>0.6650180288330062</c:v>
+                </c:pt>
+              </c:numCache>
+            </c:numRef>
+          </c:val>
+          <c:extLst>
+            <c:ext xmlns:c16="http://schemas.microsoft.com/office/drawing/2014/chart" uri="{C3380CC4-5D6E-409C-BE32-E72D297353CC}">
+              <c16:uniqueId val="{00000000-2F6C-4A32-AF63-21C8EF22D7D9}"/>
+            </c:ext>
+          </c:extLst>
+        </c:ser>
+        <c:dLbls>
+          <c:showLegendKey val="0"/>
+          <c:showVal val="0"/>
+          <c:showCatName val="0"/>
+          <c:showSerName val="0"/>
+          <c:showPercent val="0"/>
+          <c:showBubbleSize val="0"/>
+        </c:dLbls>
+        <c:gapWidth val="219"/>
+        <c:overlap val="-27"/>
+        <c:axId val="1036220656"/>
+        <c:axId val="1036222320"/>
+      </c:barChart>
+      <c:catAx>
+        <c:axId val="1036220656"/>
+        <c:scaling>
+          <c:orientation val="minMax"/>
+        </c:scaling>
+        <c:delete val="0"/>
+        <c:axPos val="b"/>
+        <c:title>
+          <c:tx>
+            <c:rich>
+              <a:bodyPr rot="0" spcFirstLastPara="1" vertOverflow="ellipsis" vert="horz" wrap="square" anchor="ctr" anchorCtr="1"/>
+              <a:lstStyle/>
+              <a:p>
+                <a:pPr>
+                  <a:defRPr sz="1000" b="0" i="0" u="none" strike="noStrike" kern="1200" baseline="0">
+                    <a:solidFill>
+                      <a:schemeClr val="tx1">
+                        <a:lumMod val="65000"/>
+                        <a:lumOff val="35000"/>
+                      </a:schemeClr>
+                    </a:solidFill>
+                    <a:latin typeface="+mn-lt"/>
+                    <a:ea typeface="+mn-ea"/>
+                    <a:cs typeface="+mn-cs"/>
+                  </a:defRPr>
+                </a:pPr>
+                <a:r>
+                  <a:rPr lang="zh-CN" altLang="en-US"/>
+                  <a:t>节点名称</a:t>
+                </a:r>
+              </a:p>
+            </c:rich>
+          </c:tx>
+          <c:layout/>
+          <c:overlay val="0"/>
+          <c:spPr>
+            <a:noFill/>
+            <a:ln>
+              <a:noFill/>
+            </a:ln>
+            <a:effectLst/>
+          </c:spPr>
+          <c:txPr>
+            <a:bodyPr rot="0" spcFirstLastPara="1" vertOverflow="ellipsis" vert="horz" wrap="square" anchor="ctr" anchorCtr="1"/>
+            <a:lstStyle/>
+            <a:p>
+              <a:pPr>
+                <a:defRPr sz="1000" b="0" i="0" u="none" strike="noStrike" kern="1200" baseline="0">
+                  <a:solidFill>
+                    <a:schemeClr val="tx1">
+                      <a:lumMod val="65000"/>
+                      <a:lumOff val="35000"/>
+                    </a:schemeClr>
+                  </a:solidFill>
+                  <a:latin typeface="+mn-lt"/>
+                  <a:ea typeface="+mn-ea"/>
+                  <a:cs typeface="+mn-cs"/>
+                </a:defRPr>
+              </a:pPr>
+              <a:endParaRPr lang="zh-CN"/>
+            </a:p>
+          </c:txPr>
+        </c:title>
+        <c:majorTickMark val="out"/>
+        <c:minorTickMark val="none"/>
+        <c:tickLblPos val="nextTo"/>
+        <c:spPr>
+          <a:noFill/>
+          <a:ln w="9525" cap="flat" cmpd="sng" algn="ctr">
+            <a:solidFill>
+              <a:schemeClr val="tx1">
+                <a:lumMod val="15000"/>
+                <a:lumOff val="85000"/>
+              </a:schemeClr>
+            </a:solidFill>
+            <a:round/>
+          </a:ln>
+          <a:effectLst/>
+        </c:spPr>
+        <c:txPr>
+          <a:bodyPr rot="-60000000" spcFirstLastPara="1" vertOverflow="ellipsis" vert="horz" wrap="square" anchor="ctr" anchorCtr="1"/>
+          <a:lstStyle/>
+          <a:p>
+            <a:pPr>
+              <a:defRPr sz="900" b="0" i="0" u="none" strike="noStrike" kern="1200" baseline="0">
+                <a:solidFill>
+                  <a:schemeClr val="tx1">
+                    <a:lumMod val="65000"/>
+                    <a:lumOff val="35000"/>
+                  </a:schemeClr>
+                </a:solidFill>
+                <a:latin typeface="+mn-lt"/>
+                <a:ea typeface="+mn-ea"/>
+                <a:cs typeface="+mn-cs"/>
+              </a:defRPr>
+            </a:pPr>
+            <a:endParaRPr lang="zh-CN"/>
+          </a:p>
+        </c:txPr>
+        <c:crossAx val="1036222320"/>
+        <c:crosses val="autoZero"/>
+        <c:auto val="1"/>
+        <c:lblAlgn val="ctr"/>
+        <c:lblOffset val="100"/>
+        <c:noMultiLvlLbl val="0"/>
+      </c:catAx>
+      <c:valAx>
+        <c:axId val="1036222320"/>
+        <c:scaling>
+          <c:orientation val="minMax"/>
+        </c:scaling>
+        <c:delete val="0"/>
+        <c:axPos val="l"/>
+        <c:majorGridlines>
+          <c:spPr>
+            <a:ln w="9525" cap="flat" cmpd="sng" algn="ctr">
+              <a:solidFill>
+                <a:schemeClr val="tx1">
+                  <a:lumMod val="15000"/>
+                  <a:lumOff val="85000"/>
+                </a:schemeClr>
+              </a:solidFill>
+              <a:round/>
+            </a:ln>
+            <a:effectLst/>
+          </c:spPr>
+        </c:majorGridlines>
+        <c:title>
+          <c:tx>
+            <c:rich>
+              <a:bodyPr rot="-5400000" spcFirstLastPara="1" vertOverflow="ellipsis" vert="horz" wrap="square" anchor="ctr" anchorCtr="1"/>
+              <a:lstStyle/>
+              <a:p>
+                <a:pPr>
+                  <a:defRPr sz="1000" b="0" i="0" u="none" strike="noStrike" kern="1200" baseline="0">
+                    <a:solidFill>
+                      <a:schemeClr val="tx1">
+                        <a:lumMod val="65000"/>
+                        <a:lumOff val="35000"/>
+                      </a:schemeClr>
+                    </a:solidFill>
+                    <a:latin typeface="+mn-lt"/>
+                    <a:ea typeface="+mn-ea"/>
+                    <a:cs typeface="+mn-cs"/>
+                  </a:defRPr>
+                </a:pPr>
+                <a:r>
+                  <a:rPr lang="zh-CN" altLang="en-US" dirty="0" smtClean="0"/>
+                  <a:t>状态脆弱性</a:t>
+                </a:r>
+                <a:r>
+                  <a:rPr lang="zh-CN" altLang="en-US" dirty="0"/>
+                  <a:t>指标值</a:t>
+                </a:r>
+              </a:p>
+            </c:rich>
+          </c:tx>
+          <c:layout/>
+          <c:overlay val="0"/>
+          <c:spPr>
+            <a:noFill/>
+            <a:ln>
+              <a:noFill/>
+            </a:ln>
+            <a:effectLst/>
+          </c:spPr>
+          <c:txPr>
+            <a:bodyPr rot="-5400000" spcFirstLastPara="1" vertOverflow="ellipsis" vert="horz" wrap="square" anchor="ctr" anchorCtr="1"/>
+            <a:lstStyle/>
+            <a:p>
+              <a:pPr>
+                <a:defRPr sz="1000" b="0" i="0" u="none" strike="noStrike" kern="1200" baseline="0">
+                  <a:solidFill>
+                    <a:schemeClr val="tx1">
+                      <a:lumMod val="65000"/>
+                      <a:lumOff val="35000"/>
+                    </a:schemeClr>
+                  </a:solidFill>
+                  <a:latin typeface="+mn-lt"/>
+                  <a:ea typeface="+mn-ea"/>
+                  <a:cs typeface="+mn-cs"/>
+                </a:defRPr>
+              </a:pPr>
+              <a:endParaRPr lang="zh-CN"/>
+            </a:p>
+          </c:txPr>
+        </c:title>
+        <c:numFmt formatCode="General" sourceLinked="1"/>
+        <c:majorTickMark val="out"/>
+        <c:minorTickMark val="none"/>
+        <c:tickLblPos val="nextTo"/>
+        <c:spPr>
+          <a:noFill/>
+          <a:ln>
+            <a:noFill/>
+          </a:ln>
+          <a:effectLst/>
+        </c:spPr>
+        <c:txPr>
+          <a:bodyPr rot="-60000000" spcFirstLastPara="1" vertOverflow="ellipsis" vert="horz" wrap="square" anchor="ctr" anchorCtr="1"/>
+          <a:lstStyle/>
+          <a:p>
+            <a:pPr>
+              <a:defRPr sz="900" b="0" i="0" u="none" strike="noStrike" kern="1200" baseline="0">
+                <a:solidFill>
+                  <a:schemeClr val="tx1">
+                    <a:lumMod val="65000"/>
+                    <a:lumOff val="35000"/>
+                  </a:schemeClr>
+                </a:solidFill>
+                <a:latin typeface="+mn-lt"/>
+                <a:ea typeface="+mn-ea"/>
+                <a:cs typeface="+mn-cs"/>
+              </a:defRPr>
+            </a:pPr>
+            <a:endParaRPr lang="zh-CN"/>
+          </a:p>
+        </c:txPr>
+        <c:crossAx val="1036220656"/>
+        <c:crosses val="autoZero"/>
+        <c:crossBetween val="between"/>
+      </c:valAx>
+      <c:spPr>
+        <a:noFill/>
+        <a:ln>
+          <a:noFill/>
+        </a:ln>
+        <a:effectLst/>
+      </c:spPr>
+    </c:plotArea>
+    <c:plotVisOnly val="1"/>
+    <c:dispBlanksAs val="gap"/>
+    <c:showDLblsOverMax val="0"/>
+  </c:chart>
+  <c:spPr>
+    <a:noFill/>
+    <a:ln>
+      <a:noFill/>
+    </a:ln>
+    <a:effectLst/>
+  </c:spPr>
+  <c:txPr>
+    <a:bodyPr/>
+    <a:lstStyle/>
+    <a:p>
+      <a:pPr>
+        <a:defRPr/>
+      </a:pPr>
+      <a:endParaRPr lang="zh-CN"/>
+    </a:p>
+  </c:txPr>
+  <c:externalData r:id="rId3">
+    <c:autoUpdate val="0"/>
+  </c:externalData>
+</c:chartSpace>
+</file>
+
+<file path=ppt/charts/chart2.xml><?xml version="1.0" encoding="utf-8"?>
+<c:chartSpace xmlns:c="http://schemas.openxmlformats.org/drawingml/2006/chart" xmlns:a="http://schemas.openxmlformats.org/drawingml/2006/main" xmlns:r="http://schemas.openxmlformats.org/officeDocument/2006/relationships" xmlns:c16r2="http://schemas.microsoft.com/office/drawing/2015/06/chart">
+  <c:date1904 val="0"/>
+  <c:lang val="zh-CN"/>
+  <c:roundedCorners val="0"/>
+  <mc:AlternateContent xmlns:mc="http://schemas.openxmlformats.org/markup-compatibility/2006">
+    <mc:Choice xmlns:c14="http://schemas.microsoft.com/office/drawing/2007/8/2/chart" Requires="c14">
+      <c14:style val="102"/>
+    </mc:Choice>
+    <mc:Fallback>
+      <c:style val="2"/>
+    </mc:Fallback>
+  </mc:AlternateContent>
+  <c:chart>
+    <c:autoTitleDeleted val="1"/>
+    <c:plotArea>
+      <c:layout/>
+      <c:barChart>
+        <c:barDir val="col"/>
+        <c:grouping val="clustered"/>
+        <c:varyColors val="0"/>
+        <c:ser>
+          <c:idx val="0"/>
+          <c:order val="0"/>
+          <c:spPr>
+            <a:solidFill>
+              <a:schemeClr val="accent1"/>
+            </a:solidFill>
+            <a:ln>
+              <a:noFill/>
+            </a:ln>
+            <a:effectLst/>
+          </c:spPr>
+          <c:invertIfNegative val="0"/>
+          <c:val>
+            <c:numRef>
+              <c:f>指标加权!$Q$1:$Q$39</c:f>
+              <c:numCache>
+                <c:formatCode>General</c:formatCode>
+                <c:ptCount val="39"/>
+                <c:pt idx="0">
+                  <c:v>0.15719367212908153</c:v>
+                </c:pt>
+                <c:pt idx="1">
+                  <c:v>0.53787081295599437</c:v>
+                </c:pt>
+                <c:pt idx="2">
+                  <c:v>0.52806080073923134</c:v>
+                </c:pt>
+                <c:pt idx="3">
+                  <c:v>0.58052098095190563</c:v>
+                </c:pt>
+                <c:pt idx="4">
+                  <c:v>0.31808106859720953</c:v>
+                </c:pt>
+                <c:pt idx="5">
+                  <c:v>0.61808866033644327</c:v>
+                </c:pt>
+                <c:pt idx="6">
+                  <c:v>0.2623708300687938</c:v>
+                </c:pt>
+                <c:pt idx="7">
+                  <c:v>0.47533172371866306</c:v>
+                </c:pt>
+                <c:pt idx="8">
+                  <c:v>0.33462857819850289</c:v>
+                </c:pt>
+                <c:pt idx="9">
+                  <c:v>0.52716303495832417</c:v>
+                </c:pt>
+                <c:pt idx="10">
+                  <c:v>0.31009725281294492</c:v>
+                </c:pt>
+                <c:pt idx="11">
+                  <c:v>1.3616606789627565E-2</c:v>
+                </c:pt>
+                <c:pt idx="12">
+                  <c:v>0.23575520203730035</c:v>
+                </c:pt>
+                <c:pt idx="13">
+                  <c:v>0.24645496652038884</c:v>
+                </c:pt>
+                <c:pt idx="14">
+                  <c:v>0.33819371995838193</c:v>
+                </c:pt>
+                <c:pt idx="15">
+                  <c:v>0.84529631735700028</c:v>
+                </c:pt>
+                <c:pt idx="16">
+                  <c:v>0.23842168998139435</c:v>
+                </c:pt>
+                <c:pt idx="17">
+                  <c:v>0.18530192024605308</c:v>
+                </c:pt>
+                <c:pt idx="18">
+                  <c:v>0.51135717245297407</c:v>
+                </c:pt>
+                <c:pt idx="19">
+                  <c:v>0.43625290104009473</c:v>
+                </c:pt>
+                <c:pt idx="20">
+                  <c:v>0.47253999698504434</c:v>
+                </c:pt>
+                <c:pt idx="21">
+                  <c:v>0.52894827417336221</c:v>
+                </c:pt>
+                <c:pt idx="22">
+                  <c:v>0.47363030166306963</c:v>
+                </c:pt>
+                <c:pt idx="23">
+                  <c:v>0.28396754021784443</c:v>
+                </c:pt>
+                <c:pt idx="24">
+                  <c:v>0.44069122973941394</c:v>
+                </c:pt>
+                <c:pt idx="25">
+                  <c:v>0.36147812143146996</c:v>
+                </c:pt>
+                <c:pt idx="26">
+                  <c:v>0.30960121235137816</c:v>
+                </c:pt>
+                <c:pt idx="27">
+                  <c:v>0.21281566986214936</c:v>
+                </c:pt>
+                <c:pt idx="28">
+                  <c:v>0.53313070966680587</c:v>
+                </c:pt>
+                <c:pt idx="29">
+                  <c:v>0.24421512714508903</c:v>
+                </c:pt>
+                <c:pt idx="30">
+                  <c:v>0.11208518396617853</c:v>
+                </c:pt>
+                <c:pt idx="31">
+                  <c:v>0.38163332209897671</c:v>
+                </c:pt>
+                <c:pt idx="32">
+                  <c:v>0.37438003387685992</c:v>
+                </c:pt>
+                <c:pt idx="33">
+                  <c:v>0.34703629160960314</c:v>
+                </c:pt>
+                <c:pt idx="34">
+                  <c:v>0.38296379204024661</c:v>
+                </c:pt>
+                <c:pt idx="35">
+                  <c:v>0.35850346650066223</c:v>
+                </c:pt>
+                <c:pt idx="36">
+                  <c:v>0.35437219429675992</c:v>
+                </c:pt>
+                <c:pt idx="37">
+                  <c:v>0.41096892712657762</c:v>
+                </c:pt>
+                <c:pt idx="38">
+                  <c:v>0.49590634952661372</c:v>
+                </c:pt>
+              </c:numCache>
+            </c:numRef>
+          </c:val>
+          <c:extLst>
+            <c:ext xmlns:c16="http://schemas.microsoft.com/office/drawing/2014/chart" uri="{C3380CC4-5D6E-409C-BE32-E72D297353CC}">
+              <c16:uniqueId val="{00000000-56CB-4FAB-A10F-47F7DA437AB9}"/>
+            </c:ext>
+          </c:extLst>
+        </c:ser>
+        <c:dLbls>
+          <c:showLegendKey val="0"/>
+          <c:showVal val="0"/>
+          <c:showCatName val="0"/>
+          <c:showSerName val="0"/>
+          <c:showPercent val="0"/>
+          <c:showBubbleSize val="0"/>
+        </c:dLbls>
+        <c:gapWidth val="219"/>
+        <c:overlap val="-27"/>
+        <c:axId val="1120055727"/>
+        <c:axId val="1120051567"/>
+      </c:barChart>
+      <c:catAx>
+        <c:axId val="1120055727"/>
+        <c:scaling>
+          <c:orientation val="minMax"/>
+        </c:scaling>
+        <c:delete val="0"/>
+        <c:axPos val="b"/>
+        <c:title>
+          <c:tx>
+            <c:rich>
+              <a:bodyPr rot="0" spcFirstLastPara="1" vertOverflow="ellipsis" vert="horz" wrap="square" anchor="ctr" anchorCtr="1"/>
+              <a:lstStyle/>
+              <a:p>
+                <a:pPr>
+                  <a:defRPr sz="1000" b="0" i="0" u="none" strike="noStrike" kern="1200" baseline="0">
+                    <a:solidFill>
+                      <a:schemeClr val="tx1">
+                        <a:lumMod val="65000"/>
+                        <a:lumOff val="35000"/>
+                      </a:schemeClr>
+                    </a:solidFill>
+                    <a:latin typeface="+mn-lt"/>
+                    <a:ea typeface="+mn-ea"/>
+                    <a:cs typeface="+mn-cs"/>
+                  </a:defRPr>
+                </a:pPr>
+                <a:r>
+                  <a:rPr lang="zh-CN" altLang="en-US"/>
+                  <a:t>节点名称</a:t>
+                </a:r>
+              </a:p>
+            </c:rich>
+          </c:tx>
+          <c:layout/>
+          <c:overlay val="0"/>
+          <c:spPr>
+            <a:noFill/>
+            <a:ln>
+              <a:noFill/>
+            </a:ln>
+            <a:effectLst/>
+          </c:spPr>
+          <c:txPr>
+            <a:bodyPr rot="0" spcFirstLastPara="1" vertOverflow="ellipsis" vert="horz" wrap="square" anchor="ctr" anchorCtr="1"/>
+            <a:lstStyle/>
+            <a:p>
+              <a:pPr>
+                <a:defRPr sz="1000" b="0" i="0" u="none" strike="noStrike" kern="1200" baseline="0">
+                  <a:solidFill>
+                    <a:schemeClr val="tx1">
+                      <a:lumMod val="65000"/>
+                      <a:lumOff val="35000"/>
+                    </a:schemeClr>
+                  </a:solidFill>
+                  <a:latin typeface="+mn-lt"/>
+                  <a:ea typeface="+mn-ea"/>
+                  <a:cs typeface="+mn-cs"/>
+                </a:defRPr>
+              </a:pPr>
+              <a:endParaRPr lang="zh-CN"/>
+            </a:p>
+          </c:txPr>
+        </c:title>
+        <c:majorTickMark val="none"/>
+        <c:minorTickMark val="none"/>
+        <c:tickLblPos val="nextTo"/>
+        <c:spPr>
+          <a:noFill/>
+          <a:ln w="9525" cap="flat" cmpd="sng" algn="ctr">
+            <a:solidFill>
+              <a:schemeClr val="tx1">
+                <a:lumMod val="15000"/>
+                <a:lumOff val="85000"/>
+              </a:schemeClr>
+            </a:solidFill>
+            <a:round/>
+          </a:ln>
+          <a:effectLst/>
+        </c:spPr>
+        <c:txPr>
+          <a:bodyPr rot="-60000000" spcFirstLastPara="1" vertOverflow="ellipsis" vert="horz" wrap="square" anchor="ctr" anchorCtr="1"/>
+          <a:lstStyle/>
+          <a:p>
+            <a:pPr>
+              <a:defRPr sz="900" b="0" i="0" u="none" strike="noStrike" kern="1200" baseline="0">
+                <a:solidFill>
+                  <a:schemeClr val="tx1">
+                    <a:lumMod val="65000"/>
+                    <a:lumOff val="35000"/>
+                  </a:schemeClr>
+                </a:solidFill>
+                <a:latin typeface="+mn-lt"/>
+                <a:ea typeface="+mn-ea"/>
+                <a:cs typeface="+mn-cs"/>
+              </a:defRPr>
+            </a:pPr>
+            <a:endParaRPr lang="zh-CN"/>
+          </a:p>
+        </c:txPr>
+        <c:crossAx val="1120051567"/>
+        <c:crosses val="autoZero"/>
+        <c:auto val="1"/>
+        <c:lblAlgn val="ctr"/>
+        <c:lblOffset val="100"/>
+        <c:noMultiLvlLbl val="0"/>
+      </c:catAx>
+      <c:valAx>
+        <c:axId val="1120051567"/>
+        <c:scaling>
+          <c:orientation val="minMax"/>
+        </c:scaling>
+        <c:delete val="0"/>
+        <c:axPos val="l"/>
+        <c:majorGridlines>
+          <c:spPr>
+            <a:ln w="9525" cap="flat" cmpd="sng" algn="ctr">
+              <a:solidFill>
+                <a:schemeClr val="tx1">
+                  <a:lumMod val="15000"/>
+                  <a:lumOff val="85000"/>
+                </a:schemeClr>
+              </a:solidFill>
+              <a:round/>
+            </a:ln>
+            <a:effectLst/>
+          </c:spPr>
+        </c:majorGridlines>
+        <c:title>
+          <c:tx>
+            <c:rich>
+              <a:bodyPr rot="-5400000" spcFirstLastPara="1" vertOverflow="ellipsis" vert="horz" wrap="square" anchor="ctr" anchorCtr="1"/>
+              <a:lstStyle/>
+              <a:p>
+                <a:pPr>
+                  <a:defRPr sz="1000" b="0" i="0" u="none" strike="noStrike" kern="1200" baseline="0">
+                    <a:solidFill>
+                      <a:schemeClr val="tx1">
+                        <a:lumMod val="65000"/>
+                        <a:lumOff val="35000"/>
+                      </a:schemeClr>
+                    </a:solidFill>
+                    <a:latin typeface="+mn-lt"/>
+                    <a:ea typeface="+mn-ea"/>
+                    <a:cs typeface="+mn-cs"/>
+                  </a:defRPr>
+                </a:pPr>
+                <a:r>
+                  <a:rPr lang="zh-CN" altLang="en-US"/>
+                  <a:t>结构脆弱性指标值</a:t>
+                </a:r>
+              </a:p>
+            </c:rich>
+          </c:tx>
+          <c:layout/>
+          <c:overlay val="0"/>
+          <c:spPr>
+            <a:noFill/>
+            <a:ln>
+              <a:noFill/>
+            </a:ln>
+            <a:effectLst/>
+          </c:spPr>
+          <c:txPr>
+            <a:bodyPr rot="-5400000" spcFirstLastPara="1" vertOverflow="ellipsis" vert="horz" wrap="square" anchor="ctr" anchorCtr="1"/>
+            <a:lstStyle/>
+            <a:p>
+              <a:pPr>
+                <a:defRPr sz="1000" b="0" i="0" u="none" strike="noStrike" kern="1200" baseline="0">
+                  <a:solidFill>
+                    <a:schemeClr val="tx1">
+                      <a:lumMod val="65000"/>
+                      <a:lumOff val="35000"/>
+                    </a:schemeClr>
+                  </a:solidFill>
+                  <a:latin typeface="+mn-lt"/>
+                  <a:ea typeface="+mn-ea"/>
+                  <a:cs typeface="+mn-cs"/>
+                </a:defRPr>
+              </a:pPr>
+              <a:endParaRPr lang="zh-CN"/>
+            </a:p>
+          </c:txPr>
+        </c:title>
+        <c:numFmt formatCode="General" sourceLinked="1"/>
+        <c:majorTickMark val="none"/>
+        <c:minorTickMark val="none"/>
+        <c:tickLblPos val="nextTo"/>
+        <c:spPr>
+          <a:noFill/>
+          <a:ln>
+            <a:noFill/>
+          </a:ln>
+          <a:effectLst/>
+        </c:spPr>
+        <c:txPr>
+          <a:bodyPr rot="-60000000" spcFirstLastPara="1" vertOverflow="ellipsis" vert="horz" wrap="square" anchor="ctr" anchorCtr="1"/>
+          <a:lstStyle/>
+          <a:p>
+            <a:pPr>
+              <a:defRPr sz="900" b="0" i="0" u="none" strike="noStrike" kern="1200" baseline="0">
+                <a:solidFill>
+                  <a:schemeClr val="tx1">
+                    <a:lumMod val="65000"/>
+                    <a:lumOff val="35000"/>
+                  </a:schemeClr>
+                </a:solidFill>
+                <a:latin typeface="+mn-lt"/>
+                <a:ea typeface="+mn-ea"/>
+                <a:cs typeface="+mn-cs"/>
+              </a:defRPr>
+            </a:pPr>
+            <a:endParaRPr lang="zh-CN"/>
+          </a:p>
+        </c:txPr>
+        <c:crossAx val="1120055727"/>
+        <c:crosses val="autoZero"/>
+        <c:crossBetween val="between"/>
+      </c:valAx>
+      <c:spPr>
+        <a:noFill/>
+        <a:ln>
+          <a:noFill/>
+        </a:ln>
+        <a:effectLst/>
+      </c:spPr>
+    </c:plotArea>
+    <c:plotVisOnly val="1"/>
+    <c:dispBlanksAs val="gap"/>
+    <c:showDLblsOverMax val="0"/>
+  </c:chart>
+  <c:spPr>
+    <a:noFill/>
+    <a:ln>
+      <a:noFill/>
+    </a:ln>
+    <a:effectLst/>
+  </c:spPr>
+  <c:txPr>
+    <a:bodyPr/>
+    <a:lstStyle/>
+    <a:p>
+      <a:pPr>
+        <a:defRPr/>
+      </a:pPr>
+      <a:endParaRPr lang="zh-CN"/>
+    </a:p>
+  </c:txPr>
+  <c:externalData r:id="rId3">
+    <c:autoUpdate val="0"/>
+  </c:externalData>
+</c:chartSpace>
+</file>
+
+<file path=ppt/charts/chart3.xml><?xml version="1.0" encoding="utf-8"?>
+<c:chartSpace xmlns:c="http://schemas.openxmlformats.org/drawingml/2006/chart" xmlns:a="http://schemas.openxmlformats.org/drawingml/2006/main" xmlns:r="http://schemas.openxmlformats.org/officeDocument/2006/relationships" xmlns:c16r2="http://schemas.microsoft.com/office/drawing/2015/06/chart">
+  <c:date1904 val="0"/>
+  <c:lang val="zh-CN"/>
+  <c:roundedCorners val="0"/>
+  <mc:AlternateContent xmlns:mc="http://schemas.openxmlformats.org/markup-compatibility/2006">
+    <mc:Choice xmlns:c14="http://schemas.microsoft.com/office/drawing/2007/8/2/chart" Requires="c14">
+      <c14:style val="102"/>
+    </mc:Choice>
+    <mc:Fallback>
+      <c:style val="2"/>
+    </mc:Fallback>
+  </mc:AlternateContent>
+  <c:chart>
+    <c:autoTitleDeleted val="1"/>
+    <c:plotArea>
+      <c:layout/>
+      <c:barChart>
+        <c:barDir val="col"/>
+        <c:grouping val="clustered"/>
+        <c:varyColors val="0"/>
+        <c:ser>
+          <c:idx val="0"/>
+          <c:order val="0"/>
+          <c:spPr>
+            <a:solidFill>
+              <a:schemeClr val="accent1"/>
+            </a:solidFill>
+            <a:ln>
+              <a:noFill/>
+            </a:ln>
+            <a:effectLst/>
+          </c:spPr>
+          <c:invertIfNegative val="0"/>
+          <c:val>
+            <c:numRef>
+              <c:f>Sheet1!$D$1:$D$29</c:f>
+              <c:numCache>
+                <c:formatCode>General</c:formatCode>
+                <c:ptCount val="29"/>
+                <c:pt idx="0">
+                  <c:v>0.16190673470449229</c:v>
+                </c:pt>
+                <c:pt idx="1">
+                  <c:v>0.35996112918177359</c:v>
+                </c:pt>
+                <c:pt idx="2">
+                  <c:v>0.50714923677212953</c:v>
+                </c:pt>
+                <c:pt idx="3">
+                  <c:v>0.55486314065396269</c:v>
+                </c:pt>
+                <c:pt idx="4">
+                  <c:v>0.23852576213258891</c:v>
+                </c:pt>
+                <c:pt idx="5">
+                  <c:v>0.38357301005998445</c:v>
+                </c:pt>
+                <c:pt idx="6">
+                  <c:v>0.29822610192181648</c:v>
+                </c:pt>
+                <c:pt idx="7">
+                  <c:v>0.4849524298271764</c:v>
+                </c:pt>
+                <c:pt idx="8">
+                  <c:v>0.25716398142333097</c:v>
+                </c:pt>
+                <c:pt idx="9">
+                  <c:v>0.35279823327213317</c:v>
+                </c:pt>
+                <c:pt idx="10">
+                  <c:v>0.2398947822643929</c:v>
+                </c:pt>
+                <c:pt idx="11">
+                  <c:v>0.1038265010684538</c:v>
+                </c:pt>
+                <c:pt idx="12">
+                  <c:v>0.21189552414464757</c:v>
+                </c:pt>
+                <c:pt idx="13">
+                  <c:v>0.2309173369822434</c:v>
+                </c:pt>
+                <c:pt idx="14">
+                  <c:v>0.35704028163041568</c:v>
+                </c:pt>
+                <c:pt idx="15">
+                  <c:v>0.6311131219388606</c:v>
+                </c:pt>
+                <c:pt idx="16">
+                  <c:v>0.23970879070887555</c:v>
+                </c:pt>
+                <c:pt idx="17">
+                  <c:v>0.27729703718214738</c:v>
+                </c:pt>
+                <c:pt idx="18">
+                  <c:v>0.400678586226487</c:v>
+                </c:pt>
+                <c:pt idx="19">
+                  <c:v>0.50561273574100074</c:v>
+                </c:pt>
+                <c:pt idx="20">
+                  <c:v>0.42316993691069132</c:v>
+                </c:pt>
+                <c:pt idx="21">
+                  <c:v>0.32414666649991064</c:v>
+                </c:pt>
+                <c:pt idx="22">
+                  <c:v>0.44083062270866158</c:v>
+                </c:pt>
+                <c:pt idx="23">
+                  <c:v>0.3351731330238078</c:v>
+                </c:pt>
+                <c:pt idx="24">
+                  <c:v>0.48002685063084793</c:v>
+                </c:pt>
+                <c:pt idx="25">
+                  <c:v>0.40247877756298095</c:v>
+                </c:pt>
+                <c:pt idx="26">
+                  <c:v>0.35213346707647597</c:v>
+                </c:pt>
+                <c:pt idx="27">
+                  <c:v>0.36171851380045078</c:v>
+                </c:pt>
+                <c:pt idx="28">
+                  <c:v>0.59907436924990609</c:v>
+                </c:pt>
+              </c:numCache>
+            </c:numRef>
+          </c:val>
+          <c:extLst>
+            <c:ext xmlns:c16="http://schemas.microsoft.com/office/drawing/2014/chart" uri="{C3380CC4-5D6E-409C-BE32-E72D297353CC}">
+              <c16:uniqueId val="{00000000-A5EC-4E48-90BB-C3967B08E5A5}"/>
+            </c:ext>
+          </c:extLst>
+        </c:ser>
+        <c:dLbls>
+          <c:showLegendKey val="0"/>
+          <c:showVal val="0"/>
+          <c:showCatName val="0"/>
+          <c:showSerName val="0"/>
+          <c:showPercent val="0"/>
+          <c:showBubbleSize val="0"/>
+        </c:dLbls>
+        <c:gapWidth val="219"/>
+        <c:overlap val="-27"/>
+        <c:axId val="1777982112"/>
+        <c:axId val="1778389872"/>
+      </c:barChart>
+      <c:catAx>
+        <c:axId val="1777982112"/>
+        <c:scaling>
+          <c:orientation val="minMax"/>
+        </c:scaling>
+        <c:delete val="0"/>
+        <c:axPos val="b"/>
+        <c:title>
+          <c:tx>
+            <c:rich>
+              <a:bodyPr rot="0" spcFirstLastPara="1" vertOverflow="ellipsis" vert="horz" wrap="square" anchor="ctr" anchorCtr="1"/>
+              <a:lstStyle/>
+              <a:p>
+                <a:pPr>
+                  <a:defRPr sz="1000" b="0" i="0" u="none" strike="noStrike" kern="1200" baseline="0">
+                    <a:solidFill>
+                      <a:schemeClr val="tx1">
+                        <a:lumMod val="65000"/>
+                        <a:lumOff val="35000"/>
+                      </a:schemeClr>
+                    </a:solidFill>
+                    <a:latin typeface="+mn-lt"/>
+                    <a:ea typeface="+mn-ea"/>
+                    <a:cs typeface="+mn-cs"/>
+                  </a:defRPr>
+                </a:pPr>
+                <a:r>
+                  <a:rPr lang="zh-CN" altLang="en-US"/>
+                  <a:t>节点名称</a:t>
+                </a:r>
+              </a:p>
+            </c:rich>
+          </c:tx>
+          <c:layout/>
+          <c:overlay val="0"/>
+          <c:spPr>
+            <a:noFill/>
+            <a:ln>
+              <a:noFill/>
+            </a:ln>
+            <a:effectLst/>
+          </c:spPr>
+          <c:txPr>
+            <a:bodyPr rot="0" spcFirstLastPara="1" vertOverflow="ellipsis" vert="horz" wrap="square" anchor="ctr" anchorCtr="1"/>
+            <a:lstStyle/>
+            <a:p>
+              <a:pPr>
+                <a:defRPr sz="1000" b="0" i="0" u="none" strike="noStrike" kern="1200" baseline="0">
+                  <a:solidFill>
+                    <a:schemeClr val="tx1">
+                      <a:lumMod val="65000"/>
+                      <a:lumOff val="35000"/>
+                    </a:schemeClr>
+                  </a:solidFill>
+                  <a:latin typeface="+mn-lt"/>
+                  <a:ea typeface="+mn-ea"/>
+                  <a:cs typeface="+mn-cs"/>
+                </a:defRPr>
+              </a:pPr>
+              <a:endParaRPr lang="zh-CN"/>
+            </a:p>
+          </c:txPr>
+        </c:title>
+        <c:majorTickMark val="none"/>
+        <c:minorTickMark val="none"/>
+        <c:tickLblPos val="nextTo"/>
+        <c:spPr>
+          <a:noFill/>
+          <a:ln w="9525" cap="flat" cmpd="sng" algn="ctr">
+            <a:solidFill>
+              <a:schemeClr val="tx1">
+                <a:lumMod val="15000"/>
+                <a:lumOff val="85000"/>
+              </a:schemeClr>
+            </a:solidFill>
+            <a:round/>
+          </a:ln>
+          <a:effectLst/>
+        </c:spPr>
+        <c:txPr>
+          <a:bodyPr rot="-60000000" spcFirstLastPara="1" vertOverflow="ellipsis" vert="horz" wrap="square" anchor="ctr" anchorCtr="1"/>
+          <a:lstStyle/>
+          <a:p>
+            <a:pPr>
+              <a:defRPr sz="900" b="0" i="0" u="none" strike="noStrike" kern="1200" baseline="0">
+                <a:solidFill>
+                  <a:schemeClr val="tx1">
+                    <a:lumMod val="65000"/>
+                    <a:lumOff val="35000"/>
+                  </a:schemeClr>
+                </a:solidFill>
+                <a:latin typeface="+mn-lt"/>
+                <a:ea typeface="+mn-ea"/>
+                <a:cs typeface="+mn-cs"/>
+              </a:defRPr>
+            </a:pPr>
+            <a:endParaRPr lang="zh-CN"/>
+          </a:p>
+        </c:txPr>
+        <c:crossAx val="1778389872"/>
+        <c:crosses val="autoZero"/>
+        <c:auto val="1"/>
+        <c:lblAlgn val="ctr"/>
+        <c:lblOffset val="100"/>
+        <c:noMultiLvlLbl val="0"/>
+      </c:catAx>
+      <c:valAx>
+        <c:axId val="1778389872"/>
+        <c:scaling>
+          <c:orientation val="minMax"/>
+        </c:scaling>
+        <c:delete val="0"/>
+        <c:axPos val="l"/>
+        <c:majorGridlines>
+          <c:spPr>
+            <a:ln w="9525" cap="flat" cmpd="sng" algn="ctr">
+              <a:solidFill>
+                <a:schemeClr val="tx1">
+                  <a:lumMod val="15000"/>
+                  <a:lumOff val="85000"/>
+                </a:schemeClr>
+              </a:solidFill>
+              <a:round/>
+            </a:ln>
+            <a:effectLst/>
+          </c:spPr>
+        </c:majorGridlines>
+        <c:title>
+          <c:tx>
+            <c:rich>
+              <a:bodyPr rot="-5400000" spcFirstLastPara="1" vertOverflow="ellipsis" vert="horz" wrap="square" anchor="ctr" anchorCtr="1"/>
+              <a:lstStyle/>
+              <a:p>
+                <a:pPr>
+                  <a:defRPr sz="1000" b="0" i="0" u="none" strike="noStrike" kern="1200" baseline="0">
+                    <a:solidFill>
+                      <a:schemeClr val="tx1">
+                        <a:lumMod val="65000"/>
+                        <a:lumOff val="35000"/>
+                      </a:schemeClr>
+                    </a:solidFill>
+                    <a:latin typeface="+mn-lt"/>
+                    <a:ea typeface="+mn-ea"/>
+                    <a:cs typeface="+mn-cs"/>
+                  </a:defRPr>
+                </a:pPr>
+                <a:r>
+                  <a:rPr lang="zh-CN" altLang="en-US"/>
+                  <a:t>综合指标值</a:t>
+                </a:r>
+              </a:p>
+            </c:rich>
+          </c:tx>
+          <c:layout/>
+          <c:overlay val="0"/>
+          <c:spPr>
+            <a:noFill/>
+            <a:ln>
+              <a:noFill/>
+            </a:ln>
+            <a:effectLst/>
+          </c:spPr>
+          <c:txPr>
+            <a:bodyPr rot="-5400000" spcFirstLastPara="1" vertOverflow="ellipsis" vert="horz" wrap="square" anchor="ctr" anchorCtr="1"/>
+            <a:lstStyle/>
+            <a:p>
+              <a:pPr>
+                <a:defRPr sz="1000" b="0" i="0" u="none" strike="noStrike" kern="1200" baseline="0">
+                  <a:solidFill>
+                    <a:schemeClr val="tx1">
+                      <a:lumMod val="65000"/>
+                      <a:lumOff val="35000"/>
+                    </a:schemeClr>
+                  </a:solidFill>
+                  <a:latin typeface="+mn-lt"/>
+                  <a:ea typeface="+mn-ea"/>
+                  <a:cs typeface="+mn-cs"/>
+                </a:defRPr>
+              </a:pPr>
+              <a:endParaRPr lang="zh-CN"/>
+            </a:p>
+          </c:txPr>
+        </c:title>
+        <c:numFmt formatCode="General" sourceLinked="1"/>
+        <c:majorTickMark val="none"/>
+        <c:minorTickMark val="none"/>
+        <c:tickLblPos val="nextTo"/>
+        <c:spPr>
+          <a:noFill/>
+          <a:ln>
+            <a:noFill/>
+          </a:ln>
+          <a:effectLst/>
+        </c:spPr>
+        <c:txPr>
+          <a:bodyPr rot="-60000000" spcFirstLastPara="1" vertOverflow="ellipsis" vert="horz" wrap="square" anchor="ctr" anchorCtr="1"/>
+          <a:lstStyle/>
+          <a:p>
+            <a:pPr>
+              <a:defRPr sz="900" b="0" i="0" u="none" strike="noStrike" kern="1200" baseline="0">
+                <a:solidFill>
+                  <a:schemeClr val="tx1">
+                    <a:lumMod val="65000"/>
+                    <a:lumOff val="35000"/>
+                  </a:schemeClr>
+                </a:solidFill>
+                <a:latin typeface="+mn-lt"/>
+                <a:ea typeface="+mn-ea"/>
+                <a:cs typeface="+mn-cs"/>
+              </a:defRPr>
+            </a:pPr>
+            <a:endParaRPr lang="zh-CN"/>
+          </a:p>
+        </c:txPr>
+        <c:crossAx val="1777982112"/>
+        <c:crosses val="autoZero"/>
+        <c:crossBetween val="between"/>
+      </c:valAx>
+      <c:spPr>
+        <a:noFill/>
+        <a:ln>
+          <a:noFill/>
+        </a:ln>
+        <a:effectLst/>
+      </c:spPr>
+    </c:plotArea>
+    <c:plotVisOnly val="1"/>
+    <c:dispBlanksAs val="gap"/>
+    <c:showDLblsOverMax val="0"/>
+  </c:chart>
+  <c:spPr>
+    <a:noFill/>
+    <a:ln>
+      <a:noFill/>
+    </a:ln>
+    <a:effectLst/>
+  </c:spPr>
+  <c:txPr>
+    <a:bodyPr/>
+    <a:lstStyle/>
+    <a:p>
+      <a:pPr>
+        <a:defRPr/>
+      </a:pPr>
+      <a:endParaRPr lang="zh-CN"/>
+    </a:p>
+  </c:txPr>
+  <c:externalData r:id="rId3">
+    <c:autoUpdate val="0"/>
+  </c:externalData>
+</c:chartSpace>
+</file>
+
+<file path=ppt/charts/colors1.xml><?xml version="1.0" encoding="utf-8"?>
+<cs:colorStyle xmlns:cs="http://schemas.microsoft.com/office/drawing/2012/chartStyle" xmlns:a="http://schemas.openxmlformats.org/drawingml/2006/main" meth="cycle" id="10">
+  <a:schemeClr val="accent1"/>
+  <a:schemeClr val="accent2"/>
+  <a:schemeClr val="accent3"/>
+  <a:schemeClr val="accent4"/>
+  <a:schemeClr val="accent5"/>
+  <a:schemeClr val="accent6"/>
+  <cs:variation/>
+  <cs:variation>
+    <a:lumMod val="60000"/>
+  </cs:variation>
+  <cs:variation>
+    <a:lumMod val="80000"/>
+    <a:lumOff val="20000"/>
+  </cs:variation>
+  <cs:variation>
+    <a:lumMod val="80000"/>
+  </cs:variation>
+  <cs:variation>
+    <a:lumMod val="60000"/>
+    <a:lumOff val="40000"/>
+  </cs:variation>
+  <cs:variation>
+    <a:lumMod val="50000"/>
+  </cs:variation>
+  <cs:variation>
+    <a:lumMod val="70000"/>
+    <a:lumOff val="30000"/>
+  </cs:variation>
+  <cs:variation>
+    <a:lumMod val="70000"/>
+  </cs:variation>
+  <cs:variation>
+    <a:lumMod val="50000"/>
+    <a:lumOff val="50000"/>
+  </cs:variation>
+</cs:colorStyle>
+</file>
+
+<file path=ppt/charts/colors2.xml><?xml version="1.0" encoding="utf-8"?>
+<cs:colorStyle xmlns:cs="http://schemas.microsoft.com/office/drawing/2012/chartStyle" xmlns:a="http://schemas.openxmlformats.org/drawingml/2006/main" meth="cycle" id="10">
+  <a:schemeClr val="accent1"/>
+  <a:schemeClr val="accent2"/>
+  <a:schemeClr val="accent3"/>
+  <a:schemeClr val="accent4"/>
+  <a:schemeClr val="accent5"/>
+  <a:schemeClr val="accent6"/>
+  <cs:variation/>
+  <cs:variation>
+    <a:lumMod val="60000"/>
+  </cs:variation>
+  <cs:variation>
+    <a:lumMod val="80000"/>
+    <a:lumOff val="20000"/>
+  </cs:variation>
+  <cs:variation>
+    <a:lumMod val="80000"/>
+  </cs:variation>
+  <cs:variation>
+    <a:lumMod val="60000"/>
+    <a:lumOff val="40000"/>
+  </cs:variation>
+  <cs:variation>
+    <a:lumMod val="50000"/>
+  </cs:variation>
+  <cs:variation>
+    <a:lumMod val="70000"/>
+    <a:lumOff val="30000"/>
+  </cs:variation>
+  <cs:variation>
+    <a:lumMod val="70000"/>
+  </cs:variation>
+  <cs:variation>
+    <a:lumMod val="50000"/>
+    <a:lumOff val="50000"/>
+  </cs:variation>
+</cs:colorStyle>
+</file>
+
+<file path=ppt/charts/colors3.xml><?xml version="1.0" encoding="utf-8"?>
+<cs:colorStyle xmlns:cs="http://schemas.microsoft.com/office/drawing/2012/chartStyle" xmlns:a="http://schemas.openxmlformats.org/drawingml/2006/main" meth="cycle" id="10">
+  <a:schemeClr val="accent1"/>
+  <a:schemeClr val="accent2"/>
+  <a:schemeClr val="accent3"/>
+  <a:schemeClr val="accent4"/>
+  <a:schemeClr val="accent5"/>
+  <a:schemeClr val="accent6"/>
+  <cs:variation/>
+  <cs:variation>
+    <a:lumMod val="60000"/>
+  </cs:variation>
+  <cs:variation>
+    <a:lumMod val="80000"/>
+    <a:lumOff val="20000"/>
+  </cs:variation>
+  <cs:variation>
+    <a:lumMod val="80000"/>
+  </cs:variation>
+  <cs:variation>
+    <a:lumMod val="60000"/>
+    <a:lumOff val="40000"/>
+  </cs:variation>
+  <cs:variation>
+    <a:lumMod val="50000"/>
+  </cs:variation>
+  <cs:variation>
+    <a:lumMod val="70000"/>
+    <a:lumOff val="30000"/>
+  </cs:variation>
+  <cs:variation>
+    <a:lumMod val="70000"/>
+  </cs:variation>
+  <cs:variation>
+    <a:lumMod val="50000"/>
+    <a:lumOff val="50000"/>
+  </cs:variation>
+</cs:colorStyle>
+</file>
+
+<file path=ppt/charts/style1.xml><?xml version="1.0" encoding="utf-8"?>
+<cs:chartStyle xmlns:cs="http://schemas.microsoft.com/office/drawing/2012/chartStyle" xmlns:a="http://schemas.openxmlformats.org/drawingml/2006/main" id="201">
+  <cs:axisTitle>
+    <cs:lnRef idx="0"/>
+    <cs:fillRef idx="0"/>
+    <cs:effectRef idx="0"/>
+    <cs:fontRef idx="minor">
+      <a:schemeClr val="tx1">
+        <a:lumMod val="65000"/>
+        <a:lumOff val="35000"/>
+      </a:schemeClr>
+    </cs:fontRef>
+    <cs:defRPr sz="1000" kern="1200"/>
+  </cs:axisTitle>
+  <cs:categoryAxis>
+    <cs:lnRef idx="0"/>
+    <cs:fillRef idx="0"/>
+    <cs:effectRef idx="0"/>
+    <cs:fontRef idx="minor">
+      <a:schemeClr val="tx1">
+        <a:lumMod val="65000"/>
+        <a:lumOff val="35000"/>
+      </a:schemeClr>
+    </cs:fontRef>
+    <cs:spPr>
+      <a:ln w="9525" cap="flat" cmpd="sng" algn="ctr">
+        <a:solidFill>
+          <a:schemeClr val="tx1">
+            <a:lumMod val="15000"/>
+            <a:lumOff val="85000"/>
+          </a:schemeClr>
+        </a:solidFill>
+        <a:round/>
+      </a:ln>
+    </cs:spPr>
+    <cs:defRPr sz="900" kern="1200"/>
+  </cs:categoryAxis>
+  <cs:chartArea mods="allowNoFillOverride allowNoLineOverride">
+    <cs:lnRef idx="0"/>
+    <cs:fillRef idx="0"/>
+    <cs:effectRef idx="0"/>
+    <cs:fontRef idx="minor">
+      <a:schemeClr val="tx1"/>
+    </cs:fontRef>
+    <cs:spPr>
+      <a:solidFill>
+        <a:schemeClr val="bg1"/>
+      </a:solidFill>
+      <a:ln w="9525" cap="flat" cmpd="sng" algn="ctr">
+        <a:solidFill>
+          <a:schemeClr val="tx1">
+            <a:lumMod val="15000"/>
+            <a:lumOff val="85000"/>
+          </a:schemeClr>
+        </a:solidFill>
+        <a:round/>
+      </a:ln>
+    </cs:spPr>
+    <cs:defRPr sz="1000" kern="1200"/>
+  </cs:chartArea>
+  <cs:dataLabel>
+    <cs:lnRef idx="0"/>
+    <cs:fillRef idx="0"/>
+    <cs:effectRef idx="0"/>
+    <cs:fontRef idx="minor">
+      <a:schemeClr val="tx1">
+        <a:lumMod val="75000"/>
+        <a:lumOff val="25000"/>
+      </a:schemeClr>
+    </cs:fontRef>
+    <cs:defRPr sz="900" kern="1200"/>
+  </cs:dataLabel>
+  <cs:dataLabelCallout>
+    <cs:lnRef idx="0"/>
+    <cs:fillRef idx="0"/>
+    <cs:effectRef idx="0"/>
+    <cs:fontRef idx="minor">
+      <a:schemeClr val="dk1">
+        <a:lumMod val="65000"/>
+        <a:lumOff val="35000"/>
+      </a:schemeClr>
+    </cs:fontRef>
+    <cs:spPr>
+      <a:solidFill>
+        <a:schemeClr val="lt1"/>
+      </a:solidFill>
+      <a:ln>
+        <a:solidFill>
+          <a:schemeClr val="dk1">
+            <a:lumMod val="25000"/>
+            <a:lumOff val="75000"/>
+          </a:schemeClr>
+        </a:solidFill>
+      </a:ln>
+    </cs:spPr>
+    <cs:defRPr sz="900" kern="1200"/>
+    <cs:bodyPr rot="0" spcFirstLastPara="1" vertOverflow="clip" horzOverflow="clip" vert="horz" wrap="square" lIns="36576" tIns="18288" rIns="36576" bIns="18288" anchor="ctr" anchorCtr="1">
+      <a:spAutoFit/>
+    </cs:bodyPr>
+  </cs:dataLabelCallout>
+  <cs:dataPoint>
+    <cs:lnRef idx="0"/>
+    <cs:fillRef idx="1">
+      <cs:styleClr val="auto"/>
+    </cs:fillRef>
+    <cs:effectRef idx="0"/>
+    <cs:fontRef idx="minor">
+      <a:schemeClr val="tx1"/>
+    </cs:fontRef>
+  </cs:dataPoint>
+  <cs:dataPoint3D>
+    <cs:lnRef idx="0"/>
+    <cs:fillRef idx="1">
+      <cs:styleClr val="auto"/>
+    </cs:fillRef>
+    <cs:effectRef idx="0"/>
+    <cs:fontRef idx="minor">
+      <a:schemeClr val="tx1"/>
+    </cs:fontRef>
+  </cs:dataPoint3D>
+  <cs:dataPointLine>
+    <cs:lnRef idx="0">
+      <cs:styleClr val="auto"/>
+    </cs:lnRef>
+    <cs:fillRef idx="1"/>
+    <cs:effectRef idx="0"/>
+    <cs:fontRef idx="minor">
+      <a:schemeClr val="tx1"/>
+    </cs:fontRef>
+    <cs:spPr>
+      <a:ln w="28575" cap="rnd">
+        <a:solidFill>
+          <a:schemeClr val="phClr"/>
+        </a:solidFill>
+        <a:round/>
+      </a:ln>
+    </cs:spPr>
+  </cs:dataPointLine>
+  <cs:dataPointMarker>
+    <cs:lnRef idx="0">
+      <cs:styleClr val="auto"/>
+    </cs:lnRef>
+    <cs:fillRef idx="1">
+      <cs:styleClr val="auto"/>
+    </cs:fillRef>
+    <cs:effectRef idx="0"/>
+    <cs:fontRef idx="minor">
+      <a:schemeClr val="tx1"/>
+    </cs:fontRef>
+    <cs:spPr>
+      <a:ln w="9525">
+        <a:solidFill>
+          <a:schemeClr val="phClr"/>
+        </a:solidFill>
+      </a:ln>
+    </cs:spPr>
+  </cs:dataPointMarker>
+  <cs:dataPointMarkerLayout symbol="circle" size="5"/>
+  <cs:dataPointWireframe>
+    <cs:lnRef idx="0">
+      <cs:styleClr val="auto"/>
+    </cs:lnRef>
+    <cs:fillRef idx="1"/>
+    <cs:effectRef idx="0"/>
+    <cs:fontRef idx="minor">
+      <a:schemeClr val="tx1"/>
+    </cs:fontRef>
+    <cs:spPr>
+      <a:ln w="9525" cap="rnd">
+        <a:solidFill>
+          <a:schemeClr val="phClr"/>
+        </a:solidFill>
+        <a:round/>
+      </a:ln>
+    </cs:spPr>
+  </cs:dataPointWireframe>
+  <cs:dataTable>
+    <cs:lnRef idx="0"/>
+    <cs:fillRef idx="0"/>
+    <cs:effectRef idx="0"/>
+    <cs:fontRef idx="minor">
+      <a:schemeClr val="tx1">
+        <a:lumMod val="65000"/>
+        <a:lumOff val="35000"/>
+      </a:schemeClr>
+    </cs:fontRef>
+    <cs:spPr>
+      <a:noFill/>
+      <a:ln w="9525" cap="flat" cmpd="sng" algn="ctr">
+        <a:solidFill>
+          <a:schemeClr val="tx1">
+            <a:lumMod val="15000"/>
+            <a:lumOff val="85000"/>
+          </a:schemeClr>
+        </a:solidFill>
+        <a:round/>
+      </a:ln>
+    </cs:spPr>
+    <cs:defRPr sz="900" kern="1200"/>
+  </cs:dataTable>
+  <cs:downBar>
+    <cs:lnRef idx="0"/>
+    <cs:fillRef idx="0"/>
+    <cs:effectRef idx="0"/>
+    <cs:fontRef idx="minor">
+      <a:schemeClr val="dk1"/>
+    </cs:fontRef>
+    <cs:spPr>
+      <a:solidFill>
+        <a:schemeClr val="dk1">
+          <a:lumMod val="65000"/>
+          <a:lumOff val="35000"/>
+        </a:schemeClr>
+      </a:solidFill>
+      <a:ln w="9525">
+        <a:solidFill>
+          <a:schemeClr val="tx1">
+            <a:lumMod val="65000"/>
+            <a:lumOff val="35000"/>
+          </a:schemeClr>
+        </a:solidFill>
+      </a:ln>
+    </cs:spPr>
+  </cs:downBar>
+  <cs:dropLine>
+    <cs:lnRef idx="0"/>
+    <cs:fillRef idx="0"/>
+    <cs:effectRef idx="0"/>
+    <cs:fontRef idx="minor">
+      <a:schemeClr val="tx1"/>
+    </cs:fontRef>
+    <cs:spPr>
+      <a:ln w="9525" cap="flat" cmpd="sng" algn="ctr">
+        <a:solidFill>
+          <a:schemeClr val="tx1">
+            <a:lumMod val="35000"/>
+            <a:lumOff val="65000"/>
+          </a:schemeClr>
+        </a:solidFill>
+        <a:round/>
+      </a:ln>
+    </cs:spPr>
+  </cs:dropLine>
+  <cs:errorBar>
+    <cs:lnRef idx="0"/>
+    <cs:fillRef idx="0"/>
+    <cs:effectRef idx="0"/>
+    <cs:fontRef idx="minor">
+      <a:schemeClr val="tx1"/>
+    </cs:fontRef>
+    <cs:spPr>
+      <a:ln w="9525" cap="flat" cmpd="sng" algn="ctr">
+        <a:solidFill>
+          <a:schemeClr val="tx1">
+            <a:lumMod val="65000"/>
+            <a:lumOff val="35000"/>
+          </a:schemeClr>
+        </a:solidFill>
+        <a:round/>
+      </a:ln>
+    </cs:spPr>
+  </cs:errorBar>
+  <cs:floor>
+    <cs:lnRef idx="0"/>
+    <cs:fillRef idx="0"/>
+    <cs:effectRef idx="0"/>
+    <cs:fontRef idx="minor">
+      <a:schemeClr val="tx1"/>
+    </cs:fontRef>
+    <cs:spPr>
+      <a:noFill/>
+      <a:ln>
+        <a:noFill/>
+      </a:ln>
+    </cs:spPr>
+  </cs:floor>
+  <cs:gridlineMajor>
+    <cs:lnRef idx="0"/>
+    <cs:fillRef idx="0"/>
+    <cs:effectRef idx="0"/>
+    <cs:fontRef idx="minor">
+      <a:schemeClr val="tx1"/>
+    </cs:fontRef>
+    <cs:spPr>
+      <a:ln w="9525" cap="flat" cmpd="sng" algn="ctr">
+        <a:solidFill>
+          <a:schemeClr val="tx1">
+            <a:lumMod val="15000"/>
+            <a:lumOff val="85000"/>
+          </a:schemeClr>
+        </a:solidFill>
+        <a:round/>
+      </a:ln>
+    </cs:spPr>
+  </cs:gridlineMajor>
+  <cs:gridlineMinor>
+    <cs:lnRef idx="0"/>
+    <cs:fillRef idx="0"/>
+    <cs:effectRef idx="0"/>
+    <cs:fontRef idx="minor">
+      <a:schemeClr val="tx1"/>
+    </cs:fontRef>
+    <cs:spPr>
+      <a:ln w="9525" cap="flat" cmpd="sng" algn="ctr">
+        <a:solidFill>
+          <a:schemeClr val="tx1">
+            <a:lumMod val="5000"/>
+            <a:lumOff val="95000"/>
+          </a:schemeClr>
+        </a:solidFill>
+        <a:round/>
+      </a:ln>
+    </cs:spPr>
+  </cs:gridlineMinor>
+  <cs:hiLoLine>
+    <cs:lnRef idx="0"/>
+    <cs:fillRef idx="0"/>
+    <cs:effectRef idx="0"/>
+    <cs:fontRef idx="minor">
+      <a:schemeClr val="tx1"/>
+    </cs:fontRef>
+    <cs:spPr>
+      <a:ln w="9525" cap="flat" cmpd="sng" algn="ctr">
+        <a:solidFill>
+          <a:schemeClr val="tx1">
+            <a:lumMod val="75000"/>
+            <a:lumOff val="25000"/>
+          </a:schemeClr>
+        </a:solidFill>
+        <a:round/>
+      </a:ln>
+    </cs:spPr>
+  </cs:hiLoLine>
+  <cs:leaderLine>
+    <cs:lnRef idx="0"/>
+    <cs:fillRef idx="0"/>
+    <cs:effectRef idx="0"/>
+    <cs:fontRef idx="minor">
+      <a:schemeClr val="tx1"/>
+    </cs:fontRef>
+    <cs:spPr>
+      <a:ln w="9525" cap="flat" cmpd="sng" algn="ctr">
+        <a:solidFill>
+          <a:schemeClr val="tx1">
+            <a:lumMod val="35000"/>
+            <a:lumOff val="65000"/>
+          </a:schemeClr>
+        </a:solidFill>
+        <a:round/>
+      </a:ln>
+    </cs:spPr>
+  </cs:leaderLine>
+  <cs:legend>
+    <cs:lnRef idx="0"/>
+    <cs:fillRef idx="0"/>
+    <cs:effectRef idx="0"/>
+    <cs:fontRef idx="minor">
+      <a:schemeClr val="tx1">
+        <a:lumMod val="65000"/>
+        <a:lumOff val="35000"/>
+      </a:schemeClr>
+    </cs:fontRef>
+    <cs:defRPr sz="900" kern="1200"/>
+  </cs:legend>
+  <cs:plotArea mods="allowNoFillOverride allowNoLineOverride">
+    <cs:lnRef idx="0"/>
+    <cs:fillRef idx="0"/>
+    <cs:effectRef idx="0"/>
+    <cs:fontRef idx="minor">
+      <a:schemeClr val="tx1"/>
+    </cs:fontRef>
+  </cs:plotArea>
+  <cs:plotArea3D mods="allowNoFillOverride allowNoLineOverride">
+    <cs:lnRef idx="0"/>
+    <cs:fillRef idx="0"/>
+    <cs:effectRef idx="0"/>
+    <cs:fontRef idx="minor">
+      <a:schemeClr val="tx1"/>
+    </cs:fontRef>
+  </cs:plotArea3D>
+  <cs:seriesAxis>
+    <cs:lnRef idx="0"/>
+    <cs:fillRef idx="0"/>
+    <cs:effectRef idx="0"/>
+    <cs:fontRef idx="minor">
+      <a:schemeClr val="tx1">
+        <a:lumMod val="65000"/>
+        <a:lumOff val="35000"/>
+      </a:schemeClr>
+    </cs:fontRef>
+    <cs:defRPr sz="900" kern="1200"/>
+  </cs:seriesAxis>
+  <cs:seriesLine>
+    <cs:lnRef idx="0"/>
+    <cs:fillRef idx="0"/>
+    <cs:effectRef idx="0"/>
+    <cs:fontRef idx="minor">
+      <a:schemeClr val="tx1"/>
+    </cs:fontRef>
+    <cs:spPr>
+      <a:ln w="9525" cap="flat" cmpd="sng" algn="ctr">
+        <a:solidFill>
+          <a:schemeClr val="tx1">
+            <a:lumMod val="35000"/>
+            <a:lumOff val="65000"/>
+          </a:schemeClr>
+        </a:solidFill>
+        <a:round/>
+      </a:ln>
+    </cs:spPr>
+  </cs:seriesLine>
+  <cs:title>
+    <cs:lnRef idx="0"/>
+    <cs:fillRef idx="0"/>
+    <cs:effectRef idx="0"/>
+    <cs:fontRef idx="minor">
+      <a:schemeClr val="tx1">
+        <a:lumMod val="65000"/>
+        <a:lumOff val="35000"/>
+      </a:schemeClr>
+    </cs:fontRef>
+    <cs:defRPr sz="1400" b="0" kern="1200" spc="0" baseline="0"/>
+  </cs:title>
+  <cs:trendline>
+    <cs:lnRef idx="0">
+      <cs:styleClr val="auto"/>
+    </cs:lnRef>
+    <cs:fillRef idx="0"/>
+    <cs:effectRef idx="0"/>
+    <cs:fontRef idx="minor">
+      <a:schemeClr val="tx1"/>
+    </cs:fontRef>
+    <cs:spPr>
+      <a:ln w="19050" cap="rnd">
+        <a:solidFill>
+          <a:schemeClr val="phClr"/>
+        </a:solidFill>
+        <a:prstDash val="sysDot"/>
+      </a:ln>
+    </cs:spPr>
+  </cs:trendline>
+  <cs:trendlineLabel>
+    <cs:lnRef idx="0"/>
+    <cs:fillRef idx="0"/>
+    <cs:effectRef idx="0"/>
+    <cs:fontRef idx="minor">
+      <a:schemeClr val="tx1">
+        <a:lumMod val="65000"/>
+        <a:lumOff val="35000"/>
+      </a:schemeClr>
+    </cs:fontRef>
+    <cs:defRPr sz="900" kern="1200"/>
+  </cs:trendlineLabel>
+  <cs:upBar>
+    <cs:lnRef idx="0"/>
+    <cs:fillRef idx="0"/>
+    <cs:effectRef idx="0"/>
+    <cs:fontRef idx="minor">
+      <a:schemeClr val="dk1"/>
+    </cs:fontRef>
+    <cs:spPr>
+      <a:solidFill>
+        <a:schemeClr val="lt1"/>
+      </a:solidFill>
+      <a:ln w="9525">
+        <a:solidFill>
+          <a:schemeClr val="tx1">
+            <a:lumMod val="15000"/>
+            <a:lumOff val="85000"/>
+          </a:schemeClr>
+        </a:solidFill>
+      </a:ln>
+    </cs:spPr>
+  </cs:upBar>
+  <cs:valueAxis>
+    <cs:lnRef idx="0"/>
+    <cs:fillRef idx="0"/>
+    <cs:effectRef idx="0"/>
+    <cs:fontRef idx="minor">
+      <a:schemeClr val="tx1">
+        <a:lumMod val="65000"/>
+        <a:lumOff val="35000"/>
+      </a:schemeClr>
+    </cs:fontRef>
+    <cs:defRPr sz="900" kern="1200"/>
+  </cs:valueAxis>
+  <cs:wall>
+    <cs:lnRef idx="0"/>
+    <cs:fillRef idx="0"/>
+    <cs:effectRef idx="0"/>
+    <cs:fontRef idx="minor">
+      <a:schemeClr val="tx1"/>
+    </cs:fontRef>
+    <cs:spPr>
+      <a:noFill/>
+      <a:ln>
+        <a:noFill/>
+      </a:ln>
+    </cs:spPr>
+  </cs:wall>
+</cs:chartStyle>
+</file>
+
+<file path=ppt/charts/style2.xml><?xml version="1.0" encoding="utf-8"?>
+<cs:chartStyle xmlns:cs="http://schemas.microsoft.com/office/drawing/2012/chartStyle" xmlns:a="http://schemas.openxmlformats.org/drawingml/2006/main" id="201">
+  <cs:axisTitle>
+    <cs:lnRef idx="0"/>
+    <cs:fillRef idx="0"/>
+    <cs:effectRef idx="0"/>
+    <cs:fontRef idx="minor">
+      <a:schemeClr val="tx1">
+        <a:lumMod val="65000"/>
+        <a:lumOff val="35000"/>
+      </a:schemeClr>
+    </cs:fontRef>
+    <cs:defRPr sz="1000" kern="1200"/>
+  </cs:axisTitle>
+  <cs:categoryAxis>
+    <cs:lnRef idx="0"/>
+    <cs:fillRef idx="0"/>
+    <cs:effectRef idx="0"/>
+    <cs:fontRef idx="minor">
+      <a:schemeClr val="tx1">
+        <a:lumMod val="65000"/>
+        <a:lumOff val="35000"/>
+      </a:schemeClr>
+    </cs:fontRef>
+    <cs:spPr>
+      <a:ln w="9525" cap="flat" cmpd="sng" algn="ctr">
+        <a:solidFill>
+          <a:schemeClr val="tx1">
+            <a:lumMod val="15000"/>
+            <a:lumOff val="85000"/>
+          </a:schemeClr>
+        </a:solidFill>
+        <a:round/>
+      </a:ln>
+    </cs:spPr>
+    <cs:defRPr sz="900" kern="1200"/>
+  </cs:categoryAxis>
+  <cs:chartArea mods="allowNoFillOverride allowNoLineOverride">
+    <cs:lnRef idx="0"/>
+    <cs:fillRef idx="0"/>
+    <cs:effectRef idx="0"/>
+    <cs:fontRef idx="minor">
+      <a:schemeClr val="tx1"/>
+    </cs:fontRef>
+    <cs:spPr>
+      <a:solidFill>
+        <a:schemeClr val="bg1"/>
+      </a:solidFill>
+      <a:ln w="9525" cap="flat" cmpd="sng" algn="ctr">
+        <a:solidFill>
+          <a:schemeClr val="tx1">
+            <a:lumMod val="15000"/>
+            <a:lumOff val="85000"/>
+          </a:schemeClr>
+        </a:solidFill>
+        <a:round/>
+      </a:ln>
+    </cs:spPr>
+    <cs:defRPr sz="1000" kern="1200"/>
+  </cs:chartArea>
+  <cs:dataLabel>
+    <cs:lnRef idx="0"/>
+    <cs:fillRef idx="0"/>
+    <cs:effectRef idx="0"/>
+    <cs:fontRef idx="minor">
+      <a:schemeClr val="tx1">
+        <a:lumMod val="75000"/>
+        <a:lumOff val="25000"/>
+      </a:schemeClr>
+    </cs:fontRef>
+    <cs:defRPr sz="900" kern="1200"/>
+  </cs:dataLabel>
+  <cs:dataLabelCallout>
+    <cs:lnRef idx="0"/>
+    <cs:fillRef idx="0"/>
+    <cs:effectRef idx="0"/>
+    <cs:fontRef idx="minor">
+      <a:schemeClr val="dk1">
+        <a:lumMod val="65000"/>
+        <a:lumOff val="35000"/>
+      </a:schemeClr>
+    </cs:fontRef>
+    <cs:spPr>
+      <a:solidFill>
+        <a:schemeClr val="lt1"/>
+      </a:solidFill>
+      <a:ln>
+        <a:solidFill>
+          <a:schemeClr val="dk1">
+            <a:lumMod val="25000"/>
+            <a:lumOff val="75000"/>
+          </a:schemeClr>
+        </a:solidFill>
+      </a:ln>
+    </cs:spPr>
+    <cs:defRPr sz="900" kern="1200"/>
+    <cs:bodyPr rot="0" spcFirstLastPara="1" vertOverflow="clip" horzOverflow="clip" vert="horz" wrap="square" lIns="36576" tIns="18288" rIns="36576" bIns="18288" anchor="ctr" anchorCtr="1">
+      <a:spAutoFit/>
+    </cs:bodyPr>
+  </cs:dataLabelCallout>
+  <cs:dataPoint>
+    <cs:lnRef idx="0"/>
+    <cs:fillRef idx="1">
+      <cs:styleClr val="auto"/>
+    </cs:fillRef>
+    <cs:effectRef idx="0"/>
+    <cs:fontRef idx="minor">
+      <a:schemeClr val="tx1"/>
+    </cs:fontRef>
+  </cs:dataPoint>
+  <cs:dataPoint3D>
+    <cs:lnRef idx="0"/>
+    <cs:fillRef idx="1">
+      <cs:styleClr val="auto"/>
+    </cs:fillRef>
+    <cs:effectRef idx="0"/>
+    <cs:fontRef idx="minor">
+      <a:schemeClr val="tx1"/>
+    </cs:fontRef>
+  </cs:dataPoint3D>
+  <cs:dataPointLine>
+    <cs:lnRef idx="0">
+      <cs:styleClr val="auto"/>
+    </cs:lnRef>
+    <cs:fillRef idx="1"/>
+    <cs:effectRef idx="0"/>
+    <cs:fontRef idx="minor">
+      <a:schemeClr val="tx1"/>
+    </cs:fontRef>
+    <cs:spPr>
+      <a:ln w="28575" cap="rnd">
+        <a:solidFill>
+          <a:schemeClr val="phClr"/>
+        </a:solidFill>
+        <a:round/>
+      </a:ln>
+    </cs:spPr>
+  </cs:dataPointLine>
+  <cs:dataPointMarker>
+    <cs:lnRef idx="0">
+      <cs:styleClr val="auto"/>
+    </cs:lnRef>
+    <cs:fillRef idx="1">
+      <cs:styleClr val="auto"/>
+    </cs:fillRef>
+    <cs:effectRef idx="0"/>
+    <cs:fontRef idx="minor">
+      <a:schemeClr val="tx1"/>
+    </cs:fontRef>
+    <cs:spPr>
+      <a:ln w="9525">
+        <a:solidFill>
+          <a:schemeClr val="phClr"/>
+        </a:solidFill>
+      </a:ln>
+    </cs:spPr>
+  </cs:dataPointMarker>
+  <cs:dataPointMarkerLayout symbol="circle" size="5"/>
+  <cs:dataPointWireframe>
+    <cs:lnRef idx="0">
+      <cs:styleClr val="auto"/>
+    </cs:lnRef>
+    <cs:fillRef idx="1"/>
+    <cs:effectRef idx="0"/>
+    <cs:fontRef idx="minor">
+      <a:schemeClr val="tx1"/>
+    </cs:fontRef>
+    <cs:spPr>
+      <a:ln w="9525" cap="rnd">
+        <a:solidFill>
+          <a:schemeClr val="phClr"/>
+        </a:solidFill>
+        <a:round/>
+      </a:ln>
+    </cs:spPr>
+  </cs:dataPointWireframe>
+  <cs:dataTable>
+    <cs:lnRef idx="0"/>
+    <cs:fillRef idx="0"/>
+    <cs:effectRef idx="0"/>
+    <cs:fontRef idx="minor">
+      <a:schemeClr val="tx1">
+        <a:lumMod val="65000"/>
+        <a:lumOff val="35000"/>
+      </a:schemeClr>
+    </cs:fontRef>
+    <cs:spPr>
+      <a:noFill/>
+      <a:ln w="9525" cap="flat" cmpd="sng" algn="ctr">
+        <a:solidFill>
+          <a:schemeClr val="tx1">
+            <a:lumMod val="15000"/>
+            <a:lumOff val="85000"/>
+          </a:schemeClr>
+        </a:solidFill>
+        <a:round/>
+      </a:ln>
+    </cs:spPr>
+    <cs:defRPr sz="900" kern="1200"/>
+  </cs:dataTable>
+  <cs:downBar>
+    <cs:lnRef idx="0"/>
+    <cs:fillRef idx="0"/>
+    <cs:effectRef idx="0"/>
+    <cs:fontRef idx="minor">
+      <a:schemeClr val="dk1"/>
+    </cs:fontRef>
+    <cs:spPr>
+      <a:solidFill>
+        <a:schemeClr val="dk1">
+          <a:lumMod val="65000"/>
+          <a:lumOff val="35000"/>
+        </a:schemeClr>
+      </a:solidFill>
+      <a:ln w="9525">
+        <a:solidFill>
+          <a:schemeClr val="tx1">
+            <a:lumMod val="65000"/>
+            <a:lumOff val="35000"/>
+          </a:schemeClr>
+        </a:solidFill>
+      </a:ln>
+    </cs:spPr>
+  </cs:downBar>
+  <cs:dropLine>
+    <cs:lnRef idx="0"/>
+    <cs:fillRef idx="0"/>
+    <cs:effectRef idx="0"/>
+    <cs:fontRef idx="minor">
+      <a:schemeClr val="tx1"/>
+    </cs:fontRef>
+    <cs:spPr>
+      <a:ln w="9525" cap="flat" cmpd="sng" algn="ctr">
+        <a:solidFill>
+          <a:schemeClr val="tx1">
+            <a:lumMod val="35000"/>
+            <a:lumOff val="65000"/>
+          </a:schemeClr>
+        </a:solidFill>
+        <a:round/>
+      </a:ln>
+    </cs:spPr>
+  </cs:dropLine>
+  <cs:errorBar>
+    <cs:lnRef idx="0"/>
+    <cs:fillRef idx="0"/>
+    <cs:effectRef idx="0"/>
+    <cs:fontRef idx="minor">
+      <a:schemeClr val="tx1"/>
+    </cs:fontRef>
+    <cs:spPr>
+      <a:ln w="9525" cap="flat" cmpd="sng" algn="ctr">
+        <a:solidFill>
+          <a:schemeClr val="tx1">
+            <a:lumMod val="65000"/>
+            <a:lumOff val="35000"/>
+          </a:schemeClr>
+        </a:solidFill>
+        <a:round/>
+      </a:ln>
+    </cs:spPr>
+  </cs:errorBar>
+  <cs:floor>
+    <cs:lnRef idx="0"/>
+    <cs:fillRef idx="0"/>
+    <cs:effectRef idx="0"/>
+    <cs:fontRef idx="minor">
+      <a:schemeClr val="tx1"/>
+    </cs:fontRef>
+    <cs:spPr>
+      <a:noFill/>
+      <a:ln>
+        <a:noFill/>
+      </a:ln>
+    </cs:spPr>
+  </cs:floor>
+  <cs:gridlineMajor>
+    <cs:lnRef idx="0"/>
+    <cs:fillRef idx="0"/>
+    <cs:effectRef idx="0"/>
+    <cs:fontRef idx="minor">
+      <a:schemeClr val="tx1"/>
+    </cs:fontRef>
+    <cs:spPr>
+      <a:ln w="9525" cap="flat" cmpd="sng" algn="ctr">
+        <a:solidFill>
+          <a:schemeClr val="tx1">
+            <a:lumMod val="15000"/>
+            <a:lumOff val="85000"/>
+          </a:schemeClr>
+        </a:solidFill>
+        <a:round/>
+      </a:ln>
+    </cs:spPr>
+  </cs:gridlineMajor>
+  <cs:gridlineMinor>
+    <cs:lnRef idx="0"/>
+    <cs:fillRef idx="0"/>
+    <cs:effectRef idx="0"/>
+    <cs:fontRef idx="minor">
+      <a:schemeClr val="tx1"/>
+    </cs:fontRef>
+    <cs:spPr>
+      <a:ln w="9525" cap="flat" cmpd="sng" algn="ctr">
+        <a:solidFill>
+          <a:schemeClr val="tx1">
+            <a:lumMod val="5000"/>
+            <a:lumOff val="95000"/>
+          </a:schemeClr>
+        </a:solidFill>
+        <a:round/>
+      </a:ln>
+    </cs:spPr>
+  </cs:gridlineMinor>
+  <cs:hiLoLine>
+    <cs:lnRef idx="0"/>
+    <cs:fillRef idx="0"/>
+    <cs:effectRef idx="0"/>
+    <cs:fontRef idx="minor">
+      <a:schemeClr val="tx1"/>
+    </cs:fontRef>
+    <cs:spPr>
+      <a:ln w="9525" cap="flat" cmpd="sng" algn="ctr">
+        <a:solidFill>
+          <a:schemeClr val="tx1">
+            <a:lumMod val="75000"/>
+            <a:lumOff val="25000"/>
+          </a:schemeClr>
+        </a:solidFill>
+        <a:round/>
+      </a:ln>
+    </cs:spPr>
+  </cs:hiLoLine>
+  <cs:leaderLine>
+    <cs:lnRef idx="0"/>
+    <cs:fillRef idx="0"/>
+    <cs:effectRef idx="0"/>
+    <cs:fontRef idx="minor">
+      <a:schemeClr val="tx1"/>
+    </cs:fontRef>
+    <cs:spPr>
+      <a:ln w="9525" cap="flat" cmpd="sng" algn="ctr">
+        <a:solidFill>
+          <a:schemeClr val="tx1">
+            <a:lumMod val="35000"/>
+            <a:lumOff val="65000"/>
+          </a:schemeClr>
+        </a:solidFill>
+        <a:round/>
+      </a:ln>
+    </cs:spPr>
+  </cs:leaderLine>
+  <cs:legend>
+    <cs:lnRef idx="0"/>
+    <cs:fillRef idx="0"/>
+    <cs:effectRef idx="0"/>
+    <cs:fontRef idx="minor">
+      <a:schemeClr val="tx1">
+        <a:lumMod val="65000"/>
+        <a:lumOff val="35000"/>
+      </a:schemeClr>
+    </cs:fontRef>
+    <cs:defRPr sz="900" kern="1200"/>
+  </cs:legend>
+  <cs:plotArea mods="allowNoFillOverride allowNoLineOverride">
+    <cs:lnRef idx="0"/>
+    <cs:fillRef idx="0"/>
+    <cs:effectRef idx="0"/>
+    <cs:fontRef idx="minor">
+      <a:schemeClr val="tx1"/>
+    </cs:fontRef>
+  </cs:plotArea>
+  <cs:plotArea3D mods="allowNoFillOverride allowNoLineOverride">
+    <cs:lnRef idx="0"/>
+    <cs:fillRef idx="0"/>
+    <cs:effectRef idx="0"/>
+    <cs:fontRef idx="minor">
+      <a:schemeClr val="tx1"/>
+    </cs:fontRef>
+  </cs:plotArea3D>
+  <cs:seriesAxis>
+    <cs:lnRef idx="0"/>
+    <cs:fillRef idx="0"/>
+    <cs:effectRef idx="0"/>
+    <cs:fontRef idx="minor">
+      <a:schemeClr val="tx1">
+        <a:lumMod val="65000"/>
+        <a:lumOff val="35000"/>
+      </a:schemeClr>
+    </cs:fontRef>
+    <cs:defRPr sz="900" kern="1200"/>
+  </cs:seriesAxis>
+  <cs:seriesLine>
+    <cs:lnRef idx="0"/>
+    <cs:fillRef idx="0"/>
+    <cs:effectRef idx="0"/>
+    <cs:fontRef idx="minor">
+      <a:schemeClr val="tx1"/>
+    </cs:fontRef>
+    <cs:spPr>
+      <a:ln w="9525" cap="flat" cmpd="sng" algn="ctr">
+        <a:solidFill>
+          <a:schemeClr val="tx1">
+            <a:lumMod val="35000"/>
+            <a:lumOff val="65000"/>
+          </a:schemeClr>
+        </a:solidFill>
+        <a:round/>
+      </a:ln>
+    </cs:spPr>
+  </cs:seriesLine>
+  <cs:title>
+    <cs:lnRef idx="0"/>
+    <cs:fillRef idx="0"/>
+    <cs:effectRef idx="0"/>
+    <cs:fontRef idx="minor">
+      <a:schemeClr val="tx1">
+        <a:lumMod val="65000"/>
+        <a:lumOff val="35000"/>
+      </a:schemeClr>
+    </cs:fontRef>
+    <cs:defRPr sz="1400" b="0" kern="1200" spc="0" baseline="0"/>
+  </cs:title>
+  <cs:trendline>
+    <cs:lnRef idx="0">
+      <cs:styleClr val="auto"/>
+    </cs:lnRef>
+    <cs:fillRef idx="0"/>
+    <cs:effectRef idx="0"/>
+    <cs:fontRef idx="minor">
+      <a:schemeClr val="tx1"/>
+    </cs:fontRef>
+    <cs:spPr>
+      <a:ln w="19050" cap="rnd">
+        <a:solidFill>
+          <a:schemeClr val="phClr"/>
+        </a:solidFill>
+        <a:prstDash val="sysDot"/>
+      </a:ln>
+    </cs:spPr>
+  </cs:trendline>
+  <cs:trendlineLabel>
+    <cs:lnRef idx="0"/>
+    <cs:fillRef idx="0"/>
+    <cs:effectRef idx="0"/>
+    <cs:fontRef idx="minor">
+      <a:schemeClr val="tx1">
+        <a:lumMod val="65000"/>
+        <a:lumOff val="35000"/>
+      </a:schemeClr>
+    </cs:fontRef>
+    <cs:defRPr sz="900" kern="1200"/>
+  </cs:trendlineLabel>
+  <cs:upBar>
+    <cs:lnRef idx="0"/>
+    <cs:fillRef idx="0"/>
+    <cs:effectRef idx="0"/>
+    <cs:fontRef idx="minor">
+      <a:schemeClr val="dk1"/>
+    </cs:fontRef>
+    <cs:spPr>
+      <a:solidFill>
+        <a:schemeClr val="lt1"/>
+      </a:solidFill>
+      <a:ln w="9525">
+        <a:solidFill>
+          <a:schemeClr val="tx1">
+            <a:lumMod val="15000"/>
+            <a:lumOff val="85000"/>
+          </a:schemeClr>
+        </a:solidFill>
+      </a:ln>
+    </cs:spPr>
+  </cs:upBar>
+  <cs:valueAxis>
+    <cs:lnRef idx="0"/>
+    <cs:fillRef idx="0"/>
+    <cs:effectRef idx="0"/>
+    <cs:fontRef idx="minor">
+      <a:schemeClr val="tx1">
+        <a:lumMod val="65000"/>
+        <a:lumOff val="35000"/>
+      </a:schemeClr>
+    </cs:fontRef>
+    <cs:defRPr sz="900" kern="1200"/>
+  </cs:valueAxis>
+  <cs:wall>
+    <cs:lnRef idx="0"/>
+    <cs:fillRef idx="0"/>
+    <cs:effectRef idx="0"/>
+    <cs:fontRef idx="minor">
+      <a:schemeClr val="tx1"/>
+    </cs:fontRef>
+    <cs:spPr>
+      <a:noFill/>
+      <a:ln>
+        <a:noFill/>
+      </a:ln>
+    </cs:spPr>
+  </cs:wall>
+</cs:chartStyle>
+</file>
+
+<file path=ppt/charts/style3.xml><?xml version="1.0" encoding="utf-8"?>
+<cs:chartStyle xmlns:cs="http://schemas.microsoft.com/office/drawing/2012/chartStyle" xmlns:a="http://schemas.openxmlformats.org/drawingml/2006/main" id="201">
+  <cs:axisTitle>
+    <cs:lnRef idx="0"/>
+    <cs:fillRef idx="0"/>
+    <cs:effectRef idx="0"/>
+    <cs:fontRef idx="minor">
+      <a:schemeClr val="tx1">
+        <a:lumMod val="65000"/>
+        <a:lumOff val="35000"/>
+      </a:schemeClr>
+    </cs:fontRef>
+    <cs:defRPr sz="1000" kern="1200"/>
+  </cs:axisTitle>
+  <cs:categoryAxis>
+    <cs:lnRef idx="0"/>
+    <cs:fillRef idx="0"/>
+    <cs:effectRef idx="0"/>
+    <cs:fontRef idx="minor">
+      <a:schemeClr val="tx1">
+        <a:lumMod val="65000"/>
+        <a:lumOff val="35000"/>
+      </a:schemeClr>
+    </cs:fontRef>
+    <cs:spPr>
+      <a:ln w="9525" cap="flat" cmpd="sng" algn="ctr">
+        <a:solidFill>
+          <a:schemeClr val="tx1">
+            <a:lumMod val="15000"/>
+            <a:lumOff val="85000"/>
+          </a:schemeClr>
+        </a:solidFill>
+        <a:round/>
+      </a:ln>
+    </cs:spPr>
+    <cs:defRPr sz="900" kern="1200"/>
+  </cs:categoryAxis>
+  <cs:chartArea mods="allowNoFillOverride allowNoLineOverride">
+    <cs:lnRef idx="0"/>
+    <cs:fillRef idx="0"/>
+    <cs:effectRef idx="0"/>
+    <cs:fontRef idx="minor">
+      <a:schemeClr val="tx1"/>
+    </cs:fontRef>
+    <cs:spPr>
+      <a:solidFill>
+        <a:schemeClr val="bg1"/>
+      </a:solidFill>
+      <a:ln w="9525" cap="flat" cmpd="sng" algn="ctr">
+        <a:solidFill>
+          <a:schemeClr val="tx1">
+            <a:lumMod val="15000"/>
+            <a:lumOff val="85000"/>
+          </a:schemeClr>
+        </a:solidFill>
+        <a:round/>
+      </a:ln>
+    </cs:spPr>
+    <cs:defRPr sz="1000" kern="1200"/>
+  </cs:chartArea>
+  <cs:dataLabel>
+    <cs:lnRef idx="0"/>
+    <cs:fillRef idx="0"/>
+    <cs:effectRef idx="0"/>
+    <cs:fontRef idx="minor">
+      <a:schemeClr val="tx1">
+        <a:lumMod val="75000"/>
+        <a:lumOff val="25000"/>
+      </a:schemeClr>
+    </cs:fontRef>
+    <cs:defRPr sz="900" kern="1200"/>
+  </cs:dataLabel>
+  <cs:dataLabelCallout>
+    <cs:lnRef idx="0"/>
+    <cs:fillRef idx="0"/>
+    <cs:effectRef idx="0"/>
+    <cs:fontRef idx="minor">
+      <a:schemeClr val="dk1">
+        <a:lumMod val="65000"/>
+        <a:lumOff val="35000"/>
+      </a:schemeClr>
+    </cs:fontRef>
+    <cs:spPr>
+      <a:solidFill>
+        <a:schemeClr val="lt1"/>
+      </a:solidFill>
+      <a:ln>
+        <a:solidFill>
+          <a:schemeClr val="dk1">
+            <a:lumMod val="25000"/>
+            <a:lumOff val="75000"/>
+          </a:schemeClr>
+        </a:solidFill>
+      </a:ln>
+    </cs:spPr>
+    <cs:defRPr sz="900" kern="1200"/>
+    <cs:bodyPr rot="0" spcFirstLastPara="1" vertOverflow="clip" horzOverflow="clip" vert="horz" wrap="square" lIns="36576" tIns="18288" rIns="36576" bIns="18288" anchor="ctr" anchorCtr="1">
+      <a:spAutoFit/>
+    </cs:bodyPr>
+  </cs:dataLabelCallout>
+  <cs:dataPoint>
+    <cs:lnRef idx="0"/>
+    <cs:fillRef idx="1">
+      <cs:styleClr val="auto"/>
+    </cs:fillRef>
+    <cs:effectRef idx="0"/>
+    <cs:fontRef idx="minor">
+      <a:schemeClr val="tx1"/>
+    </cs:fontRef>
+  </cs:dataPoint>
+  <cs:dataPoint3D>
+    <cs:lnRef idx="0"/>
+    <cs:fillRef idx="1">
+      <cs:styleClr val="auto"/>
+    </cs:fillRef>
+    <cs:effectRef idx="0"/>
+    <cs:fontRef idx="minor">
+      <a:schemeClr val="tx1"/>
+    </cs:fontRef>
+  </cs:dataPoint3D>
+  <cs:dataPointLine>
+    <cs:lnRef idx="0">
+      <cs:styleClr val="auto"/>
+    </cs:lnRef>
+    <cs:fillRef idx="1"/>
+    <cs:effectRef idx="0"/>
+    <cs:fontRef idx="minor">
+      <a:schemeClr val="tx1"/>
+    </cs:fontRef>
+    <cs:spPr>
+      <a:ln w="28575" cap="rnd">
+        <a:solidFill>
+          <a:schemeClr val="phClr"/>
+        </a:solidFill>
+        <a:round/>
+      </a:ln>
+    </cs:spPr>
+  </cs:dataPointLine>
+  <cs:dataPointMarker>
+    <cs:lnRef idx="0">
+      <cs:styleClr val="auto"/>
+    </cs:lnRef>
+    <cs:fillRef idx="1">
+      <cs:styleClr val="auto"/>
+    </cs:fillRef>
+    <cs:effectRef idx="0"/>
+    <cs:fontRef idx="minor">
+      <a:schemeClr val="tx1"/>
+    </cs:fontRef>
+    <cs:spPr>
+      <a:ln w="9525">
+        <a:solidFill>
+          <a:schemeClr val="phClr"/>
+        </a:solidFill>
+      </a:ln>
+    </cs:spPr>
+  </cs:dataPointMarker>
+  <cs:dataPointMarkerLayout symbol="circle" size="5"/>
+  <cs:dataPointWireframe>
+    <cs:lnRef idx="0">
+      <cs:styleClr val="auto"/>
+    </cs:lnRef>
+    <cs:fillRef idx="1"/>
+    <cs:effectRef idx="0"/>
+    <cs:fontRef idx="minor">
+      <a:schemeClr val="tx1"/>
+    </cs:fontRef>
+    <cs:spPr>
+      <a:ln w="9525" cap="rnd">
+        <a:solidFill>
+          <a:schemeClr val="phClr"/>
+        </a:solidFill>
+        <a:round/>
+      </a:ln>
+    </cs:spPr>
+  </cs:dataPointWireframe>
+  <cs:dataTable>
+    <cs:lnRef idx="0"/>
+    <cs:fillRef idx="0"/>
+    <cs:effectRef idx="0"/>
+    <cs:fontRef idx="minor">
+      <a:schemeClr val="tx1">
+        <a:lumMod val="65000"/>
+        <a:lumOff val="35000"/>
+      </a:schemeClr>
+    </cs:fontRef>
+    <cs:spPr>
+      <a:noFill/>
+      <a:ln w="9525" cap="flat" cmpd="sng" algn="ctr">
+        <a:solidFill>
+          <a:schemeClr val="tx1">
+            <a:lumMod val="15000"/>
+            <a:lumOff val="85000"/>
+          </a:schemeClr>
+        </a:solidFill>
+        <a:round/>
+      </a:ln>
+    </cs:spPr>
+    <cs:defRPr sz="900" kern="1200"/>
+  </cs:dataTable>
+  <cs:downBar>
+    <cs:lnRef idx="0"/>
+    <cs:fillRef idx="0"/>
+    <cs:effectRef idx="0"/>
+    <cs:fontRef idx="minor">
+      <a:schemeClr val="dk1"/>
+    </cs:fontRef>
+    <cs:spPr>
+      <a:solidFill>
+        <a:schemeClr val="dk1">
+          <a:lumMod val="65000"/>
+          <a:lumOff val="35000"/>
+        </a:schemeClr>
+      </a:solidFill>
+      <a:ln w="9525">
+        <a:solidFill>
+          <a:schemeClr val="tx1">
+            <a:lumMod val="65000"/>
+            <a:lumOff val="35000"/>
+          </a:schemeClr>
+        </a:solidFill>
+      </a:ln>
+    </cs:spPr>
+  </cs:downBar>
+  <cs:dropLine>
+    <cs:lnRef idx="0"/>
+    <cs:fillRef idx="0"/>
+    <cs:effectRef idx="0"/>
+    <cs:fontRef idx="minor">
+      <a:schemeClr val="tx1"/>
+    </cs:fontRef>
+    <cs:spPr>
+      <a:ln w="9525" cap="flat" cmpd="sng" algn="ctr">
+        <a:solidFill>
+          <a:schemeClr val="tx1">
+            <a:lumMod val="35000"/>
+            <a:lumOff val="65000"/>
+          </a:schemeClr>
+        </a:solidFill>
+        <a:round/>
+      </a:ln>
+    </cs:spPr>
+  </cs:dropLine>
+  <cs:errorBar>
+    <cs:lnRef idx="0"/>
+    <cs:fillRef idx="0"/>
+    <cs:effectRef idx="0"/>
+    <cs:fontRef idx="minor">
+      <a:schemeClr val="tx1"/>
+    </cs:fontRef>
+    <cs:spPr>
+      <a:ln w="9525" cap="flat" cmpd="sng" algn="ctr">
+        <a:solidFill>
+          <a:schemeClr val="tx1">
+            <a:lumMod val="65000"/>
+            <a:lumOff val="35000"/>
+          </a:schemeClr>
+        </a:solidFill>
+        <a:round/>
+      </a:ln>
+    </cs:spPr>
+  </cs:errorBar>
+  <cs:floor>
+    <cs:lnRef idx="0"/>
+    <cs:fillRef idx="0"/>
+    <cs:effectRef idx="0"/>
+    <cs:fontRef idx="minor">
+      <a:schemeClr val="tx1"/>
+    </cs:fontRef>
+    <cs:spPr>
+      <a:noFill/>
+      <a:ln>
+        <a:noFill/>
+      </a:ln>
+    </cs:spPr>
+  </cs:floor>
+  <cs:gridlineMajor>
+    <cs:lnRef idx="0"/>
+    <cs:fillRef idx="0"/>
+    <cs:effectRef idx="0"/>
+    <cs:fontRef idx="minor">
+      <a:schemeClr val="tx1"/>
+    </cs:fontRef>
+    <cs:spPr>
+      <a:ln w="9525" cap="flat" cmpd="sng" algn="ctr">
+        <a:solidFill>
+          <a:schemeClr val="tx1">
+            <a:lumMod val="15000"/>
+            <a:lumOff val="85000"/>
+          </a:schemeClr>
+        </a:solidFill>
+        <a:round/>
+      </a:ln>
+    </cs:spPr>
+  </cs:gridlineMajor>
+  <cs:gridlineMinor>
+    <cs:lnRef idx="0"/>
+    <cs:fillRef idx="0"/>
+    <cs:effectRef idx="0"/>
+    <cs:fontRef idx="minor">
+      <a:schemeClr val="tx1"/>
+    </cs:fontRef>
+    <cs:spPr>
+      <a:ln w="9525" cap="flat" cmpd="sng" algn="ctr">
+        <a:solidFill>
+          <a:schemeClr val="tx1">
+            <a:lumMod val="5000"/>
+            <a:lumOff val="95000"/>
+          </a:schemeClr>
+        </a:solidFill>
+        <a:round/>
+      </a:ln>
+    </cs:spPr>
+  </cs:gridlineMinor>
+  <cs:hiLoLine>
+    <cs:lnRef idx="0"/>
+    <cs:fillRef idx="0"/>
+    <cs:effectRef idx="0"/>
+    <cs:fontRef idx="minor">
+      <a:schemeClr val="tx1"/>
+    </cs:fontRef>
+    <cs:spPr>
+      <a:ln w="9525" cap="flat" cmpd="sng" algn="ctr">
+        <a:solidFill>
+          <a:schemeClr val="tx1">
+            <a:lumMod val="75000"/>
+            <a:lumOff val="25000"/>
+          </a:schemeClr>
+        </a:solidFill>
+        <a:round/>
+      </a:ln>
+    </cs:spPr>
+  </cs:hiLoLine>
+  <cs:leaderLine>
+    <cs:lnRef idx="0"/>
+    <cs:fillRef idx="0"/>
+    <cs:effectRef idx="0"/>
+    <cs:fontRef idx="minor">
+      <a:schemeClr val="tx1"/>
+    </cs:fontRef>
+    <cs:spPr>
+      <a:ln w="9525" cap="flat" cmpd="sng" algn="ctr">
+        <a:solidFill>
+          <a:schemeClr val="tx1">
+            <a:lumMod val="35000"/>
+            <a:lumOff val="65000"/>
+          </a:schemeClr>
+        </a:solidFill>
+        <a:round/>
+      </a:ln>
+    </cs:spPr>
+  </cs:leaderLine>
+  <cs:legend>
+    <cs:lnRef idx="0"/>
+    <cs:fillRef idx="0"/>
+    <cs:effectRef idx="0"/>
+    <cs:fontRef idx="minor">
+      <a:schemeClr val="tx1">
+        <a:lumMod val="65000"/>
+        <a:lumOff val="35000"/>
+      </a:schemeClr>
+    </cs:fontRef>
+    <cs:defRPr sz="900" kern="1200"/>
+  </cs:legend>
+  <cs:plotArea mods="allowNoFillOverride allowNoLineOverride">
+    <cs:lnRef idx="0"/>
+    <cs:fillRef idx="0"/>
+    <cs:effectRef idx="0"/>
+    <cs:fontRef idx="minor">
+      <a:schemeClr val="tx1"/>
+    </cs:fontRef>
+  </cs:plotArea>
+  <cs:plotArea3D mods="allowNoFillOverride allowNoLineOverride">
+    <cs:lnRef idx="0"/>
+    <cs:fillRef idx="0"/>
+    <cs:effectRef idx="0"/>
+    <cs:fontRef idx="minor">
+      <a:schemeClr val="tx1"/>
+    </cs:fontRef>
+  </cs:plotArea3D>
+  <cs:seriesAxis>
+    <cs:lnRef idx="0"/>
+    <cs:fillRef idx="0"/>
+    <cs:effectRef idx="0"/>
+    <cs:fontRef idx="minor">
+      <a:schemeClr val="tx1">
+        <a:lumMod val="65000"/>
+        <a:lumOff val="35000"/>
+      </a:schemeClr>
+    </cs:fontRef>
+    <cs:defRPr sz="900" kern="1200"/>
+  </cs:seriesAxis>
+  <cs:seriesLine>
+    <cs:lnRef idx="0"/>
+    <cs:fillRef idx="0"/>
+    <cs:effectRef idx="0"/>
+    <cs:fontRef idx="minor">
+      <a:schemeClr val="tx1"/>
+    </cs:fontRef>
+    <cs:spPr>
+      <a:ln w="9525" cap="flat" cmpd="sng" algn="ctr">
+        <a:solidFill>
+          <a:schemeClr val="tx1">
+            <a:lumMod val="35000"/>
+            <a:lumOff val="65000"/>
+          </a:schemeClr>
+        </a:solidFill>
+        <a:round/>
+      </a:ln>
+    </cs:spPr>
+  </cs:seriesLine>
+  <cs:title>
+    <cs:lnRef idx="0"/>
+    <cs:fillRef idx="0"/>
+    <cs:effectRef idx="0"/>
+    <cs:fontRef idx="minor">
+      <a:schemeClr val="tx1">
+        <a:lumMod val="65000"/>
+        <a:lumOff val="35000"/>
+      </a:schemeClr>
+    </cs:fontRef>
+    <cs:defRPr sz="1400" b="0" kern="1200" spc="0" baseline="0"/>
+  </cs:title>
+  <cs:trendline>
+    <cs:lnRef idx="0">
+      <cs:styleClr val="auto"/>
+    </cs:lnRef>
+    <cs:fillRef idx="0"/>
+    <cs:effectRef idx="0"/>
+    <cs:fontRef idx="minor">
+      <a:schemeClr val="tx1"/>
+    </cs:fontRef>
+    <cs:spPr>
+      <a:ln w="19050" cap="rnd">
+        <a:solidFill>
+          <a:schemeClr val="phClr"/>
+        </a:solidFill>
+        <a:prstDash val="sysDot"/>
+      </a:ln>
+    </cs:spPr>
+  </cs:trendline>
+  <cs:trendlineLabel>
+    <cs:lnRef idx="0"/>
+    <cs:fillRef idx="0"/>
+    <cs:effectRef idx="0"/>
+    <cs:fontRef idx="minor">
+      <a:schemeClr val="tx1">
+        <a:lumMod val="65000"/>
+        <a:lumOff val="35000"/>
+      </a:schemeClr>
+    </cs:fontRef>
+    <cs:defRPr sz="900" kern="1200"/>
+  </cs:trendlineLabel>
+  <cs:upBar>
+    <cs:lnRef idx="0"/>
+    <cs:fillRef idx="0"/>
+    <cs:effectRef idx="0"/>
+    <cs:fontRef idx="minor">
+      <a:schemeClr val="dk1"/>
+    </cs:fontRef>
+    <cs:spPr>
+      <a:solidFill>
+        <a:schemeClr val="lt1"/>
+      </a:solidFill>
+      <a:ln w="9525">
+        <a:solidFill>
+          <a:schemeClr val="tx1">
+            <a:lumMod val="15000"/>
+            <a:lumOff val="85000"/>
+          </a:schemeClr>
+        </a:solidFill>
+      </a:ln>
+    </cs:spPr>
+  </cs:upBar>
+  <cs:valueAxis>
+    <cs:lnRef idx="0"/>
+    <cs:fillRef idx="0"/>
+    <cs:effectRef idx="0"/>
+    <cs:fontRef idx="minor">
+      <a:schemeClr val="tx1">
+        <a:lumMod val="65000"/>
+        <a:lumOff val="35000"/>
+      </a:schemeClr>
+    </cs:fontRef>
+    <cs:defRPr sz="900" kern="1200"/>
+  </cs:valueAxis>
+  <cs:wall>
+    <cs:lnRef idx="0"/>
+    <cs:fillRef idx="0"/>
+    <cs:effectRef idx="0"/>
+    <cs:fontRef idx="minor">
+      <a:schemeClr val="tx1"/>
+    </cs:fontRef>
+    <cs:spPr>
+      <a:noFill/>
+      <a:ln>
+        <a:noFill/>
+      </a:ln>
+    </cs:spPr>
+  </cs:wall>
+</cs:chartStyle>
+</file>
+
 <file path=ppt/notesMasters/notesMaster1.xml><?xml version="1.0" encoding="utf-8"?>
 <p:notesMaster xmlns:a="http://schemas.openxmlformats.org/drawingml/2006/main" xmlns:r="http://schemas.openxmlformats.org/officeDocument/2006/relationships" xmlns:p="http://schemas.openxmlformats.org/presentationml/2006/main">
   <p:cSld>
@@ -235,7 +3110,7 @@
           <a:p>
             <a:fld id="{D49B5559-59E8-4D07-AF23-DEA856DE3407}" type="datetimeFigureOut">
               <a:rPr lang="zh-CN" altLang="en-US" smtClean="0"/>
-              <a:t>2019/09/20</a:t>
+              <a:t>2019/09/22</a:t>
             </a:fld>
             <a:endParaRPr lang="zh-CN" altLang="en-US"/>
           </a:p>
@@ -552,8 +3427,40 @@
               <a:t>Nose curve </a:t>
             </a:r>
             <a:r>
-              <a:rPr lang="zh-CN" altLang="en-US" smtClean="0"/>
-              <a:t>鞍岔分节点为节点的电压和功率的临界值</a:t>
+              <a:rPr lang="zh-CN" altLang="en-US" dirty="0" smtClean="0"/>
+              <a:t>鞍岔分节点为节点的电压和功率的临界值，</a:t>
+            </a:r>
+            <a:r>
+              <a:rPr lang="en-US" altLang="zh-CN" dirty="0" smtClean="0"/>
+              <a:t>λ</a:t>
+            </a:r>
+            <a:r>
+              <a:rPr lang="zh-CN" altLang="en-US" dirty="0" smtClean="0"/>
+              <a:t>为负荷增长率，随负荷的缓慢增加，不断求解潮流方程，从而描绘出系统的</a:t>
+            </a:r>
+            <a:r>
+              <a:rPr lang="en-US" altLang="zh-CN" dirty="0" smtClean="0"/>
+              <a:t>PV</a:t>
+            </a:r>
+            <a:r>
+              <a:rPr lang="zh-CN" altLang="en-US" dirty="0" smtClean="0"/>
+              <a:t>曲线。常规潮流总是沿着</a:t>
+            </a:r>
+            <a:r>
+              <a:rPr lang="en-US" altLang="zh-CN" dirty="0" smtClean="0"/>
+              <a:t>PV</a:t>
+            </a:r>
+            <a:r>
+              <a:rPr lang="zh-CN" altLang="en-US" dirty="0" smtClean="0"/>
+              <a:t>曲线从上一个解向下一个解迭代收敛。在极限点附近，系统方程各变量的一阶偏导趋近于零，雅可比矩阵变得奇异。在上半段采用常规潮流计算方法不断求解潮流方程，到达临界部分以后，为防止潮流迭代一次之后回到原常规方法的收敛方向上，不但要合理地进行预估而且必须增加一维潮流方程（这些在</a:t>
+            </a:r>
+            <a:r>
+              <a:rPr lang="en-US" altLang="zh-CN" dirty="0" smtClean="0"/>
+              <a:t>CPF</a:t>
+            </a:r>
+            <a:r>
+              <a:rPr lang="zh-CN" altLang="en-US" dirty="0" smtClean="0"/>
+              <a:t>函数里通过设置步长等参数可以求解出潮流结果）</a:t>
             </a:r>
             <a:endParaRPr lang="zh-CN" altLang="en-US" dirty="0"/>
           </a:p>
@@ -586,6 +3493,182 @@
     <p:extLst>
       <p:ext uri="{BB962C8B-B14F-4D97-AF65-F5344CB8AC3E}">
         <p14:creationId xmlns:p14="http://schemas.microsoft.com/office/powerpoint/2010/main" val="1149857839"/>
+      </p:ext>
+    </p:extLst>
+  </p:cSld>
+  <p:clrMapOvr>
+    <a:masterClrMapping/>
+  </p:clrMapOvr>
+</p:notes>
+</file>
+
+<file path=ppt/notesSlides/notesSlide2.xml><?xml version="1.0" encoding="utf-8"?>
+<p:notes xmlns:a="http://schemas.openxmlformats.org/drawingml/2006/main" xmlns:r="http://schemas.openxmlformats.org/officeDocument/2006/relationships" xmlns:p="http://schemas.openxmlformats.org/presentationml/2006/main">
+  <p:cSld>
+    <p:spTree>
+      <p:nvGrpSpPr>
+        <p:cNvPr id="1" name=""/>
+        <p:cNvGrpSpPr/>
+        <p:nvPr/>
+      </p:nvGrpSpPr>
+      <p:grpSpPr>
+        <a:xfrm>
+          <a:off x="0" y="0"/>
+          <a:ext cx="0" cy="0"/>
+          <a:chOff x="0" y="0"/>
+          <a:chExt cx="0" cy="0"/>
+        </a:xfrm>
+      </p:grpSpPr>
+      <p:sp>
+        <p:nvSpPr>
+          <p:cNvPr id="2" name="幻灯片图像占位符 1"/>
+          <p:cNvSpPr>
+            <a:spLocks noGrp="1" noRot="1" noChangeAspect="1"/>
+          </p:cNvSpPr>
+          <p:nvPr>
+            <p:ph type="sldImg"/>
+          </p:nvPr>
+        </p:nvSpPr>
+        <p:spPr/>
+      </p:sp>
+      <p:sp>
+        <p:nvSpPr>
+          <p:cNvPr id="3" name="备注占位符 2"/>
+          <p:cNvSpPr>
+            <a:spLocks noGrp="1"/>
+          </p:cNvSpPr>
+          <p:nvPr>
+            <p:ph type="body" idx="1"/>
+          </p:nvPr>
+        </p:nvSpPr>
+        <p:spPr/>
+        <p:txBody>
+          <a:bodyPr/>
+          <a:lstStyle/>
+          <a:p>
+            <a:r>
+              <a:rPr lang="zh-CN" altLang="en-US" dirty="0" smtClean="0"/>
+              <a:t>在状态脆弱性的权重确定方面，在某一状态指标下，电网各节点的状态指标值是不同的，当电力系统各节点的状态指标值的差别很小时，说明选取的指标在电力系统的量化评估中起到的作用很小，应赋予小的权重，这在一定程度反映一个问题，这就是为什么我们在选取评价指标时，要从不同方面考虑，做的全面客观地选取指标。当电力系统各节点的状态指标值离散程度大时，说明选取的指标使各节点的状态值产生了很大的变化，不同节点在此指标下的状态值差别很大，说明选取的指标在电力系统的量化评估中起到的作用很大，应赋予较大的权重。</a:t>
+            </a:r>
+            <a:endParaRPr lang="zh-CN" altLang="en-US" dirty="0"/>
+          </a:p>
+        </p:txBody>
+      </p:sp>
+      <p:sp>
+        <p:nvSpPr>
+          <p:cNvPr id="4" name="灯片编号占位符 3"/>
+          <p:cNvSpPr>
+            <a:spLocks noGrp="1"/>
+          </p:cNvSpPr>
+          <p:nvPr>
+            <p:ph type="sldNum" sz="quarter" idx="10"/>
+          </p:nvPr>
+        </p:nvSpPr>
+        <p:spPr/>
+        <p:txBody>
+          <a:bodyPr/>
+          <a:lstStyle/>
+          <a:p>
+            <a:fld id="{A2A31863-5084-49DE-9F64-85E59C9BEC7E}" type="slidenum">
+              <a:rPr lang="zh-CN" altLang="en-US" smtClean="0"/>
+              <a:t>39</a:t>
+            </a:fld>
+            <a:endParaRPr lang="zh-CN" altLang="en-US"/>
+          </a:p>
+        </p:txBody>
+      </p:sp>
+    </p:spTree>
+    <p:extLst>
+      <p:ext uri="{BB962C8B-B14F-4D97-AF65-F5344CB8AC3E}">
+        <p14:creationId xmlns:p14="http://schemas.microsoft.com/office/powerpoint/2010/main" val="1561477972"/>
+      </p:ext>
+    </p:extLst>
+  </p:cSld>
+  <p:clrMapOvr>
+    <a:masterClrMapping/>
+  </p:clrMapOvr>
+</p:notes>
+</file>
+
+<file path=ppt/notesSlides/notesSlide3.xml><?xml version="1.0" encoding="utf-8"?>
+<p:notes xmlns:a="http://schemas.openxmlformats.org/drawingml/2006/main" xmlns:r="http://schemas.openxmlformats.org/officeDocument/2006/relationships" xmlns:p="http://schemas.openxmlformats.org/presentationml/2006/main">
+  <p:cSld>
+    <p:spTree>
+      <p:nvGrpSpPr>
+        <p:cNvPr id="1" name=""/>
+        <p:cNvGrpSpPr/>
+        <p:nvPr/>
+      </p:nvGrpSpPr>
+      <p:grpSpPr>
+        <a:xfrm>
+          <a:off x="0" y="0"/>
+          <a:ext cx="0" cy="0"/>
+          <a:chOff x="0" y="0"/>
+          <a:chExt cx="0" cy="0"/>
+        </a:xfrm>
+      </p:grpSpPr>
+      <p:sp>
+        <p:nvSpPr>
+          <p:cNvPr id="2" name="幻灯片图像占位符 1"/>
+          <p:cNvSpPr>
+            <a:spLocks noGrp="1" noRot="1" noChangeAspect="1"/>
+          </p:cNvSpPr>
+          <p:nvPr>
+            <p:ph type="sldImg"/>
+          </p:nvPr>
+        </p:nvSpPr>
+        <p:spPr/>
+      </p:sp>
+      <p:sp>
+        <p:nvSpPr>
+          <p:cNvPr id="3" name="备注占位符 2"/>
+          <p:cNvSpPr>
+            <a:spLocks noGrp="1"/>
+          </p:cNvSpPr>
+          <p:nvPr>
+            <p:ph type="body" idx="1"/>
+          </p:nvPr>
+        </p:nvSpPr>
+        <p:spPr/>
+        <p:txBody>
+          <a:bodyPr/>
+          <a:lstStyle/>
+          <a:p>
+            <a:r>
+              <a:rPr lang="zh-CN" altLang="en-US" dirty="0" smtClean="0"/>
+              <a:t>在状态脆弱性的权重确定方面，在某一状态指标下，电网各节点的状态指标值是不同的，当电力系统各节点的状态指标值的差别很小时，说明选取的指标在电力系统的量化评估中起到的作用很小，应赋予小的权重，这在一定程度反映一个问题，这就是为什么我们在选取评价指标时，要从不同方面考虑，做的全面客观地选取指标。当电力系统各节点的状态指标值离散程度大时，说明选取的指标使各节点的状态值产生了很大的变化，不同节点在此指标下的状态值差别很大，说明选取的指标在电力系统的量化评估中起到的作用很大，应赋予较大的权重。</a:t>
+            </a:r>
+            <a:endParaRPr lang="zh-CN" altLang="en-US" dirty="0"/>
+          </a:p>
+        </p:txBody>
+      </p:sp>
+      <p:sp>
+        <p:nvSpPr>
+          <p:cNvPr id="4" name="灯片编号占位符 3"/>
+          <p:cNvSpPr>
+            <a:spLocks noGrp="1"/>
+          </p:cNvSpPr>
+          <p:nvPr>
+            <p:ph type="sldNum" sz="quarter" idx="10"/>
+          </p:nvPr>
+        </p:nvSpPr>
+        <p:spPr/>
+        <p:txBody>
+          <a:bodyPr/>
+          <a:lstStyle/>
+          <a:p>
+            <a:fld id="{A2A31863-5084-49DE-9F64-85E59C9BEC7E}" type="slidenum">
+              <a:rPr lang="zh-CN" altLang="en-US" smtClean="0"/>
+              <a:t>40</a:t>
+            </a:fld>
+            <a:endParaRPr lang="zh-CN" altLang="en-US"/>
+          </a:p>
+        </p:txBody>
+      </p:sp>
+    </p:spTree>
+    <p:extLst>
+      <p:ext uri="{BB962C8B-B14F-4D97-AF65-F5344CB8AC3E}">
+        <p14:creationId xmlns:p14="http://schemas.microsoft.com/office/powerpoint/2010/main" val="2712550480"/>
       </p:ext>
     </p:extLst>
   </p:cSld>
@@ -726,7 +3809,7 @@
           <a:p>
             <a:fld id="{B14EACBE-21B6-4337-87E4-6179AEAE3952}" type="datetimeFigureOut">
               <a:rPr lang="zh-CN" altLang="en-US" smtClean="0"/>
-              <a:t>2019/09/20</a:t>
+              <a:t>2019/09/22</a:t>
             </a:fld>
             <a:endParaRPr lang="zh-CN" altLang="en-US"/>
           </a:p>
@@ -896,7 +3979,7 @@
           <a:p>
             <a:fld id="{B14EACBE-21B6-4337-87E4-6179AEAE3952}" type="datetimeFigureOut">
               <a:rPr lang="zh-CN" altLang="en-US" smtClean="0"/>
-              <a:t>2019/09/20</a:t>
+              <a:t>2019/09/22</a:t>
             </a:fld>
             <a:endParaRPr lang="zh-CN" altLang="en-US"/>
           </a:p>
@@ -1076,7 +4159,7 @@
           <a:p>
             <a:fld id="{B14EACBE-21B6-4337-87E4-6179AEAE3952}" type="datetimeFigureOut">
               <a:rPr lang="zh-CN" altLang="en-US" smtClean="0"/>
-              <a:t>2019/09/20</a:t>
+              <a:t>2019/09/22</a:t>
             </a:fld>
             <a:endParaRPr lang="zh-CN" altLang="en-US"/>
           </a:p>
@@ -1246,7 +4329,7 @@
           <a:p>
             <a:fld id="{B14EACBE-21B6-4337-87E4-6179AEAE3952}" type="datetimeFigureOut">
               <a:rPr lang="zh-CN" altLang="en-US" smtClean="0"/>
-              <a:t>2019/09/20</a:t>
+              <a:t>2019/09/22</a:t>
             </a:fld>
             <a:endParaRPr lang="zh-CN" altLang="en-US"/>
           </a:p>
@@ -1492,7 +4575,7 @@
           <a:p>
             <a:fld id="{B14EACBE-21B6-4337-87E4-6179AEAE3952}" type="datetimeFigureOut">
               <a:rPr lang="zh-CN" altLang="en-US" smtClean="0"/>
-              <a:t>2019/09/20</a:t>
+              <a:t>2019/09/22</a:t>
             </a:fld>
             <a:endParaRPr lang="zh-CN" altLang="en-US"/>
           </a:p>
@@ -1724,7 +4807,7 @@
           <a:p>
             <a:fld id="{B14EACBE-21B6-4337-87E4-6179AEAE3952}" type="datetimeFigureOut">
               <a:rPr lang="zh-CN" altLang="en-US" smtClean="0"/>
-              <a:t>2019/09/20</a:t>
+              <a:t>2019/09/22</a:t>
             </a:fld>
             <a:endParaRPr lang="zh-CN" altLang="en-US"/>
           </a:p>
@@ -2091,7 +5174,7 @@
           <a:p>
             <a:fld id="{B14EACBE-21B6-4337-87E4-6179AEAE3952}" type="datetimeFigureOut">
               <a:rPr lang="zh-CN" altLang="en-US" smtClean="0"/>
-              <a:t>2019/09/20</a:t>
+              <a:t>2019/09/22</a:t>
             </a:fld>
             <a:endParaRPr lang="zh-CN" altLang="en-US"/>
           </a:p>
@@ -2209,7 +5292,7 @@
           <a:p>
             <a:fld id="{B14EACBE-21B6-4337-87E4-6179AEAE3952}" type="datetimeFigureOut">
               <a:rPr lang="zh-CN" altLang="en-US" smtClean="0"/>
-              <a:t>2019/09/20</a:t>
+              <a:t>2019/09/22</a:t>
             </a:fld>
             <a:endParaRPr lang="zh-CN" altLang="en-US"/>
           </a:p>
@@ -2304,7 +5387,7 @@
           <a:p>
             <a:fld id="{B14EACBE-21B6-4337-87E4-6179AEAE3952}" type="datetimeFigureOut">
               <a:rPr lang="zh-CN" altLang="en-US" smtClean="0"/>
-              <a:t>2019/09/20</a:t>
+              <a:t>2019/09/22</a:t>
             </a:fld>
             <a:endParaRPr lang="zh-CN" altLang="en-US"/>
           </a:p>
@@ -2581,7 +5664,7 @@
           <a:p>
             <a:fld id="{B14EACBE-21B6-4337-87E4-6179AEAE3952}" type="datetimeFigureOut">
               <a:rPr lang="zh-CN" altLang="en-US" smtClean="0"/>
-              <a:t>2019/09/20</a:t>
+              <a:t>2019/09/22</a:t>
             </a:fld>
             <a:endParaRPr lang="zh-CN" altLang="en-US"/>
           </a:p>
@@ -2834,7 +5917,7 @@
           <a:p>
             <a:fld id="{B14EACBE-21B6-4337-87E4-6179AEAE3952}" type="datetimeFigureOut">
               <a:rPr lang="zh-CN" altLang="en-US" smtClean="0"/>
-              <a:t>2019/09/20</a:t>
+              <a:t>2019/09/22</a:t>
             </a:fld>
             <a:endParaRPr lang="zh-CN" altLang="en-US"/>
           </a:p>
@@ -3047,7 +6130,7 @@
           <a:p>
             <a:fld id="{B14EACBE-21B6-4337-87E4-6179AEAE3952}" type="datetimeFigureOut">
               <a:rPr lang="zh-CN" altLang="en-US" smtClean="0"/>
-              <a:t>2019/09/20</a:t>
+              <a:t>2019/09/22</a:t>
             </a:fld>
             <a:endParaRPr lang="zh-CN" altLang="en-US"/>
           </a:p>
@@ -4192,7 +7275,7 @@
           <a:graphicData uri="http://schemas.openxmlformats.org/presentationml/2006/ole">
             <mc:AlternateContent xmlns:mc="http://schemas.openxmlformats.org/markup-compatibility/2006">
               <mc:Choice xmlns:v="urn:schemas-microsoft-com:vml" Requires="v">
-                <p:oleObj spid="_x0000_s2795" name="Equation" r:id="rId3" imgW="139680" imgH="177480" progId="Equation.DSMT4">
+                <p:oleObj spid="_x0000_s2939" name="Equation" r:id="rId3" imgW="139680" imgH="177480" progId="Equation.DSMT4">
                   <p:embed/>
                 </p:oleObj>
               </mc:Choice>
@@ -4249,7 +7332,7 @@
           <a:graphicData uri="http://schemas.openxmlformats.org/presentationml/2006/ole">
             <mc:AlternateContent xmlns:mc="http://schemas.openxmlformats.org/markup-compatibility/2006">
               <mc:Choice xmlns:v="urn:schemas-microsoft-com:vml" Requires="v">
-                <p:oleObj spid="_x0000_s2796" name="Equation" r:id="rId5" imgW="126720" imgH="139680" progId="Equation.DSMT4">
+                <p:oleObj spid="_x0000_s2940" name="Equation" r:id="rId5" imgW="126720" imgH="139680" progId="Equation.DSMT4">
                   <p:embed/>
                 </p:oleObj>
               </mc:Choice>
@@ -4306,7 +7389,7 @@
           <a:graphicData uri="http://schemas.openxmlformats.org/presentationml/2006/ole">
             <mc:AlternateContent xmlns:mc="http://schemas.openxmlformats.org/markup-compatibility/2006">
               <mc:Choice xmlns:v="urn:schemas-microsoft-com:vml" Requires="v">
-                <p:oleObj spid="_x0000_s2797" name="Equation" r:id="rId7" imgW="939600" imgH="228600" progId="Equation.DSMT4">
+                <p:oleObj spid="_x0000_s2941" name="Equation" r:id="rId7" imgW="939600" imgH="228600" progId="Equation.DSMT4">
                   <p:embed/>
                 </p:oleObj>
               </mc:Choice>
@@ -4363,7 +7446,7 @@
           <a:graphicData uri="http://schemas.openxmlformats.org/presentationml/2006/ole">
             <mc:AlternateContent xmlns:mc="http://schemas.openxmlformats.org/markup-compatibility/2006">
               <mc:Choice xmlns:v="urn:schemas-microsoft-com:vml" Requires="v">
-                <p:oleObj spid="_x0000_s2798" name="Equation" r:id="rId9" imgW="177480" imgH="228600" progId="Equation.DSMT4">
+                <p:oleObj spid="_x0000_s2942" name="Equation" r:id="rId9" imgW="177480" imgH="228600" progId="Equation.DSMT4">
                   <p:embed/>
                 </p:oleObj>
               </mc:Choice>
@@ -4420,7 +7503,7 @@
           <a:graphicData uri="http://schemas.openxmlformats.org/presentationml/2006/ole">
             <mc:AlternateContent xmlns:mc="http://schemas.openxmlformats.org/markup-compatibility/2006">
               <mc:Choice xmlns:v="urn:schemas-microsoft-com:vml" Requires="v">
-                <p:oleObj spid="_x0000_s2799" name="Equation" r:id="rId11" imgW="787320" imgH="241200" progId="Equation.DSMT4">
+                <p:oleObj spid="_x0000_s2943" name="Equation" r:id="rId11" imgW="787320" imgH="241200" progId="Equation.DSMT4">
                   <p:embed/>
                 </p:oleObj>
               </mc:Choice>
@@ -4477,7 +7560,7 @@
           <a:graphicData uri="http://schemas.openxmlformats.org/presentationml/2006/ole">
             <mc:AlternateContent xmlns:mc="http://schemas.openxmlformats.org/markup-compatibility/2006">
               <mc:Choice xmlns:v="urn:schemas-microsoft-com:vml" Requires="v">
-                <p:oleObj spid="_x0000_s2800" name="Equation" r:id="rId13" imgW="190440" imgH="228600" progId="Equation.DSMT4">
+                <p:oleObj spid="_x0000_s2944" name="Equation" r:id="rId13" imgW="190440" imgH="228600" progId="Equation.DSMT4">
                   <p:embed/>
                 </p:oleObj>
               </mc:Choice>
@@ -4534,7 +7617,7 @@
           <a:graphicData uri="http://schemas.openxmlformats.org/presentationml/2006/ole">
             <mc:AlternateContent xmlns:mc="http://schemas.openxmlformats.org/markup-compatibility/2006">
               <mc:Choice xmlns:v="urn:schemas-microsoft-com:vml" Requires="v">
-                <p:oleObj spid="_x0000_s2801" name="Equation" r:id="rId15" imgW="495000" imgH="228600" progId="Equation.DSMT4">
+                <p:oleObj spid="_x0000_s2945" name="Equation" r:id="rId15" imgW="495000" imgH="228600" progId="Equation.DSMT4">
                   <p:embed/>
                 </p:oleObj>
               </mc:Choice>
@@ -4591,7 +7674,7 @@
           <a:graphicData uri="http://schemas.openxmlformats.org/presentationml/2006/ole">
             <mc:AlternateContent xmlns:mc="http://schemas.openxmlformats.org/markup-compatibility/2006">
               <mc:Choice xmlns:v="urn:schemas-microsoft-com:vml" Requires="v">
-                <p:oleObj spid="_x0000_s2802" name="Equation" r:id="rId17" imgW="1371600" imgH="304560" progId="Equation.DSMT4">
+                <p:oleObj spid="_x0000_s2946" name="Equation" r:id="rId17" imgW="1371600" imgH="304560" progId="Equation.DSMT4">
                   <p:embed/>
                 </p:oleObj>
               </mc:Choice>
@@ -4648,7 +7731,7 @@
           <a:graphicData uri="http://schemas.openxmlformats.org/presentationml/2006/ole">
             <mc:AlternateContent xmlns:mc="http://schemas.openxmlformats.org/markup-compatibility/2006">
               <mc:Choice xmlns:v="urn:schemas-microsoft-com:vml" Requires="v">
-                <p:oleObj spid="_x0000_s2803" name="Equation" r:id="rId19" imgW="380880" imgH="228600" progId="Equation.DSMT4">
+                <p:oleObj spid="_x0000_s2947" name="Equation" r:id="rId19" imgW="380880" imgH="228600" progId="Equation.DSMT4">
                   <p:embed/>
                 </p:oleObj>
               </mc:Choice>
@@ -4705,7 +7788,7 @@
           <a:graphicData uri="http://schemas.openxmlformats.org/presentationml/2006/ole">
             <mc:AlternateContent xmlns:mc="http://schemas.openxmlformats.org/markup-compatibility/2006">
               <mc:Choice xmlns:v="urn:schemas-microsoft-com:vml" Requires="v">
-                <p:oleObj spid="_x0000_s2804" name="Equation" r:id="rId21" imgW="419040" imgH="228600" progId="Equation.DSMT4">
+                <p:oleObj spid="_x0000_s2948" name="Equation" r:id="rId21" imgW="419040" imgH="228600" progId="Equation.DSMT4">
                   <p:embed/>
                 </p:oleObj>
               </mc:Choice>
@@ -4762,7 +7845,7 @@
           <a:graphicData uri="http://schemas.openxmlformats.org/presentationml/2006/ole">
             <mc:AlternateContent xmlns:mc="http://schemas.openxmlformats.org/markup-compatibility/2006">
               <mc:Choice xmlns:v="urn:schemas-microsoft-com:vml" Requires="v">
-                <p:oleObj spid="_x0000_s2805" name="Equation" r:id="rId23" imgW="152280" imgH="164880" progId="Equation.DSMT4">
+                <p:oleObj spid="_x0000_s2949" name="Equation" r:id="rId23" imgW="152280" imgH="164880" progId="Equation.DSMT4">
                   <p:embed/>
                 </p:oleObj>
               </mc:Choice>
@@ -4819,7 +7902,7 @@
           <a:graphicData uri="http://schemas.openxmlformats.org/presentationml/2006/ole">
             <mc:AlternateContent xmlns:mc="http://schemas.openxmlformats.org/markup-compatibility/2006">
               <mc:Choice xmlns:v="urn:schemas-microsoft-com:vml" Requires="v">
-                <p:oleObj spid="_x0000_s2806" name="Equation" r:id="rId25" imgW="203040" imgH="228600" progId="Equation.DSMT4">
+                <p:oleObj spid="_x0000_s2950" name="Equation" r:id="rId25" imgW="203040" imgH="228600" progId="Equation.DSMT4">
                   <p:embed/>
                 </p:oleObj>
               </mc:Choice>
@@ -4876,7 +7959,7 @@
           <a:graphicData uri="http://schemas.openxmlformats.org/presentationml/2006/ole">
             <mc:AlternateContent xmlns:mc="http://schemas.openxmlformats.org/markup-compatibility/2006">
               <mc:Choice xmlns:v="urn:schemas-microsoft-com:vml" Requires="v">
-                <p:oleObj spid="_x0000_s2807" name="Equation" r:id="rId27" imgW="380880" imgH="228600" progId="Equation.DSMT4">
+                <p:oleObj spid="_x0000_s2951" name="Equation" r:id="rId27" imgW="380880" imgH="228600" progId="Equation.DSMT4">
                   <p:embed/>
                 </p:oleObj>
               </mc:Choice>
@@ -4933,7 +8016,7 @@
           <a:graphicData uri="http://schemas.openxmlformats.org/presentationml/2006/ole">
             <mc:AlternateContent xmlns:mc="http://schemas.openxmlformats.org/markup-compatibility/2006">
               <mc:Choice xmlns:v="urn:schemas-microsoft-com:vml" Requires="v">
-                <p:oleObj spid="_x0000_s2808" name="Equation" r:id="rId29" imgW="177480" imgH="228600" progId="Equation.DSMT4">
+                <p:oleObj spid="_x0000_s2952" name="Equation" r:id="rId29" imgW="177480" imgH="228600" progId="Equation.DSMT4">
                   <p:embed/>
                 </p:oleObj>
               </mc:Choice>
@@ -4990,7 +8073,7 @@
           <a:graphicData uri="http://schemas.openxmlformats.org/presentationml/2006/ole">
             <mc:AlternateContent xmlns:mc="http://schemas.openxmlformats.org/markup-compatibility/2006">
               <mc:Choice xmlns:v="urn:schemas-microsoft-com:vml" Requires="v">
-                <p:oleObj spid="_x0000_s2809" name="Equation" r:id="rId31" imgW="317160" imgH="203040" progId="Equation.DSMT4">
+                <p:oleObj spid="_x0000_s2953" name="Equation" r:id="rId31" imgW="317160" imgH="203040" progId="Equation.DSMT4">
                   <p:embed/>
                 </p:oleObj>
               </mc:Choice>
@@ -5047,7 +8130,7 @@
           <a:graphicData uri="http://schemas.openxmlformats.org/presentationml/2006/ole">
             <mc:AlternateContent xmlns:mc="http://schemas.openxmlformats.org/markup-compatibility/2006">
               <mc:Choice xmlns:v="urn:schemas-microsoft-com:vml" Requires="v">
-                <p:oleObj spid="_x0000_s2810" name="Equation" r:id="rId33" imgW="139680" imgH="177480" progId="Equation.DSMT4">
+                <p:oleObj spid="_x0000_s2954" name="Equation" r:id="rId33" imgW="139680" imgH="177480" progId="Equation.DSMT4">
                   <p:embed/>
                 </p:oleObj>
               </mc:Choice>
@@ -5224,7 +8307,7 @@
           <a:graphicData uri="http://schemas.openxmlformats.org/presentationml/2006/ole">
             <mc:AlternateContent xmlns:mc="http://schemas.openxmlformats.org/markup-compatibility/2006">
               <mc:Choice xmlns:v="urn:schemas-microsoft-com:vml" Requires="v">
-                <p:oleObj spid="_x0000_s3390" name="Equation" r:id="rId3" imgW="1104840" imgH="355320" progId="Equation.DSMT4">
+                <p:oleObj spid="_x0000_s3453" name="Equation" r:id="rId3" imgW="1104840" imgH="355320" progId="Equation.DSMT4">
                   <p:embed/>
                 </p:oleObj>
               </mc:Choice>
@@ -5281,7 +8364,7 @@
           <a:graphicData uri="http://schemas.openxmlformats.org/presentationml/2006/ole">
             <mc:AlternateContent xmlns:mc="http://schemas.openxmlformats.org/markup-compatibility/2006">
               <mc:Choice xmlns:v="urn:schemas-microsoft-com:vml" Requires="v">
-                <p:oleObj spid="_x0000_s3391" name="Equation" r:id="rId5" imgW="88560" imgH="164880" progId="Equation.DSMT4">
+                <p:oleObj spid="_x0000_s3454" name="Equation" r:id="rId5" imgW="88560" imgH="164880" progId="Equation.DSMT4">
                   <p:embed/>
                 </p:oleObj>
               </mc:Choice>
@@ -5338,7 +8421,7 @@
           <a:graphicData uri="http://schemas.openxmlformats.org/presentationml/2006/ole">
             <mc:AlternateContent xmlns:mc="http://schemas.openxmlformats.org/markup-compatibility/2006">
               <mc:Choice xmlns:v="urn:schemas-microsoft-com:vml" Requires="v">
-                <p:oleObj spid="_x0000_s3392" name="Equation" r:id="rId7" imgW="317160" imgH="203040" progId="Equation.DSMT4">
+                <p:oleObj spid="_x0000_s3455" name="Equation" r:id="rId7" imgW="317160" imgH="203040" progId="Equation.DSMT4">
                   <p:embed/>
                 </p:oleObj>
               </mc:Choice>
@@ -5395,7 +8478,7 @@
           <a:graphicData uri="http://schemas.openxmlformats.org/presentationml/2006/ole">
             <mc:AlternateContent xmlns:mc="http://schemas.openxmlformats.org/markup-compatibility/2006">
               <mc:Choice xmlns:v="urn:schemas-microsoft-com:vml" Requires="v">
-                <p:oleObj spid="_x0000_s3393" name="Equation" r:id="rId9" imgW="88560" imgH="164880" progId="Equation.DSMT4">
+                <p:oleObj spid="_x0000_s3456" name="Equation" r:id="rId9" imgW="88560" imgH="164880" progId="Equation.DSMT4">
                   <p:embed/>
                 </p:oleObj>
               </mc:Choice>
@@ -5452,7 +8535,7 @@
           <a:graphicData uri="http://schemas.openxmlformats.org/presentationml/2006/ole">
             <mc:AlternateContent xmlns:mc="http://schemas.openxmlformats.org/markup-compatibility/2006">
               <mc:Choice xmlns:v="urn:schemas-microsoft-com:vml" Requires="v">
-                <p:oleObj spid="_x0000_s3394" name="Equation" r:id="rId11" imgW="406080" imgH="203040" progId="Equation.DSMT4">
+                <p:oleObj spid="_x0000_s3457" name="Equation" r:id="rId11" imgW="406080" imgH="203040" progId="Equation.DSMT4">
                   <p:embed/>
                 </p:oleObj>
               </mc:Choice>
@@ -5509,7 +8592,7 @@
           <a:graphicData uri="http://schemas.openxmlformats.org/presentationml/2006/ole">
             <mc:AlternateContent xmlns:mc="http://schemas.openxmlformats.org/markup-compatibility/2006">
               <mc:Choice xmlns:v="urn:schemas-microsoft-com:vml" Requires="v">
-                <p:oleObj spid="_x0000_s3395" name="Equation" r:id="rId13" imgW="88560" imgH="164880" progId="Equation.DSMT4">
+                <p:oleObj spid="_x0000_s3458" name="Equation" r:id="rId13" imgW="88560" imgH="164880" progId="Equation.DSMT4">
                   <p:embed/>
                 </p:oleObj>
               </mc:Choice>
@@ -5566,7 +8649,7 @@
           <a:graphicData uri="http://schemas.openxmlformats.org/presentationml/2006/ole">
             <mc:AlternateContent xmlns:mc="http://schemas.openxmlformats.org/markup-compatibility/2006">
               <mc:Choice xmlns:v="urn:schemas-microsoft-com:vml" Requires="v">
-                <p:oleObj spid="_x0000_s3396" name="Equation" r:id="rId15" imgW="126720" imgH="190440" progId="Equation.DSMT4">
+                <p:oleObj spid="_x0000_s3459" name="Equation" r:id="rId15" imgW="126720" imgH="190440" progId="Equation.DSMT4">
                   <p:embed/>
                 </p:oleObj>
               </mc:Choice>
@@ -5818,7 +8901,7 @@
           <a:graphicData uri="http://schemas.openxmlformats.org/presentationml/2006/ole">
             <mc:AlternateContent xmlns:mc="http://schemas.openxmlformats.org/markup-compatibility/2006">
               <mc:Choice xmlns:v="urn:schemas-microsoft-com:vml" Requires="v">
-                <p:oleObj spid="_x0000_s4731" name="Equation" r:id="rId3" imgW="177480" imgH="228600" progId="Equation.DSMT4">
+                <p:oleObj spid="_x0000_s4866" name="Equation" r:id="rId3" imgW="177480" imgH="228600" progId="Equation.DSMT4">
                   <p:embed/>
                 </p:oleObj>
               </mc:Choice>
@@ -5875,7 +8958,7 @@
           <a:graphicData uri="http://schemas.openxmlformats.org/presentationml/2006/ole">
             <mc:AlternateContent xmlns:mc="http://schemas.openxmlformats.org/markup-compatibility/2006">
               <mc:Choice xmlns:v="urn:schemas-microsoft-com:vml" Requires="v">
-                <p:oleObj spid="_x0000_s4732" name="Equation" r:id="rId5" imgW="152280" imgH="228600" progId="Equation.DSMT4">
+                <p:oleObj spid="_x0000_s4867" name="Equation" r:id="rId5" imgW="152280" imgH="228600" progId="Equation.DSMT4">
                   <p:embed/>
                 </p:oleObj>
               </mc:Choice>
@@ -5932,7 +9015,7 @@
           <a:graphicData uri="http://schemas.openxmlformats.org/presentationml/2006/ole">
             <mc:AlternateContent xmlns:mc="http://schemas.openxmlformats.org/markup-compatibility/2006">
               <mc:Choice xmlns:v="urn:schemas-microsoft-com:vml" Requires="v">
-                <p:oleObj spid="_x0000_s4733" name="Equation" r:id="rId7" imgW="114120" imgH="177480" progId="Equation.DSMT4">
+                <p:oleObj spid="_x0000_s4868" name="Equation" r:id="rId7" imgW="114120" imgH="177480" progId="Equation.DSMT4">
                   <p:embed/>
                 </p:oleObj>
               </mc:Choice>
@@ -5989,7 +9072,7 @@
           <a:graphicData uri="http://schemas.openxmlformats.org/presentationml/2006/ole">
             <mc:AlternateContent xmlns:mc="http://schemas.openxmlformats.org/markup-compatibility/2006">
               <mc:Choice xmlns:v="urn:schemas-microsoft-com:vml" Requires="v">
-                <p:oleObj spid="_x0000_s4734" name="Equation" r:id="rId9" imgW="152280" imgH="228600" progId="Equation.DSMT4">
+                <p:oleObj spid="_x0000_s4869" name="Equation" r:id="rId9" imgW="152280" imgH="228600" progId="Equation.DSMT4">
                   <p:embed/>
                 </p:oleObj>
               </mc:Choice>
@@ -6046,7 +9129,7 @@
           <a:graphicData uri="http://schemas.openxmlformats.org/presentationml/2006/ole">
             <mc:AlternateContent xmlns:mc="http://schemas.openxmlformats.org/markup-compatibility/2006">
               <mc:Choice xmlns:v="urn:schemas-microsoft-com:vml" Requires="v">
-                <p:oleObj spid="_x0000_s4735" name="Equation" r:id="rId11" imgW="596880" imgH="190440" progId="Equation.DSMT4">
+                <p:oleObj spid="_x0000_s4870" name="Equation" r:id="rId11" imgW="596880" imgH="190440" progId="Equation.DSMT4">
                   <p:embed/>
                 </p:oleObj>
               </mc:Choice>
@@ -6103,7 +9186,7 @@
           <a:graphicData uri="http://schemas.openxmlformats.org/presentationml/2006/ole">
             <mc:AlternateContent xmlns:mc="http://schemas.openxmlformats.org/markup-compatibility/2006">
               <mc:Choice xmlns:v="urn:schemas-microsoft-com:vml" Requires="v">
-                <p:oleObj spid="_x0000_s4736" name="Equation" r:id="rId13" imgW="152280" imgH="164880" progId="Equation.DSMT4">
+                <p:oleObj spid="_x0000_s4871" name="Equation" r:id="rId13" imgW="152280" imgH="164880" progId="Equation.DSMT4">
                   <p:embed/>
                 </p:oleObj>
               </mc:Choice>
@@ -6160,7 +9243,7 @@
           <a:graphicData uri="http://schemas.openxmlformats.org/presentationml/2006/ole">
             <mc:AlternateContent xmlns:mc="http://schemas.openxmlformats.org/markup-compatibility/2006">
               <mc:Choice xmlns:v="urn:schemas-microsoft-com:vml" Requires="v">
-                <p:oleObj spid="_x0000_s4737" name="Equation" r:id="rId15" imgW="419040" imgH="177480" progId="Equation.DSMT4">
+                <p:oleObj spid="_x0000_s4872" name="Equation" r:id="rId15" imgW="419040" imgH="177480" progId="Equation.DSMT4">
                   <p:embed/>
                 </p:oleObj>
               </mc:Choice>
@@ -6217,7 +9300,7 @@
           <a:graphicData uri="http://schemas.openxmlformats.org/presentationml/2006/ole">
             <mc:AlternateContent xmlns:mc="http://schemas.openxmlformats.org/markup-compatibility/2006">
               <mc:Choice xmlns:v="urn:schemas-microsoft-com:vml" Requires="v">
-                <p:oleObj spid="_x0000_s4738" name="Equation" r:id="rId17" imgW="177480" imgH="177480" progId="Equation.DSMT4">
+                <p:oleObj spid="_x0000_s4873" name="Equation" r:id="rId17" imgW="177480" imgH="177480" progId="Equation.DSMT4">
                   <p:embed/>
                 </p:oleObj>
               </mc:Choice>
@@ -6274,7 +9357,7 @@
           <a:graphicData uri="http://schemas.openxmlformats.org/presentationml/2006/ole">
             <mc:AlternateContent xmlns:mc="http://schemas.openxmlformats.org/markup-compatibility/2006">
               <mc:Choice xmlns:v="urn:schemas-microsoft-com:vml" Requires="v">
-                <p:oleObj spid="_x0000_s4739" name="Equation" r:id="rId19" imgW="177480" imgH="164880" progId="Equation.DSMT4">
+                <p:oleObj spid="_x0000_s4874" name="Equation" r:id="rId19" imgW="177480" imgH="164880" progId="Equation.DSMT4">
                   <p:embed/>
                 </p:oleObj>
               </mc:Choice>
@@ -6331,7 +9414,7 @@
           <a:graphicData uri="http://schemas.openxmlformats.org/presentationml/2006/ole">
             <mc:AlternateContent xmlns:mc="http://schemas.openxmlformats.org/markup-compatibility/2006">
               <mc:Choice xmlns:v="urn:schemas-microsoft-com:vml" Requires="v">
-                <p:oleObj spid="_x0000_s4740" name="Equation" r:id="rId21" imgW="342720" imgH="177480" progId="Equation.DSMT4">
+                <p:oleObj spid="_x0000_s4875" name="Equation" r:id="rId21" imgW="342720" imgH="177480" progId="Equation.DSMT4">
                   <p:embed/>
                 </p:oleObj>
               </mc:Choice>
@@ -6388,7 +9471,7 @@
           <a:graphicData uri="http://schemas.openxmlformats.org/presentationml/2006/ole">
             <mc:AlternateContent xmlns:mc="http://schemas.openxmlformats.org/markup-compatibility/2006">
               <mc:Choice xmlns:v="urn:schemas-microsoft-com:vml" Requires="v">
-                <p:oleObj spid="_x0000_s4741" name="Equation" r:id="rId23" imgW="393480" imgH="241200" progId="Equation.DSMT4">
+                <p:oleObj spid="_x0000_s4876" name="Equation" r:id="rId23" imgW="393480" imgH="241200" progId="Equation.DSMT4">
                   <p:embed/>
                 </p:oleObj>
               </mc:Choice>
@@ -6445,7 +9528,7 @@
           <a:graphicData uri="http://schemas.openxmlformats.org/presentationml/2006/ole">
             <mc:AlternateContent xmlns:mc="http://schemas.openxmlformats.org/markup-compatibility/2006">
               <mc:Choice xmlns:v="urn:schemas-microsoft-com:vml" Requires="v">
-                <p:oleObj spid="_x0000_s4742" name="Equation" r:id="rId25" imgW="88560" imgH="164880" progId="Equation.DSMT4">
+                <p:oleObj spid="_x0000_s4877" name="Equation" r:id="rId25" imgW="88560" imgH="164880" progId="Equation.DSMT4">
                   <p:embed/>
                 </p:oleObj>
               </mc:Choice>
@@ -6502,7 +9585,7 @@
           <a:graphicData uri="http://schemas.openxmlformats.org/presentationml/2006/ole">
             <mc:AlternateContent xmlns:mc="http://schemas.openxmlformats.org/markup-compatibility/2006">
               <mc:Choice xmlns:v="urn:schemas-microsoft-com:vml" Requires="v">
-                <p:oleObj spid="_x0000_s4743" name="Equation" r:id="rId27" imgW="419040" imgH="241200" progId="Equation.DSMT4">
+                <p:oleObj spid="_x0000_s4878" name="Equation" r:id="rId27" imgW="419040" imgH="241200" progId="Equation.DSMT4">
                   <p:embed/>
                 </p:oleObj>
               </mc:Choice>
@@ -6559,7 +9642,7 @@
           <a:graphicData uri="http://schemas.openxmlformats.org/presentationml/2006/ole">
             <mc:AlternateContent xmlns:mc="http://schemas.openxmlformats.org/markup-compatibility/2006">
               <mc:Choice xmlns:v="urn:schemas-microsoft-com:vml" Requires="v">
-                <p:oleObj spid="_x0000_s4744" name="Equation" r:id="rId29" imgW="152280" imgH="228600" progId="Equation.DSMT4">
+                <p:oleObj spid="_x0000_s4879" name="Equation" r:id="rId29" imgW="152280" imgH="228600" progId="Equation.DSMT4">
                   <p:embed/>
                 </p:oleObj>
               </mc:Choice>
@@ -6616,7 +9699,7 @@
           <a:graphicData uri="http://schemas.openxmlformats.org/presentationml/2006/ole">
             <mc:AlternateContent xmlns:mc="http://schemas.openxmlformats.org/markup-compatibility/2006">
               <mc:Choice xmlns:v="urn:schemas-microsoft-com:vml" Requires="v">
-                <p:oleObj spid="_x0000_s4745" name="Equation" r:id="rId31" imgW="88560" imgH="164880" progId="Equation.DSMT4">
+                <p:oleObj spid="_x0000_s4880" name="Equation" r:id="rId31" imgW="88560" imgH="164880" progId="Equation.DSMT4">
                   <p:embed/>
                 </p:oleObj>
               </mc:Choice>
@@ -7299,7 +10382,7 @@
           <a:graphicData uri="http://schemas.openxmlformats.org/presentationml/2006/ole">
             <mc:AlternateContent xmlns:mc="http://schemas.openxmlformats.org/markup-compatibility/2006">
               <mc:Choice xmlns:v="urn:schemas-microsoft-com:vml" Requires="v">
-                <p:oleObj spid="_x0000_s1377" name="Equation" r:id="rId3" imgW="939600" imgH="431640" progId="Equation.DSMT4">
+                <p:oleObj spid="_x0000_s1440" name="Equation" r:id="rId3" imgW="939600" imgH="431640" progId="Equation.DSMT4">
                   <p:embed/>
                 </p:oleObj>
               </mc:Choice>
@@ -7356,7 +10439,7 @@
           <a:graphicData uri="http://schemas.openxmlformats.org/presentationml/2006/ole">
             <mc:AlternateContent xmlns:mc="http://schemas.openxmlformats.org/markup-compatibility/2006">
               <mc:Choice xmlns:v="urn:schemas-microsoft-com:vml" Requires="v">
-                <p:oleObj spid="_x0000_s1378" name="Equation" r:id="rId5" imgW="647640" imgH="634680" progId="Equation.DSMT4">
+                <p:oleObj spid="_x0000_s1441" name="Equation" r:id="rId5" imgW="647640" imgH="634680" progId="Equation.DSMT4">
                   <p:embed/>
                 </p:oleObj>
               </mc:Choice>
@@ -7413,7 +10496,7 @@
           <a:graphicData uri="http://schemas.openxmlformats.org/presentationml/2006/ole">
             <mc:AlternateContent xmlns:mc="http://schemas.openxmlformats.org/markup-compatibility/2006">
               <mc:Choice xmlns:v="urn:schemas-microsoft-com:vml" Requires="v">
-                <p:oleObj spid="_x0000_s1379" name="Equation" r:id="rId7" imgW="139680" imgH="228600" progId="Equation.DSMT4">
+                <p:oleObj spid="_x0000_s1442" name="Equation" r:id="rId7" imgW="139680" imgH="228600" progId="Equation.DSMT4">
                   <p:embed/>
                 </p:oleObj>
               </mc:Choice>
@@ -7470,7 +10553,7 @@
           <a:graphicData uri="http://schemas.openxmlformats.org/presentationml/2006/ole">
             <mc:AlternateContent xmlns:mc="http://schemas.openxmlformats.org/markup-compatibility/2006">
               <mc:Choice xmlns:v="urn:schemas-microsoft-com:vml" Requires="v">
-                <p:oleObj spid="_x0000_s1380" name="Equation" r:id="rId9" imgW="88560" imgH="164880" progId="Equation.DSMT4">
+                <p:oleObj spid="_x0000_s1443" name="Equation" r:id="rId9" imgW="88560" imgH="164880" progId="Equation.DSMT4">
                   <p:embed/>
                 </p:oleObj>
               </mc:Choice>
@@ -7527,7 +10610,7 @@
           <a:graphicData uri="http://schemas.openxmlformats.org/presentationml/2006/ole">
             <mc:AlternateContent xmlns:mc="http://schemas.openxmlformats.org/markup-compatibility/2006">
               <mc:Choice xmlns:v="urn:schemas-microsoft-com:vml" Requires="v">
-                <p:oleObj spid="_x0000_s1381" name="Equation" r:id="rId11" imgW="114120" imgH="177480" progId="Equation.DSMT4">
+                <p:oleObj spid="_x0000_s1444" name="Equation" r:id="rId11" imgW="114120" imgH="177480" progId="Equation.DSMT4">
                   <p:embed/>
                 </p:oleObj>
               </mc:Choice>
@@ -7584,7 +10667,7 @@
           <a:graphicData uri="http://schemas.openxmlformats.org/presentationml/2006/ole">
             <mc:AlternateContent xmlns:mc="http://schemas.openxmlformats.org/markup-compatibility/2006">
               <mc:Choice xmlns:v="urn:schemas-microsoft-com:vml" Requires="v">
-                <p:oleObj spid="_x0000_s1382" name="Equation" r:id="rId13" imgW="1295280" imgH="457200" progId="Equation.DSMT4">
+                <p:oleObj spid="_x0000_s1445" name="Equation" r:id="rId13" imgW="1295280" imgH="457200" progId="Equation.DSMT4">
                   <p:embed/>
                 </p:oleObj>
               </mc:Choice>
@@ -7641,7 +10724,7 @@
           <a:graphicData uri="http://schemas.openxmlformats.org/presentationml/2006/ole">
             <mc:AlternateContent xmlns:mc="http://schemas.openxmlformats.org/markup-compatibility/2006">
               <mc:Choice xmlns:v="urn:schemas-microsoft-com:vml" Requires="v">
-                <p:oleObj spid="_x0000_s1383" name="Equation" r:id="rId15" imgW="177480" imgH="241200" progId="Equation.DSMT4">
+                <p:oleObj spid="_x0000_s1446" name="Equation" r:id="rId15" imgW="177480" imgH="241200" progId="Equation.DSMT4">
                   <p:embed/>
                 </p:oleObj>
               </mc:Choice>
@@ -8960,7 +12043,7 @@
           <a:graphicData uri="http://schemas.openxmlformats.org/presentationml/2006/ole">
             <mc:AlternateContent xmlns:mc="http://schemas.openxmlformats.org/markup-compatibility/2006">
               <mc:Choice xmlns:v="urn:schemas-microsoft-com:vml" Requires="v">
-                <p:oleObj spid="_x0000_s5471" name="Equation" r:id="rId3" imgW="876240" imgH="228600" progId="Equation.DSMT4">
+                <p:oleObj spid="_x0000_s5561" name="Equation" r:id="rId3" imgW="876240" imgH="228600" progId="Equation.DSMT4">
                   <p:embed/>
                 </p:oleObj>
               </mc:Choice>
@@ -9017,7 +12100,7 @@
           <a:graphicData uri="http://schemas.openxmlformats.org/presentationml/2006/ole">
             <mc:AlternateContent xmlns:mc="http://schemas.openxmlformats.org/markup-compatibility/2006">
               <mc:Choice xmlns:v="urn:schemas-microsoft-com:vml" Requires="v">
-                <p:oleObj spid="_x0000_s5472" name="Equation" r:id="rId5" imgW="139680" imgH="164880" progId="Equation.DSMT4">
+                <p:oleObj spid="_x0000_s5562" name="Equation" r:id="rId5" imgW="139680" imgH="164880" progId="Equation.DSMT4">
                   <p:embed/>
                 </p:oleObj>
               </mc:Choice>
@@ -9074,7 +12157,7 @@
           <a:graphicData uri="http://schemas.openxmlformats.org/presentationml/2006/ole">
             <mc:AlternateContent xmlns:mc="http://schemas.openxmlformats.org/markup-compatibility/2006">
               <mc:Choice xmlns:v="urn:schemas-microsoft-com:vml" Requires="v">
-                <p:oleObj spid="_x0000_s5473" name="Equation" r:id="rId7" imgW="914400" imgH="431640" progId="Equation.DSMT4">
+                <p:oleObj spid="_x0000_s5563" name="Equation" r:id="rId7" imgW="914400" imgH="431640" progId="Equation.DSMT4">
                   <p:embed/>
                 </p:oleObj>
               </mc:Choice>
@@ -9131,7 +12214,7 @@
           <a:graphicData uri="http://schemas.openxmlformats.org/presentationml/2006/ole">
             <mc:AlternateContent xmlns:mc="http://schemas.openxmlformats.org/markup-compatibility/2006">
               <mc:Choice xmlns:v="urn:schemas-microsoft-com:vml" Requires="v">
-                <p:oleObj spid="_x0000_s5474" name="Equation" r:id="rId9" imgW="152280" imgH="164880" progId="Equation.DSMT4">
+                <p:oleObj spid="_x0000_s5564" name="Equation" r:id="rId9" imgW="152280" imgH="164880" progId="Equation.DSMT4">
                   <p:embed/>
                 </p:oleObj>
               </mc:Choice>
@@ -9188,7 +12271,7 @@
           <a:graphicData uri="http://schemas.openxmlformats.org/presentationml/2006/ole">
             <mc:AlternateContent xmlns:mc="http://schemas.openxmlformats.org/markup-compatibility/2006">
               <mc:Choice xmlns:v="urn:schemas-microsoft-com:vml" Requires="v">
-                <p:oleObj spid="_x0000_s5475" name="Equation" r:id="rId11" imgW="152280" imgH="164880" progId="Equation.DSMT4">
+                <p:oleObj spid="_x0000_s5565" name="Equation" r:id="rId11" imgW="152280" imgH="164880" progId="Equation.DSMT4">
                   <p:embed/>
                 </p:oleObj>
               </mc:Choice>
@@ -9245,7 +12328,7 @@
           <a:graphicData uri="http://schemas.openxmlformats.org/presentationml/2006/ole">
             <mc:AlternateContent xmlns:mc="http://schemas.openxmlformats.org/markup-compatibility/2006">
               <mc:Choice xmlns:v="urn:schemas-microsoft-com:vml" Requires="v">
-                <p:oleObj spid="_x0000_s5476" name="Equation" r:id="rId13" imgW="1485720" imgH="469800" progId="Equation.DSMT4">
+                <p:oleObj spid="_x0000_s5566" name="Equation" r:id="rId13" imgW="1485720" imgH="469800" progId="Equation.DSMT4">
                   <p:embed/>
                 </p:oleObj>
               </mc:Choice>
@@ -9302,7 +12385,7 @@
           <a:graphicData uri="http://schemas.openxmlformats.org/presentationml/2006/ole">
             <mc:AlternateContent xmlns:mc="http://schemas.openxmlformats.org/markup-compatibility/2006">
               <mc:Choice xmlns:v="urn:schemas-microsoft-com:vml" Requires="v">
-                <p:oleObj spid="_x0000_s5477" name="Equation" r:id="rId15" imgW="152280" imgH="164880" progId="Equation.DSMT4">
+                <p:oleObj spid="_x0000_s5567" name="Equation" r:id="rId15" imgW="152280" imgH="164880" progId="Equation.DSMT4">
                   <p:embed/>
                 </p:oleObj>
               </mc:Choice>
@@ -9359,7 +12442,7 @@
           <a:graphicData uri="http://schemas.openxmlformats.org/presentationml/2006/ole">
             <mc:AlternateContent xmlns:mc="http://schemas.openxmlformats.org/markup-compatibility/2006">
               <mc:Choice xmlns:v="urn:schemas-microsoft-com:vml" Requires="v">
-                <p:oleObj spid="_x0000_s5478" name="Equation" r:id="rId17" imgW="152280" imgH="203040" progId="Equation.DSMT4">
+                <p:oleObj spid="_x0000_s5568" name="Equation" r:id="rId17" imgW="152280" imgH="203040" progId="Equation.DSMT4">
                   <p:embed/>
                 </p:oleObj>
               </mc:Choice>
@@ -9416,7 +12499,7 @@
           <a:graphicData uri="http://schemas.openxmlformats.org/presentationml/2006/ole">
             <mc:AlternateContent xmlns:mc="http://schemas.openxmlformats.org/markup-compatibility/2006">
               <mc:Choice xmlns:v="urn:schemas-microsoft-com:vml" Requires="v">
-                <p:oleObj spid="_x0000_s5479" name="Equation" r:id="rId19" imgW="152280" imgH="139680" progId="Equation.DSMT4">
+                <p:oleObj spid="_x0000_s5569" name="Equation" r:id="rId19" imgW="152280" imgH="139680" progId="Equation.DSMT4">
                   <p:embed/>
                 </p:oleObj>
               </mc:Choice>
@@ -9473,7 +12556,7 @@
           <a:graphicData uri="http://schemas.openxmlformats.org/presentationml/2006/ole">
             <mc:AlternateContent xmlns:mc="http://schemas.openxmlformats.org/markup-compatibility/2006">
               <mc:Choice xmlns:v="urn:schemas-microsoft-com:vml" Requires="v">
-                <p:oleObj spid="_x0000_s5480" name="Equation" r:id="rId21" imgW="152280" imgH="139680" progId="Equation.DSMT4">
+                <p:oleObj spid="_x0000_s5570" name="Equation" r:id="rId21" imgW="152280" imgH="139680" progId="Equation.DSMT4">
                   <p:embed/>
                 </p:oleObj>
               </mc:Choice>
@@ -10288,7 +13371,7 @@
           <a:graphicData uri="http://schemas.openxmlformats.org/presentationml/2006/ole">
             <mc:AlternateContent xmlns:mc="http://schemas.openxmlformats.org/markup-compatibility/2006">
               <mc:Choice xmlns:v="urn:schemas-microsoft-com:vml" Requires="v">
-                <p:oleObj spid="_x0000_s6162" name="Visio" r:id="rId3" imgW="3901440" imgH="2148693" progId="Visio.Drawing.15">
+                <p:oleObj spid="_x0000_s6171" name="Visio" r:id="rId3" imgW="3901440" imgH="2148693" progId="Visio.Drawing.15">
                   <p:embed/>
                 </p:oleObj>
               </mc:Choice>
@@ -11472,7 +14555,7 @@
         </p:spPr>
         <p:txBody>
           <a:bodyPr>
-            <a:normAutofit/>
+            <a:normAutofit fontScale="92500" lnSpcReduction="10000"/>
           </a:bodyPr>
           <a:lstStyle/>
           <a:p>
@@ -11503,12 +14586,22 @@
             </a:pPr>
             <a:r>
               <a:rPr lang="zh-CN" altLang="en-US" dirty="0" smtClean="0"/>
-              <a:t>   利用连续潮流计算方法</a:t>
-            </a:r>
-            <a:r>
-              <a:rPr lang="en-US" altLang="zh-CN" dirty="0" smtClean="0"/>
+              <a:t>   </a:t>
+            </a:r>
+            <a:r>
+              <a:rPr lang="zh-CN" altLang="en-US" sz="2400" dirty="0" smtClean="0"/>
+              <a:t>利用连续潮流计算方法</a:t>
+            </a:r>
+            <a:r>
+              <a:rPr lang="en-US" altLang="zh-CN" sz="2400" dirty="0" smtClean="0"/>
               <a:t>(CPF)</a:t>
             </a:r>
+          </a:p>
+          <a:p>
+            <a:pPr marL="0" indent="0">
+              <a:buNone/>
+            </a:pPr>
+            <a:endParaRPr lang="en-US" altLang="zh-CN" sz="2400" dirty="0" smtClean="0"/>
           </a:p>
           <a:p>
             <a:pPr marL="0" indent="0">
@@ -11538,36 +14631,50 @@
             </a:pPr>
             <a:r>
               <a:rPr lang="zh-CN" altLang="en-US" dirty="0" smtClean="0"/>
-              <a:t>   基本</a:t>
-            </a:r>
-            <a:r>
-              <a:rPr lang="zh-CN" altLang="en-US" dirty="0"/>
+              <a:t>   </a:t>
+            </a:r>
+            <a:r>
+              <a:rPr lang="zh-CN" altLang="en-US" sz="2400" dirty="0" smtClean="0"/>
+              <a:t>基本</a:t>
+            </a:r>
+            <a:r>
+              <a:rPr lang="zh-CN" altLang="en-US" sz="2400" dirty="0"/>
               <a:t>思想，在指标</a:t>
             </a:r>
             <a:r>
-              <a:rPr lang="en-US" altLang="zh-CN" dirty="0" err="1"/>
+              <a:rPr lang="en-US" altLang="zh-CN" sz="2400" dirty="0" err="1"/>
               <a:t>i</a:t>
             </a:r>
             <a:r>
-              <a:rPr lang="zh-CN" altLang="en-US" dirty="0"/>
+              <a:rPr lang="zh-CN" altLang="en-US" sz="2400" dirty="0"/>
               <a:t>下，</a:t>
             </a:r>
             <a:r>
-              <a:rPr lang="zh-CN" altLang="en-US" dirty="0" smtClean="0"/>
+              <a:rPr lang="zh-CN" altLang="en-US" sz="2400" dirty="0" smtClean="0"/>
               <a:t>各</a:t>
             </a:r>
             <a:r>
-              <a:rPr lang="zh-CN" altLang="en-US" dirty="0"/>
+              <a:rPr lang="zh-CN" altLang="en-US" sz="2400" dirty="0"/>
               <a:t>节点</a:t>
             </a:r>
             <a:r>
-              <a:rPr lang="zh-CN" altLang="en-US" dirty="0" smtClean="0"/>
+              <a:rPr lang="zh-CN" altLang="en-US" sz="2400" dirty="0" smtClean="0"/>
               <a:t>的</a:t>
             </a:r>
             <a:r>
-              <a:rPr lang="zh-CN" altLang="en-US" dirty="0"/>
-              <a:t>指标值的离散程度，</a:t>
-            </a:r>
+              <a:rPr lang="zh-CN" altLang="en-US" sz="2400" dirty="0"/>
+              <a:t>指标值的离散</a:t>
+            </a:r>
+            <a:r>
+              <a:rPr lang="zh-CN" altLang="en-US" sz="2400" dirty="0" smtClean="0"/>
+              <a:t>程度</a:t>
+            </a:r>
+            <a:endParaRPr lang="en-US" altLang="zh-CN" sz="2400" dirty="0" smtClean="0"/>
+          </a:p>
+          <a:p>
+            <a:pPr marL="0" indent="0">
+              <a:buNone/>
+            </a:pPr>
             <a:endParaRPr lang="en-US" altLang="zh-CN" dirty="0" smtClean="0"/>
           </a:p>
           <a:p>
@@ -11589,44 +14696,50 @@
               <a:buNone/>
             </a:pPr>
             <a:r>
-              <a:rPr lang="zh-CN" altLang="en-US" dirty="0" smtClean="0"/>
+              <a:rPr lang="zh-CN" altLang="en-US" sz="2400" dirty="0" smtClean="0"/>
               <a:t>（</a:t>
             </a:r>
             <a:r>
-              <a:rPr lang="en-US" altLang="zh-CN" dirty="0" smtClean="0"/>
+              <a:rPr lang="en-US" altLang="zh-CN" sz="2400" dirty="0" smtClean="0"/>
               <a:t>1</a:t>
             </a:r>
             <a:r>
-              <a:rPr lang="zh-CN" altLang="en-US" dirty="0" smtClean="0"/>
+              <a:rPr lang="zh-CN" altLang="en-US" sz="2400" dirty="0" smtClean="0"/>
               <a:t>）基于概率盒的</a:t>
             </a:r>
             <a:r>
-              <a:rPr lang="en-US" altLang="zh-CN" dirty="0" smtClean="0"/>
+              <a:rPr lang="en-US" altLang="zh-CN" sz="2400" dirty="0" smtClean="0"/>
               <a:t>D-S</a:t>
             </a:r>
             <a:r>
-              <a:rPr lang="zh-CN" altLang="en-US" dirty="0" smtClean="0"/>
+              <a:rPr lang="zh-CN" altLang="en-US" sz="2400" dirty="0" smtClean="0"/>
               <a:t>证据理论</a:t>
             </a:r>
-            <a:endParaRPr lang="en-US" altLang="zh-CN" dirty="0" smtClean="0"/>
+            <a:endParaRPr lang="en-US" altLang="zh-CN" sz="2400" dirty="0" smtClean="0"/>
           </a:p>
           <a:p>
             <a:pPr marL="0" indent="0">
               <a:buNone/>
             </a:pPr>
             <a:r>
-              <a:rPr lang="zh-CN" altLang="en-US" dirty="0" smtClean="0"/>
+              <a:rPr lang="zh-CN" altLang="en-US" sz="2400" dirty="0" smtClean="0"/>
               <a:t>（</a:t>
             </a:r>
             <a:r>
-              <a:rPr lang="en-US" altLang="zh-CN" dirty="0" smtClean="0"/>
+              <a:rPr lang="en-US" altLang="zh-CN" sz="2400" dirty="0" smtClean="0"/>
               <a:t>2</a:t>
             </a:r>
             <a:r>
-              <a:rPr lang="zh-CN" altLang="en-US" dirty="0" smtClean="0"/>
+              <a:rPr lang="zh-CN" altLang="en-US" sz="2400" dirty="0" smtClean="0"/>
               <a:t>）信息增益值法</a:t>
             </a:r>
-            <a:endParaRPr lang="en-US" altLang="zh-CN" dirty="0"/>
+            <a:endParaRPr lang="en-US" altLang="zh-CN" sz="2400" dirty="0" smtClean="0"/>
+          </a:p>
+          <a:p>
+            <a:pPr marL="0" indent="0">
+              <a:buNone/>
+            </a:pPr>
+            <a:endParaRPr lang="en-US" altLang="zh-CN" sz="2400" dirty="0"/>
           </a:p>
           <a:p>
             <a:pPr marL="0" indent="0">
@@ -11647,10 +14760,10 @@
               <a:buNone/>
             </a:pPr>
             <a:r>
-              <a:rPr lang="zh-CN" altLang="en-US" dirty="0" smtClean="0"/>
+              <a:rPr lang="zh-CN" altLang="en-US" sz="2400" dirty="0" smtClean="0"/>
               <a:t>（利用机器学习普遍采用的聚类算法）</a:t>
             </a:r>
-            <a:endParaRPr lang="zh-CN" altLang="en-US" dirty="0"/>
+            <a:endParaRPr lang="zh-CN" altLang="en-US" sz="2400" dirty="0"/>
           </a:p>
         </p:txBody>
       </p:sp>
@@ -11835,6 +14948,701 @@
       </p:grpSpPr>
       <p:sp>
         <p:nvSpPr>
+          <p:cNvPr id="2" name="标题 1"/>
+          <p:cNvSpPr>
+            <a:spLocks noGrp="1"/>
+          </p:cNvSpPr>
+          <p:nvPr>
+            <p:ph type="title"/>
+          </p:nvPr>
+        </p:nvSpPr>
+        <p:spPr>
+          <a:xfrm>
+            <a:off x="838200" y="365125"/>
+            <a:ext cx="10515600" cy="587375"/>
+          </a:xfrm>
+        </p:spPr>
+        <p:txBody>
+          <a:bodyPr>
+            <a:normAutofit/>
+          </a:bodyPr>
+          <a:lstStyle/>
+          <a:p>
+            <a:r>
+              <a:rPr lang="zh-CN" altLang="en-US" sz="3200" b="1" dirty="0" smtClean="0"/>
+              <a:t>离差最大化</a:t>
+            </a:r>
+            <a:endParaRPr lang="zh-CN" altLang="en-US" sz="3200" b="1" dirty="0"/>
+          </a:p>
+        </p:txBody>
+      </p:sp>
+      <p:sp>
+        <p:nvSpPr>
+          <p:cNvPr id="3" name="内容占位符 2"/>
+          <p:cNvSpPr>
+            <a:spLocks noGrp="1"/>
+          </p:cNvSpPr>
+          <p:nvPr>
+            <p:ph idx="1"/>
+          </p:nvPr>
+        </p:nvSpPr>
+        <p:spPr>
+          <a:xfrm>
+            <a:off x="838200" y="996950"/>
+            <a:ext cx="10515600" cy="5180013"/>
+          </a:xfrm>
+        </p:spPr>
+        <p:txBody>
+          <a:bodyPr>
+            <a:normAutofit/>
+          </a:bodyPr>
+          <a:lstStyle/>
+          <a:p>
+            <a:pPr marL="0" indent="0">
+              <a:buNone/>
+            </a:pPr>
+            <a:r>
+              <a:rPr lang="zh-CN" altLang="en-US" sz="2400" dirty="0" smtClean="0"/>
+              <a:t>       大多</a:t>
+            </a:r>
+            <a:r>
+              <a:rPr lang="zh-CN" altLang="en-US" sz="2400" dirty="0"/>
+              <a:t>应用于多属性决策，在经济，工程设计，管理，以及军事领域有广泛的应用，主要优点在于概念清楚，含义明确，排序结果准确可信，不具有主观随意性</a:t>
+            </a:r>
+            <a:r>
+              <a:rPr lang="zh-CN" altLang="en-US" sz="2400" dirty="0" smtClean="0"/>
+              <a:t>。</a:t>
+            </a:r>
+            <a:endParaRPr lang="en-US" altLang="zh-CN" sz="2400" dirty="0" smtClean="0"/>
+          </a:p>
+          <a:p>
+            <a:pPr marL="0" indent="0">
+              <a:buNone/>
+            </a:pPr>
+            <a:endParaRPr lang="en-US" altLang="zh-CN" sz="2400" dirty="0"/>
+          </a:p>
+          <a:p>
+            <a:pPr marL="0" indent="0">
+              <a:buNone/>
+            </a:pPr>
+            <a:endParaRPr lang="zh-CN" altLang="en-US" sz="2400" dirty="0"/>
+          </a:p>
+        </p:txBody>
+      </p:sp>
+      <p:sp>
+        <p:nvSpPr>
+          <p:cNvPr id="5" name="矩形 4"/>
+          <p:cNvSpPr/>
+          <p:nvPr/>
+        </p:nvSpPr>
+        <p:spPr>
+          <a:xfrm>
+            <a:off x="1162050" y="2456586"/>
+            <a:ext cx="8896350" cy="2308324"/>
+          </a:xfrm>
+          <a:prstGeom prst="rect">
+            <a:avLst/>
+          </a:prstGeom>
+        </p:spPr>
+        <p:txBody>
+          <a:bodyPr wrap="square">
+            <a:spAutoFit/>
+          </a:bodyPr>
+          <a:lstStyle/>
+          <a:p>
+            <a:r>
+              <a:rPr lang="zh-CN" altLang="zh-CN" sz="2400" dirty="0">
+                <a:latin typeface="Calibri" panose="020F0502020204030204" pitchFamily="34" charset="0"/>
+                <a:ea typeface="宋体" panose="02010600030101010101" pitchFamily="2" charset="-122"/>
+                <a:cs typeface="Times New Roman" panose="02020603050405020304" pitchFamily="18" charset="0"/>
+              </a:rPr>
+              <a:t>离差最大化的基本思想，在</a:t>
+            </a:r>
+            <a:r>
+              <a:rPr lang="zh-CN" altLang="zh-CN" sz="2400" dirty="0" smtClean="0">
+                <a:latin typeface="Calibri" panose="020F0502020204030204" pitchFamily="34" charset="0"/>
+                <a:ea typeface="宋体" panose="02010600030101010101" pitchFamily="2" charset="-122"/>
+                <a:cs typeface="Times New Roman" panose="02020603050405020304" pitchFamily="18" charset="0"/>
+              </a:rPr>
+              <a:t>指标</a:t>
+            </a:r>
+            <a:r>
+              <a:rPr lang="en-US" altLang="zh-CN" sz="2400" dirty="0" err="1" smtClean="0">
+                <a:latin typeface="Calibri" panose="020F0502020204030204" pitchFamily="34" charset="0"/>
+                <a:ea typeface="宋体" panose="02010600030101010101" pitchFamily="2" charset="-122"/>
+                <a:cs typeface="Times New Roman" panose="02020603050405020304" pitchFamily="18" charset="0"/>
+              </a:rPr>
+              <a:t>j</a:t>
+            </a:r>
+            <a:r>
+              <a:rPr lang="zh-CN" altLang="zh-CN" sz="2400" dirty="0" smtClean="0">
+                <a:latin typeface="Calibri" panose="020F0502020204030204" pitchFamily="34" charset="0"/>
+                <a:ea typeface="宋体" panose="02010600030101010101" pitchFamily="2" charset="-122"/>
+                <a:cs typeface="Times New Roman" panose="02020603050405020304" pitchFamily="18" charset="0"/>
+              </a:rPr>
+              <a:t>下</a:t>
+            </a:r>
+            <a:r>
+              <a:rPr lang="zh-CN" altLang="zh-CN" sz="2400" dirty="0">
+                <a:latin typeface="Calibri" panose="020F0502020204030204" pitchFamily="34" charset="0"/>
+                <a:ea typeface="宋体" panose="02010600030101010101" pitchFamily="2" charset="-122"/>
+                <a:cs typeface="Times New Roman" panose="02020603050405020304" pitchFamily="18" charset="0"/>
+              </a:rPr>
+              <a:t>，各方案的指标值的离散程度，其表征的意义在于，如果</a:t>
+            </a:r>
+            <a:r>
+              <a:rPr lang="zh-CN" altLang="zh-CN" sz="2400" dirty="0" smtClean="0">
+                <a:latin typeface="Calibri" panose="020F0502020204030204" pitchFamily="34" charset="0"/>
+                <a:ea typeface="宋体" panose="02010600030101010101" pitchFamily="2" charset="-122"/>
+                <a:cs typeface="Times New Roman" panose="02020603050405020304" pitchFamily="18" charset="0"/>
+              </a:rPr>
+              <a:t>指标</a:t>
+            </a:r>
+            <a:r>
+              <a:rPr lang="en-US" altLang="zh-CN" sz="2400" dirty="0" err="1" smtClean="0">
+                <a:latin typeface="Calibri" panose="020F0502020204030204" pitchFamily="34" charset="0"/>
+                <a:ea typeface="宋体" panose="02010600030101010101" pitchFamily="2" charset="-122"/>
+                <a:cs typeface="Times New Roman" panose="02020603050405020304" pitchFamily="18" charset="0"/>
+              </a:rPr>
+              <a:t>Uj</a:t>
+            </a:r>
+            <a:r>
+              <a:rPr lang="zh-CN" altLang="zh-CN" sz="2400" dirty="0">
+                <a:latin typeface="Calibri" panose="020F0502020204030204" pitchFamily="34" charset="0"/>
+                <a:ea typeface="宋体" panose="02010600030101010101" pitchFamily="2" charset="-122"/>
+                <a:cs typeface="Times New Roman" panose="02020603050405020304" pitchFamily="18" charset="0"/>
+              </a:rPr>
+              <a:t>对于所有的方案</a:t>
+            </a:r>
+            <a:r>
+              <a:rPr lang="en-US" altLang="zh-CN" sz="2400" dirty="0" err="1">
+                <a:latin typeface="Calibri" panose="020F0502020204030204" pitchFamily="34" charset="0"/>
+                <a:ea typeface="宋体" panose="02010600030101010101" pitchFamily="2" charset="-122"/>
+                <a:cs typeface="Times New Roman" panose="02020603050405020304" pitchFamily="18" charset="0"/>
+              </a:rPr>
+              <a:t>i</a:t>
+            </a:r>
+            <a:r>
+              <a:rPr lang="zh-CN" altLang="zh-CN" sz="2400" dirty="0">
+                <a:latin typeface="Calibri" panose="020F0502020204030204" pitchFamily="34" charset="0"/>
+                <a:ea typeface="宋体" panose="02010600030101010101" pitchFamily="2" charset="-122"/>
+                <a:cs typeface="Times New Roman" panose="02020603050405020304" pitchFamily="18" charset="0"/>
+              </a:rPr>
+              <a:t>而言，均无差别，那么</a:t>
+            </a:r>
+            <a:r>
+              <a:rPr lang="zh-CN" altLang="zh-CN" sz="2400" dirty="0" smtClean="0">
+                <a:latin typeface="Calibri" panose="020F0502020204030204" pitchFamily="34" charset="0"/>
+                <a:ea typeface="宋体" panose="02010600030101010101" pitchFamily="2" charset="-122"/>
+                <a:cs typeface="Times New Roman" panose="02020603050405020304" pitchFamily="18" charset="0"/>
+              </a:rPr>
+              <a:t>指标</a:t>
+            </a:r>
+            <a:r>
+              <a:rPr lang="en-US" altLang="zh-CN" sz="2400" dirty="0" err="1" smtClean="0">
+                <a:latin typeface="Calibri" panose="020F0502020204030204" pitchFamily="34" charset="0"/>
+                <a:ea typeface="宋体" panose="02010600030101010101" pitchFamily="2" charset="-122"/>
+                <a:cs typeface="Times New Roman" panose="02020603050405020304" pitchFamily="18" charset="0"/>
+              </a:rPr>
+              <a:t>j</a:t>
+            </a:r>
+            <a:r>
+              <a:rPr lang="zh-CN" altLang="zh-CN" sz="2400" dirty="0" smtClean="0">
+                <a:latin typeface="Calibri" panose="020F0502020204030204" pitchFamily="34" charset="0"/>
+                <a:ea typeface="宋体" panose="02010600030101010101" pitchFamily="2" charset="-122"/>
+                <a:cs typeface="Times New Roman" panose="02020603050405020304" pitchFamily="18" charset="0"/>
+              </a:rPr>
+              <a:t>对</a:t>
+            </a:r>
+            <a:r>
+              <a:rPr lang="zh-CN" altLang="zh-CN" sz="2400" dirty="0">
+                <a:latin typeface="Calibri" panose="020F0502020204030204" pitchFamily="34" charset="0"/>
+                <a:ea typeface="宋体" panose="02010600030101010101" pitchFamily="2" charset="-122"/>
+                <a:cs typeface="Times New Roman" panose="02020603050405020304" pitchFamily="18" charset="0"/>
+              </a:rPr>
+              <a:t>方案决策与排序将不起作用。这样的评价指标可令其权系数为</a:t>
+            </a:r>
+            <a:r>
+              <a:rPr lang="en-US" altLang="zh-CN" sz="2400" dirty="0">
+                <a:latin typeface="Calibri" panose="020F0502020204030204" pitchFamily="34" charset="0"/>
+                <a:ea typeface="宋体" panose="02010600030101010101" pitchFamily="2" charset="-122"/>
+                <a:cs typeface="Times New Roman" panose="02020603050405020304" pitchFamily="18" charset="0"/>
+              </a:rPr>
+              <a:t>0</a:t>
+            </a:r>
+            <a:r>
+              <a:rPr lang="zh-CN" altLang="zh-CN" sz="2400" dirty="0">
+                <a:latin typeface="Calibri" panose="020F0502020204030204" pitchFamily="34" charset="0"/>
+                <a:ea typeface="宋体" panose="02010600030101010101" pitchFamily="2" charset="-122"/>
+                <a:cs typeface="Times New Roman" panose="02020603050405020304" pitchFamily="18" charset="0"/>
+              </a:rPr>
+              <a:t>；如果</a:t>
+            </a:r>
+            <a:r>
+              <a:rPr lang="zh-CN" altLang="zh-CN" sz="2400" dirty="0">
+                <a:ea typeface="Calibri" panose="020F0502020204030204" pitchFamily="34" charset="0"/>
+                <a:cs typeface="Times New Roman" panose="02020603050405020304" pitchFamily="18" charset="0"/>
+              </a:rPr>
+              <a:t> </a:t>
+            </a:r>
+            <a:r>
+              <a:rPr lang="en-US" altLang="zh-CN" sz="2400" dirty="0" err="1">
+                <a:ea typeface="Calibri" panose="020F0502020204030204" pitchFamily="34" charset="0"/>
+                <a:cs typeface="Times New Roman" panose="02020603050405020304" pitchFamily="18" charset="0"/>
+              </a:rPr>
+              <a:t>Uj</a:t>
+            </a:r>
+            <a:r>
+              <a:rPr lang="en-US" altLang="zh-CN" sz="2400" dirty="0">
+                <a:ea typeface="Calibri" panose="020F0502020204030204" pitchFamily="34" charset="0"/>
+                <a:cs typeface="Times New Roman" panose="02020603050405020304" pitchFamily="18" charset="0"/>
+              </a:rPr>
+              <a:t> </a:t>
+            </a:r>
+            <a:r>
+              <a:rPr lang="zh-CN" altLang="zh-CN" sz="2400" dirty="0">
+                <a:latin typeface="Calibri" panose="020F0502020204030204" pitchFamily="34" charset="0"/>
+                <a:ea typeface="宋体" panose="02010600030101010101" pitchFamily="2" charset="-122"/>
+                <a:cs typeface="Times New Roman" panose="02020603050405020304" pitchFamily="18" charset="0"/>
+              </a:rPr>
+              <a:t>指标能使所有决策方案的指标值有较大差异</a:t>
+            </a:r>
+            <a:r>
+              <a:rPr lang="en-US" altLang="zh-CN" sz="2400" dirty="0">
+                <a:latin typeface="Calibri" panose="020F0502020204030204" pitchFamily="34" charset="0"/>
+                <a:ea typeface="宋体" panose="02010600030101010101" pitchFamily="2" charset="-122"/>
+                <a:cs typeface="Times New Roman" panose="02020603050405020304" pitchFamily="18" charset="0"/>
+              </a:rPr>
+              <a:t> ,</a:t>
+            </a:r>
+            <a:r>
+              <a:rPr lang="zh-CN" altLang="zh-CN" sz="2400" dirty="0">
+                <a:latin typeface="Calibri" panose="020F0502020204030204" pitchFamily="34" charset="0"/>
+                <a:ea typeface="宋体" panose="02010600030101010101" pitchFamily="2" charset="-122"/>
+                <a:cs typeface="Times New Roman" panose="02020603050405020304" pitchFamily="18" charset="0"/>
+              </a:rPr>
+              <a:t>这样的评价指标对方案决策与排序将起重要作用</a:t>
+            </a:r>
+            <a:r>
+              <a:rPr lang="en-US" altLang="zh-CN" sz="2400" dirty="0">
+                <a:latin typeface="Calibri" panose="020F0502020204030204" pitchFamily="34" charset="0"/>
+                <a:ea typeface="宋体" panose="02010600030101010101" pitchFamily="2" charset="-122"/>
+                <a:cs typeface="Times New Roman" panose="02020603050405020304" pitchFamily="18" charset="0"/>
+              </a:rPr>
+              <a:t> ,</a:t>
+            </a:r>
+            <a:r>
+              <a:rPr lang="zh-CN" altLang="zh-CN" sz="2400" dirty="0">
+                <a:latin typeface="Calibri" panose="020F0502020204030204" pitchFamily="34" charset="0"/>
+                <a:ea typeface="宋体" panose="02010600030101010101" pitchFamily="2" charset="-122"/>
+                <a:cs typeface="Times New Roman" panose="02020603050405020304" pitchFamily="18" charset="0"/>
+              </a:rPr>
+              <a:t>应该给予较大的权系数。</a:t>
+            </a:r>
+            <a:endParaRPr lang="zh-CN" altLang="en-US" sz="2400" dirty="0"/>
+          </a:p>
+        </p:txBody>
+      </p:sp>
+    </p:spTree>
+    <p:extLst>
+      <p:ext uri="{BB962C8B-B14F-4D97-AF65-F5344CB8AC3E}">
+        <p14:creationId xmlns:p14="http://schemas.microsoft.com/office/powerpoint/2010/main" val="4158433066"/>
+      </p:ext>
+    </p:extLst>
+  </p:cSld>
+  <p:clrMapOvr>
+    <a:masterClrMapping/>
+  </p:clrMapOvr>
+</p:sld>
+</file>
+
+<file path=ppt/slides/slide4.xml><?xml version="1.0" encoding="utf-8"?>
+<p:sld xmlns:a="http://schemas.openxmlformats.org/drawingml/2006/main" xmlns:r="http://schemas.openxmlformats.org/officeDocument/2006/relationships" xmlns:p="http://schemas.openxmlformats.org/presentationml/2006/main">
+  <p:cSld>
+    <p:spTree>
+      <p:nvGrpSpPr>
+        <p:cNvPr id="1" name=""/>
+        <p:cNvGrpSpPr/>
+        <p:nvPr/>
+      </p:nvGrpSpPr>
+      <p:grpSpPr>
+        <a:xfrm>
+          <a:off x="0" y="0"/>
+          <a:ext cx="0" cy="0"/>
+          <a:chOff x="0" y="0"/>
+          <a:chExt cx="0" cy="0"/>
+        </a:xfrm>
+      </p:grpSpPr>
+      <p:sp>
+        <p:nvSpPr>
+          <p:cNvPr id="2" name="标题 1"/>
+          <p:cNvSpPr>
+            <a:spLocks noGrp="1"/>
+          </p:cNvSpPr>
+          <p:nvPr>
+            <p:ph type="title"/>
+          </p:nvPr>
+        </p:nvSpPr>
+        <p:spPr/>
+        <p:txBody>
+          <a:bodyPr/>
+          <a:lstStyle/>
+          <a:p>
+            <a:r>
+              <a:rPr lang="zh-CN" altLang="en-US" b="1" dirty="0" smtClean="0"/>
+              <a:t>故障模型</a:t>
+            </a:r>
+            <a:endParaRPr lang="zh-CN" altLang="en-US" b="1" dirty="0"/>
+          </a:p>
+        </p:txBody>
+      </p:sp>
+      <p:sp>
+        <p:nvSpPr>
+          <p:cNvPr id="3" name="内容占位符 2"/>
+          <p:cNvSpPr>
+            <a:spLocks noGrp="1"/>
+          </p:cNvSpPr>
+          <p:nvPr>
+            <p:ph idx="1"/>
+          </p:nvPr>
+        </p:nvSpPr>
+        <p:spPr/>
+        <p:txBody>
+          <a:bodyPr/>
+          <a:lstStyle/>
+          <a:p>
+            <a:pPr marL="0" indent="0">
+              <a:buNone/>
+            </a:pPr>
+            <a:r>
+              <a:rPr lang="zh-CN" altLang="en-US" dirty="0" smtClean="0"/>
+              <a:t>静态模型：</a:t>
+            </a:r>
+            <a:endParaRPr lang="en-US" altLang="zh-CN" dirty="0" smtClean="0"/>
+          </a:p>
+          <a:p>
+            <a:pPr marL="0" indent="0">
+              <a:buNone/>
+            </a:pPr>
+            <a:r>
+              <a:rPr lang="en-US" altLang="zh-CN" dirty="0"/>
+              <a:t> </a:t>
+            </a:r>
+            <a:r>
+              <a:rPr lang="en-US" altLang="zh-CN" dirty="0" smtClean="0"/>
+              <a:t>       </a:t>
+            </a:r>
+            <a:r>
+              <a:rPr lang="zh-CN" altLang="en-US" dirty="0" smtClean="0"/>
+              <a:t>整个攻击过程只按照初始统计的网络参数，并不考虑过程中节点负荷随网络结构改变而发生的动态变化。</a:t>
+            </a:r>
+            <a:endParaRPr lang="en-US" altLang="zh-CN" dirty="0" smtClean="0"/>
+          </a:p>
+          <a:p>
+            <a:pPr marL="0" indent="0">
+              <a:buNone/>
+            </a:pPr>
+            <a:endParaRPr lang="en-US" altLang="zh-CN" dirty="0" smtClean="0"/>
+          </a:p>
+          <a:p>
+            <a:pPr marL="0" indent="0">
+              <a:buNone/>
+            </a:pPr>
+            <a:r>
+              <a:rPr lang="zh-CN" altLang="en-US" dirty="0" smtClean="0"/>
+              <a:t>动态模型：</a:t>
+            </a:r>
+            <a:endParaRPr lang="en-US" altLang="zh-CN" dirty="0" smtClean="0"/>
+          </a:p>
+          <a:p>
+            <a:pPr marL="0" indent="0">
+              <a:buNone/>
+            </a:pPr>
+            <a:r>
+              <a:rPr lang="en-US" altLang="zh-CN" dirty="0"/>
+              <a:t> </a:t>
+            </a:r>
+            <a:r>
+              <a:rPr lang="en-US" altLang="zh-CN" dirty="0" smtClean="0"/>
+              <a:t>       </a:t>
+            </a:r>
+            <a:r>
+              <a:rPr lang="zh-CN" altLang="en-US" dirty="0"/>
+              <a:t>每</a:t>
+            </a:r>
+            <a:r>
+              <a:rPr lang="zh-CN" altLang="en-US" dirty="0" smtClean="0"/>
+              <a:t>攻击破坏一个节点以后，网络中的节点指标都会被重新计算一遍。</a:t>
+            </a:r>
+            <a:endParaRPr lang="zh-CN" altLang="en-US" dirty="0"/>
+          </a:p>
+        </p:txBody>
+      </p:sp>
+    </p:spTree>
+    <p:extLst>
+      <p:ext uri="{BB962C8B-B14F-4D97-AF65-F5344CB8AC3E}">
+        <p14:creationId xmlns:p14="http://schemas.microsoft.com/office/powerpoint/2010/main" val="3015440500"/>
+      </p:ext>
+    </p:extLst>
+  </p:cSld>
+  <p:clrMapOvr>
+    <a:masterClrMapping/>
+  </p:clrMapOvr>
+</p:sld>
+</file>
+
+<file path=ppt/slides/slide40.xml><?xml version="1.0" encoding="utf-8"?>
+<p:sld xmlns:a="http://schemas.openxmlformats.org/drawingml/2006/main" xmlns:r="http://schemas.openxmlformats.org/officeDocument/2006/relationships" xmlns:p="http://schemas.openxmlformats.org/presentationml/2006/main">
+  <p:cSld>
+    <p:spTree>
+      <p:nvGrpSpPr>
+        <p:cNvPr id="1" name=""/>
+        <p:cNvGrpSpPr/>
+        <p:nvPr/>
+      </p:nvGrpSpPr>
+      <p:grpSpPr>
+        <a:xfrm>
+          <a:off x="0" y="0"/>
+          <a:ext cx="0" cy="0"/>
+          <a:chOff x="0" y="0"/>
+          <a:chExt cx="0" cy="0"/>
+        </a:xfrm>
+      </p:grpSpPr>
+      <p:sp>
+        <p:nvSpPr>
+          <p:cNvPr id="2" name="标题 1"/>
+          <p:cNvSpPr>
+            <a:spLocks noGrp="1"/>
+          </p:cNvSpPr>
+          <p:nvPr>
+            <p:ph type="title"/>
+          </p:nvPr>
+        </p:nvSpPr>
+        <p:spPr>
+          <a:xfrm>
+            <a:off x="838200" y="365125"/>
+            <a:ext cx="7454900" cy="587375"/>
+          </a:xfrm>
+        </p:spPr>
+        <p:txBody>
+          <a:bodyPr>
+            <a:normAutofit/>
+          </a:bodyPr>
+          <a:lstStyle/>
+          <a:p>
+            <a:r>
+              <a:rPr lang="zh-CN" altLang="en-US" sz="3200" b="1" dirty="0" smtClean="0"/>
+              <a:t>信息增益</a:t>
+            </a:r>
+            <a:r>
+              <a:rPr lang="zh-CN" altLang="en-US" sz="3200" b="1" dirty="0" smtClean="0"/>
+              <a:t>法 （</a:t>
+            </a:r>
+            <a:r>
+              <a:rPr lang="zh-CN" altLang="en-US" sz="2400" b="1" dirty="0" smtClean="0"/>
+              <a:t>状态指标和结构指标的权重确定</a:t>
+            </a:r>
+            <a:r>
+              <a:rPr lang="zh-CN" altLang="en-US" sz="3200" b="1" dirty="0" smtClean="0"/>
+              <a:t>）</a:t>
+            </a:r>
+            <a:endParaRPr lang="zh-CN" altLang="en-US" sz="3200" b="1" dirty="0"/>
+          </a:p>
+        </p:txBody>
+      </p:sp>
+      <p:sp>
+        <p:nvSpPr>
+          <p:cNvPr id="6" name="矩形 5"/>
+          <p:cNvSpPr/>
+          <p:nvPr/>
+        </p:nvSpPr>
+        <p:spPr>
+          <a:xfrm>
+            <a:off x="946150" y="996950"/>
+            <a:ext cx="8661400" cy="1477328"/>
+          </a:xfrm>
+          <a:prstGeom prst="rect">
+            <a:avLst/>
+          </a:prstGeom>
+        </p:spPr>
+        <p:txBody>
+          <a:bodyPr wrap="square">
+            <a:spAutoFit/>
+          </a:bodyPr>
+          <a:lstStyle/>
+          <a:p>
+            <a:pPr indent="266700" algn="just">
+              <a:spcAft>
+                <a:spcPts val="0"/>
+              </a:spcAft>
+            </a:pPr>
+            <a:r>
+              <a:rPr lang="zh-CN" altLang="zh-CN" kern="100" dirty="0">
+                <a:latin typeface="Calibri" panose="020F0502020204030204" pitchFamily="34" charset="0"/>
+                <a:ea typeface="宋体" panose="02010600030101010101" pitchFamily="2" charset="-122"/>
+                <a:cs typeface="Times New Roman" panose="02020603050405020304" pitchFamily="18" charset="0"/>
+              </a:rPr>
+              <a:t>信息增益法确定权重：</a:t>
+            </a:r>
+          </a:p>
+          <a:p>
+            <a:pPr indent="266700" algn="just">
+              <a:spcAft>
+                <a:spcPts val="0"/>
+              </a:spcAft>
+            </a:pPr>
+            <a:r>
+              <a:rPr lang="zh-CN" altLang="zh-CN" kern="100" dirty="0">
+                <a:latin typeface="Calibri" panose="020F0502020204030204" pitchFamily="34" charset="0"/>
+                <a:ea typeface="宋体" panose="02010600030101010101" pitchFamily="2" charset="-122"/>
+                <a:cs typeface="Times New Roman" panose="02020603050405020304" pitchFamily="18" charset="0"/>
+              </a:rPr>
+              <a:t>意义：当一个指标的信息增益值越大，说明在该指标下，各节点的指标值的无序离散程度大，说明该指标对各节点的影响程度差别很大</a:t>
+            </a:r>
+            <a:r>
+              <a:rPr lang="zh-CN" altLang="zh-CN" kern="100" dirty="0" smtClean="0">
+                <a:latin typeface="Calibri" panose="020F0502020204030204" pitchFamily="34" charset="0"/>
+                <a:ea typeface="宋体" panose="02010600030101010101" pitchFamily="2" charset="-122"/>
+                <a:cs typeface="Times New Roman" panose="02020603050405020304" pitchFamily="18" charset="0"/>
+              </a:rPr>
+              <a:t>，</a:t>
+            </a:r>
+            <a:r>
+              <a:rPr lang="zh-CN" altLang="en-US" kern="100" dirty="0" smtClean="0">
+                <a:latin typeface="Calibri" panose="020F0502020204030204" pitchFamily="34" charset="0"/>
+                <a:ea typeface="宋体" panose="02010600030101010101" pitchFamily="2" charset="-122"/>
+                <a:cs typeface="Times New Roman" panose="02020603050405020304" pitchFamily="18" charset="0"/>
+              </a:rPr>
+              <a:t>从而各节点的脆弱</a:t>
+            </a:r>
+            <a:r>
+              <a:rPr lang="zh-CN" altLang="en-US" kern="100" dirty="0" smtClean="0">
+                <a:latin typeface="Calibri" panose="020F0502020204030204" pitchFamily="34" charset="0"/>
+                <a:ea typeface="宋体" panose="02010600030101010101" pitchFamily="2" charset="-122"/>
+                <a:cs typeface="Times New Roman" panose="02020603050405020304" pitchFamily="18" charset="0"/>
+              </a:rPr>
+              <a:t>程度有很大的差别，</a:t>
+            </a:r>
+            <a:r>
+              <a:rPr lang="zh-CN" altLang="en-US" kern="100" dirty="0" smtClean="0">
+                <a:latin typeface="Calibri" panose="020F0502020204030204" pitchFamily="34" charset="0"/>
+                <a:ea typeface="宋体" panose="02010600030101010101" pitchFamily="2" charset="-122"/>
+                <a:cs typeface="Times New Roman" panose="02020603050405020304" pitchFamily="18" charset="0"/>
+              </a:rPr>
+              <a:t>当环境对某些</a:t>
+            </a:r>
+            <a:r>
+              <a:rPr lang="zh-CN" altLang="zh-CN" kern="100" dirty="0" smtClean="0">
+                <a:latin typeface="Calibri" panose="020F0502020204030204" pitchFamily="34" charset="0"/>
+                <a:ea typeface="宋体" panose="02010600030101010101" pitchFamily="2" charset="-122"/>
+                <a:cs typeface="Times New Roman" panose="02020603050405020304" pitchFamily="18" charset="0"/>
+              </a:rPr>
+              <a:t>极脆弱</a:t>
+            </a:r>
+            <a:r>
+              <a:rPr lang="zh-CN" altLang="zh-CN" kern="100" dirty="0">
+                <a:latin typeface="Calibri" panose="020F0502020204030204" pitchFamily="34" charset="0"/>
+                <a:ea typeface="宋体" panose="02010600030101010101" pitchFamily="2" charset="-122"/>
+                <a:cs typeface="Times New Roman" panose="02020603050405020304" pitchFamily="18" charset="0"/>
+              </a:rPr>
+              <a:t>节点造成极大影响，进而形成故障，导致电力系统产生连锁故障，破坏电力系统正常的均衡状态。</a:t>
+            </a:r>
+          </a:p>
+        </p:txBody>
+      </p:sp>
+      <p:graphicFrame>
+        <p:nvGraphicFramePr>
+          <p:cNvPr id="4" name="对象 3"/>
+          <p:cNvGraphicFramePr>
+            <a:graphicFrameLocks noChangeAspect="1"/>
+          </p:cNvGraphicFramePr>
+          <p:nvPr>
+            <p:extLst>
+              <p:ext uri="{D42A27DB-BD31-4B8C-83A1-F6EECF244321}">
+                <p14:modId xmlns:p14="http://schemas.microsoft.com/office/powerpoint/2010/main" val="2720605853"/>
+              </p:ext>
+            </p:extLst>
+          </p:nvPr>
+        </p:nvGraphicFramePr>
+        <p:xfrm>
+          <a:off x="1873250" y="2940050"/>
+          <a:ext cx="2997200" cy="869950"/>
+        </p:xfrm>
+        <a:graphic>
+          <a:graphicData uri="http://schemas.openxmlformats.org/presentationml/2006/ole">
+            <mc:AlternateContent xmlns:mc="http://schemas.openxmlformats.org/markup-compatibility/2006">
+              <mc:Choice xmlns:v="urn:schemas-microsoft-com:vml" Requires="v">
+                <p:oleObj spid="_x0000_s7173" name="Equation" r:id="rId4" imgW="1498320" imgH="431640" progId="Equation.DSMT4">
+                  <p:embed/>
+                </p:oleObj>
+              </mc:Choice>
+              <mc:Fallback>
+                <p:oleObj name="Equation" r:id="rId4" imgW="1498320" imgH="431640" progId="Equation.DSMT4">
+                  <p:embed/>
+                  <p:pic>
+                    <p:nvPicPr>
+                      <p:cNvPr id="0" name="Object 1"/>
+                      <p:cNvPicPr>
+                        <a:picLocks noChangeAspect="1" noChangeArrowheads="1"/>
+                      </p:cNvPicPr>
+                      <p:nvPr/>
+                    </p:nvPicPr>
+                    <p:blipFill>
+                      <a:blip r:embed="rId5"/>
+                      <a:srcRect/>
+                      <a:stretch>
+                        <a:fillRect/>
+                      </a:stretch>
+                    </p:blipFill>
+                    <p:spPr bwMode="auto">
+                      <a:xfrm>
+                        <a:off x="1873250" y="2940050"/>
+                        <a:ext cx="2997200" cy="869950"/>
+                      </a:xfrm>
+                      <a:prstGeom prst="rect">
+                        <a:avLst/>
+                      </a:prstGeom>
+                      <a:noFill/>
+                    </p:spPr>
+                  </p:pic>
+                </p:oleObj>
+              </mc:Fallback>
+            </mc:AlternateContent>
+          </a:graphicData>
+        </a:graphic>
+      </p:graphicFrame>
+    </p:spTree>
+    <p:extLst>
+      <p:ext uri="{BB962C8B-B14F-4D97-AF65-F5344CB8AC3E}">
+        <p14:creationId xmlns:p14="http://schemas.microsoft.com/office/powerpoint/2010/main" val="3012756999"/>
+      </p:ext>
+    </p:extLst>
+  </p:cSld>
+  <p:clrMapOvr>
+    <a:masterClrMapping/>
+  </p:clrMapOvr>
+</p:sld>
+</file>
+
+<file path=ppt/slides/slide41.xml><?xml version="1.0" encoding="utf-8"?>
+<p:sld xmlns:a="http://schemas.openxmlformats.org/drawingml/2006/main" xmlns:r="http://schemas.openxmlformats.org/officeDocument/2006/relationships" xmlns:p="http://schemas.openxmlformats.org/presentationml/2006/main">
+  <p:cSld>
+    <p:spTree>
+      <p:nvGrpSpPr>
+        <p:cNvPr id="1" name=""/>
+        <p:cNvGrpSpPr/>
+        <p:nvPr/>
+      </p:nvGrpSpPr>
+      <p:grpSpPr>
+        <a:xfrm>
+          <a:off x="0" y="0"/>
+          <a:ext cx="0" cy="0"/>
+          <a:chOff x="0" y="0"/>
+          <a:chExt cx="0" cy="0"/>
+        </a:xfrm>
+      </p:grpSpPr>
+      <p:sp>
+        <p:nvSpPr>
           <p:cNvPr id="12" name="矩形 11"/>
           <p:cNvSpPr/>
           <p:nvPr/>
@@ -12340,7 +16148,7 @@
 </p:sld>
 </file>
 
-<file path=ppt/slides/slide4.xml><?xml version="1.0" encoding="utf-8"?>
+<file path=ppt/slides/slide42.xml><?xml version="1.0" encoding="utf-8"?>
 <p:sld xmlns:a="http://schemas.openxmlformats.org/drawingml/2006/main" xmlns:r="http://schemas.openxmlformats.org/officeDocument/2006/relationships" xmlns:p="http://schemas.openxmlformats.org/presentationml/2006/main">
   <p:cSld>
     <p:spTree>
@@ -12367,16 +16175,277 @@
             <p:ph type="title"/>
           </p:nvPr>
         </p:nvSpPr>
+        <p:spPr>
+          <a:xfrm>
+            <a:off x="838200" y="365125"/>
+            <a:ext cx="10515600" cy="809625"/>
+          </a:xfrm>
+        </p:spPr>
+        <p:txBody>
+          <a:bodyPr>
+            <a:normAutofit/>
+          </a:bodyPr>
+          <a:lstStyle/>
+          <a:p>
+            <a:r>
+              <a:rPr lang="zh-CN" altLang="en-US" sz="3600" b="1" dirty="0"/>
+              <a:t>状态</a:t>
+            </a:r>
+            <a:r>
+              <a:rPr lang="zh-CN" altLang="en-US" sz="3600" b="1" dirty="0" smtClean="0"/>
+              <a:t>脆弱性</a:t>
+            </a:r>
+            <a:endParaRPr lang="zh-CN" altLang="en-US" sz="3600" b="1" dirty="0"/>
+          </a:p>
+        </p:txBody>
+      </p:sp>
+      <p:graphicFrame>
+        <p:nvGraphicFramePr>
+          <p:cNvPr id="4" name="内容占位符 3"/>
+          <p:cNvGraphicFramePr>
+            <a:graphicFrameLocks noGrp="1"/>
+          </p:cNvGraphicFramePr>
+          <p:nvPr>
+            <p:ph idx="1"/>
+            <p:extLst>
+              <p:ext uri="{D42A27DB-BD31-4B8C-83A1-F6EECF244321}">
+                <p14:modId xmlns:p14="http://schemas.microsoft.com/office/powerpoint/2010/main" val="2425317239"/>
+              </p:ext>
+            </p:extLst>
+          </p:nvPr>
+        </p:nvGraphicFramePr>
+        <p:xfrm>
+          <a:off x="838200" y="1314450"/>
+          <a:ext cx="8737600" cy="4114799"/>
+        </p:xfrm>
+        <a:graphic>
+          <a:graphicData uri="http://schemas.openxmlformats.org/drawingml/2006/chart">
+            <c:chart xmlns:c="http://schemas.openxmlformats.org/drawingml/2006/chart" xmlns:r="http://schemas.openxmlformats.org/officeDocument/2006/relationships" r:id="rId2"/>
+          </a:graphicData>
+        </a:graphic>
+      </p:graphicFrame>
+    </p:spTree>
+    <p:extLst>
+      <p:ext uri="{BB962C8B-B14F-4D97-AF65-F5344CB8AC3E}">
+        <p14:creationId xmlns:p14="http://schemas.microsoft.com/office/powerpoint/2010/main" val="2010933337"/>
+      </p:ext>
+    </p:extLst>
+  </p:cSld>
+  <p:clrMapOvr>
+    <a:masterClrMapping/>
+  </p:clrMapOvr>
+</p:sld>
+</file>
+
+<file path=ppt/slides/slide43.xml><?xml version="1.0" encoding="utf-8"?>
+<p:sld xmlns:a="http://schemas.openxmlformats.org/drawingml/2006/main" xmlns:r="http://schemas.openxmlformats.org/officeDocument/2006/relationships" xmlns:p="http://schemas.openxmlformats.org/presentationml/2006/main">
+  <p:cSld>
+    <p:spTree>
+      <p:nvGrpSpPr>
+        <p:cNvPr id="1" name=""/>
+        <p:cNvGrpSpPr/>
+        <p:nvPr/>
+      </p:nvGrpSpPr>
+      <p:grpSpPr>
+        <a:xfrm>
+          <a:off x="0" y="0"/>
+          <a:ext cx="0" cy="0"/>
+          <a:chOff x="0" y="0"/>
+          <a:chExt cx="0" cy="0"/>
+        </a:xfrm>
+      </p:grpSpPr>
+      <p:sp>
+        <p:nvSpPr>
+          <p:cNvPr id="2" name="标题 1"/>
+          <p:cNvSpPr>
+            <a:spLocks noGrp="1"/>
+          </p:cNvSpPr>
+          <p:nvPr>
+            <p:ph type="title"/>
+          </p:nvPr>
+        </p:nvSpPr>
+        <p:spPr>
+          <a:xfrm>
+            <a:off x="838200" y="365125"/>
+            <a:ext cx="10515600" cy="809625"/>
+          </a:xfrm>
+        </p:spPr>
+        <p:txBody>
+          <a:bodyPr>
+            <a:normAutofit/>
+          </a:bodyPr>
+          <a:lstStyle/>
+          <a:p>
+            <a:r>
+              <a:rPr lang="zh-CN" altLang="en-US" sz="3600" b="1" dirty="0"/>
+              <a:t>结构</a:t>
+            </a:r>
+            <a:r>
+              <a:rPr lang="zh-CN" altLang="en-US" sz="3600" b="1" dirty="0" smtClean="0"/>
+              <a:t>脆弱性</a:t>
+            </a:r>
+            <a:endParaRPr lang="zh-CN" altLang="en-US" sz="3600" b="1" dirty="0"/>
+          </a:p>
+        </p:txBody>
+      </p:sp>
+      <p:graphicFrame>
+        <p:nvGraphicFramePr>
+          <p:cNvPr id="5" name="图表 4"/>
+          <p:cNvGraphicFramePr>
+            <a:graphicFrameLocks/>
+          </p:cNvGraphicFramePr>
+          <p:nvPr>
+            <p:extLst>
+              <p:ext uri="{D42A27DB-BD31-4B8C-83A1-F6EECF244321}">
+                <p14:modId xmlns:p14="http://schemas.microsoft.com/office/powerpoint/2010/main" val="2498556194"/>
+              </p:ext>
+            </p:extLst>
+          </p:nvPr>
+        </p:nvGraphicFramePr>
+        <p:xfrm>
+          <a:off x="838199" y="1071349"/>
+          <a:ext cx="9629633" cy="5179325"/>
+        </p:xfrm>
+        <a:graphic>
+          <a:graphicData uri="http://schemas.openxmlformats.org/drawingml/2006/chart">
+            <c:chart xmlns:c="http://schemas.openxmlformats.org/drawingml/2006/chart" xmlns:r="http://schemas.openxmlformats.org/officeDocument/2006/relationships" r:id="rId2"/>
+          </a:graphicData>
+        </a:graphic>
+      </p:graphicFrame>
+    </p:spTree>
+    <p:extLst>
+      <p:ext uri="{BB962C8B-B14F-4D97-AF65-F5344CB8AC3E}">
+        <p14:creationId xmlns:p14="http://schemas.microsoft.com/office/powerpoint/2010/main" val="4181391562"/>
+      </p:ext>
+    </p:extLst>
+  </p:cSld>
+  <p:clrMapOvr>
+    <a:masterClrMapping/>
+  </p:clrMapOvr>
+</p:sld>
+</file>
+
+<file path=ppt/slides/slide44.xml><?xml version="1.0" encoding="utf-8"?>
+<p:sld xmlns:a="http://schemas.openxmlformats.org/drawingml/2006/main" xmlns:r="http://schemas.openxmlformats.org/officeDocument/2006/relationships" xmlns:p="http://schemas.openxmlformats.org/presentationml/2006/main">
+  <p:cSld>
+    <p:spTree>
+      <p:nvGrpSpPr>
+        <p:cNvPr id="1" name=""/>
+        <p:cNvGrpSpPr/>
+        <p:nvPr/>
+      </p:nvGrpSpPr>
+      <p:grpSpPr>
+        <a:xfrm>
+          <a:off x="0" y="0"/>
+          <a:ext cx="0" cy="0"/>
+          <a:chOff x="0" y="0"/>
+          <a:chExt cx="0" cy="0"/>
+        </a:xfrm>
+      </p:grpSpPr>
+      <p:sp>
+        <p:nvSpPr>
+          <p:cNvPr id="2" name="标题 1"/>
+          <p:cNvSpPr>
+            <a:spLocks noGrp="1"/>
+          </p:cNvSpPr>
+          <p:nvPr>
+            <p:ph type="title"/>
+          </p:nvPr>
+        </p:nvSpPr>
+        <p:spPr>
+          <a:xfrm>
+            <a:off x="838200" y="365125"/>
+            <a:ext cx="10515600" cy="809625"/>
+          </a:xfrm>
+        </p:spPr>
+        <p:txBody>
+          <a:bodyPr>
+            <a:normAutofit/>
+          </a:bodyPr>
+          <a:lstStyle/>
+          <a:p>
+            <a:r>
+              <a:rPr lang="zh-CN" altLang="en-US" sz="3600" b="1" dirty="0"/>
+              <a:t>综合</a:t>
+            </a:r>
+            <a:r>
+              <a:rPr lang="zh-CN" altLang="en-US" sz="3600" b="1" dirty="0" smtClean="0"/>
+              <a:t>脆弱性</a:t>
+            </a:r>
+            <a:endParaRPr lang="zh-CN" altLang="en-US" sz="3600" b="1" dirty="0"/>
+          </a:p>
+        </p:txBody>
+      </p:sp>
+      <p:graphicFrame>
+        <p:nvGraphicFramePr>
+          <p:cNvPr id="4" name="图表 3"/>
+          <p:cNvGraphicFramePr>
+            <a:graphicFrameLocks/>
+          </p:cNvGraphicFramePr>
+          <p:nvPr>
+            <p:extLst>
+              <p:ext uri="{D42A27DB-BD31-4B8C-83A1-F6EECF244321}">
+                <p14:modId xmlns:p14="http://schemas.microsoft.com/office/powerpoint/2010/main" val="4126443913"/>
+              </p:ext>
+            </p:extLst>
+          </p:nvPr>
+        </p:nvGraphicFramePr>
+        <p:xfrm>
+          <a:off x="838200" y="1304896"/>
+          <a:ext cx="9001836" cy="4850244"/>
+        </p:xfrm>
+        <a:graphic>
+          <a:graphicData uri="http://schemas.openxmlformats.org/drawingml/2006/chart">
+            <c:chart xmlns:c="http://schemas.openxmlformats.org/drawingml/2006/chart" xmlns:r="http://schemas.openxmlformats.org/officeDocument/2006/relationships" r:id="rId2"/>
+          </a:graphicData>
+        </a:graphic>
+      </p:graphicFrame>
+    </p:spTree>
+    <p:extLst>
+      <p:ext uri="{BB962C8B-B14F-4D97-AF65-F5344CB8AC3E}">
+        <p14:creationId xmlns:p14="http://schemas.microsoft.com/office/powerpoint/2010/main" val="1833967103"/>
+      </p:ext>
+    </p:extLst>
+  </p:cSld>
+  <p:clrMapOvr>
+    <a:masterClrMapping/>
+  </p:clrMapOvr>
+</p:sld>
+</file>
+
+<file path=ppt/slides/slide45.xml><?xml version="1.0" encoding="utf-8"?>
+<p:sld xmlns:a="http://schemas.openxmlformats.org/drawingml/2006/main" xmlns:r="http://schemas.openxmlformats.org/officeDocument/2006/relationships" xmlns:p="http://schemas.openxmlformats.org/presentationml/2006/main">
+  <p:cSld>
+    <p:spTree>
+      <p:nvGrpSpPr>
+        <p:cNvPr id="1" name=""/>
+        <p:cNvGrpSpPr/>
+        <p:nvPr/>
+      </p:nvGrpSpPr>
+      <p:grpSpPr>
+        <a:xfrm>
+          <a:off x="0" y="0"/>
+          <a:ext cx="0" cy="0"/>
+          <a:chOff x="0" y="0"/>
+          <a:chExt cx="0" cy="0"/>
+        </a:xfrm>
+      </p:grpSpPr>
+      <p:sp>
+        <p:nvSpPr>
+          <p:cNvPr id="2" name="标题 1"/>
+          <p:cNvSpPr>
+            <a:spLocks noGrp="1"/>
+          </p:cNvSpPr>
+          <p:nvPr>
+            <p:ph type="title"/>
+          </p:nvPr>
+        </p:nvSpPr>
         <p:spPr/>
         <p:txBody>
           <a:bodyPr/>
           <a:lstStyle/>
           <a:p>
-            <a:r>
-              <a:rPr lang="zh-CN" altLang="en-US" b="1" dirty="0" smtClean="0"/>
-              <a:t>故障模型</a:t>
-            </a:r>
-            <a:endParaRPr lang="zh-CN" altLang="en-US" b="1" dirty="0"/>
+            <a:endParaRPr lang="zh-CN" altLang="en-US" dirty="0"/>
           </a:p>
         </p:txBody>
       </p:sp>
@@ -12395,77 +16464,14 @@
           <a:bodyPr/>
           <a:lstStyle/>
           <a:p>
-            <a:pPr marL="0" indent="0">
-              <a:buNone/>
-            </a:pPr>
-            <a:r>
-              <a:rPr lang="zh-CN" altLang="en-US" dirty="0" smtClean="0"/>
-              <a:t>静态模型：</a:t>
-            </a:r>
-            <a:endParaRPr lang="en-US" altLang="zh-CN" dirty="0" smtClean="0"/>
-          </a:p>
-          <a:p>
-            <a:pPr marL="0" indent="0">
-              <a:buNone/>
-            </a:pPr>
-            <a:r>
-              <a:rPr lang="en-US" altLang="zh-CN" dirty="0"/>
-              <a:t> </a:t>
-            </a:r>
-            <a:r>
-              <a:rPr lang="en-US" altLang="zh-CN" dirty="0" smtClean="0"/>
-              <a:t>       </a:t>
-            </a:r>
-            <a:r>
-              <a:rPr lang="zh-CN" altLang="en-US" dirty="0" smtClean="0"/>
-              <a:t>整个攻击过程只按照初始统计的网络参数，并不考虑过程中节点负荷随网络结构改变而发生的动态变化。</a:t>
-            </a:r>
-            <a:endParaRPr lang="en-US" altLang="zh-CN" dirty="0" smtClean="0"/>
-          </a:p>
-          <a:p>
-            <a:pPr marL="0" indent="0">
-              <a:buNone/>
-            </a:pPr>
-            <a:endParaRPr lang="en-US" altLang="zh-CN" dirty="0" smtClean="0"/>
-          </a:p>
-          <a:p>
-            <a:pPr marL="0" indent="0">
-              <a:buNone/>
-            </a:pPr>
-            <a:r>
-              <a:rPr lang="zh-CN" altLang="en-US" dirty="0" smtClean="0"/>
-              <a:t>动态模型：</a:t>
-            </a:r>
-            <a:endParaRPr lang="en-US" altLang="zh-CN" dirty="0" smtClean="0"/>
-          </a:p>
-          <a:p>
-            <a:pPr marL="0" indent="0">
-              <a:buNone/>
-            </a:pPr>
-            <a:r>
-              <a:rPr lang="en-US" altLang="zh-CN" dirty="0"/>
-              <a:t> </a:t>
-            </a:r>
-            <a:r>
-              <a:rPr lang="en-US" altLang="zh-CN" dirty="0" smtClean="0"/>
-              <a:t>       </a:t>
-            </a:r>
-            <a:r>
-              <a:rPr lang="zh-CN" altLang="en-US" dirty="0"/>
-              <a:t>每</a:t>
-            </a:r>
-            <a:r>
-              <a:rPr lang="zh-CN" altLang="en-US" dirty="0" smtClean="0"/>
-              <a:t>攻击破坏一个节点以后，网络中的节点指标都会被重新计算一遍。</a:t>
-            </a:r>
-            <a:endParaRPr lang="zh-CN" altLang="en-US" dirty="0"/>
+            <a:endParaRPr lang="zh-CN" altLang="en-US"/>
           </a:p>
         </p:txBody>
       </p:sp>
     </p:spTree>
     <p:extLst>
       <p:ext uri="{BB962C8B-B14F-4D97-AF65-F5344CB8AC3E}">
-        <p14:creationId xmlns:p14="http://schemas.microsoft.com/office/powerpoint/2010/main" val="3015440500"/>
+        <p14:creationId xmlns:p14="http://schemas.microsoft.com/office/powerpoint/2010/main" val="2041904625"/>
       </p:ext>
     </p:extLst>
   </p:cSld>
